--- a/Моделювання  дійсної мінімальної поверхні на основі ізотропного В-сплайну.pptx
+++ b/Моделювання  дійсної мінімальної поверхні на основі ізотропного В-сплайну.pptx
@@ -6,16 +6,17 @@
   </p:sldMasterIdLst>
   <p:sldIdLst>
     <p:sldId id="256" r:id="rId2"/>
-    <p:sldId id="257" r:id="rId3"/>
-    <p:sldId id="259" r:id="rId4"/>
-    <p:sldId id="258" r:id="rId5"/>
-    <p:sldId id="260" r:id="rId6"/>
-    <p:sldId id="261" r:id="rId7"/>
-    <p:sldId id="262" r:id="rId8"/>
-    <p:sldId id="263" r:id="rId9"/>
-    <p:sldId id="264" r:id="rId10"/>
-    <p:sldId id="265" r:id="rId11"/>
-    <p:sldId id="266" r:id="rId12"/>
+    <p:sldId id="267" r:id="rId3"/>
+    <p:sldId id="257" r:id="rId4"/>
+    <p:sldId id="259" r:id="rId5"/>
+    <p:sldId id="258" r:id="rId6"/>
+    <p:sldId id="260" r:id="rId7"/>
+    <p:sldId id="261" r:id="rId8"/>
+    <p:sldId id="262" r:id="rId9"/>
+    <p:sldId id="263" r:id="rId10"/>
+    <p:sldId id="264" r:id="rId11"/>
+    <p:sldId id="265" r:id="rId12"/>
+    <p:sldId id="266" r:id="rId13"/>
   </p:sldIdLst>
   <p:sldSz cx="12192000" cy="6858000"/>
   <p:notesSz cx="6858000" cy="9144000"/>
@@ -114,6 +115,11 @@
       </a:defRPr>
     </a:lvl9pPr>
   </p:defaultTextStyle>
+  <p:extLst>
+    <p:ext uri="{EFAFB233-063F-42B5-8137-9DF3F51BA10A}">
+      <p15:sldGuideLst xmlns:p15="http://schemas.microsoft.com/office/powerpoint/2012/main"/>
+    </p:ext>
+  </p:extLst>
 </p:presentation>
 </file>
 
@@ -839,7 +845,7 @@
           <a:p>
             <a:fld id="{5D700F1B-9BD9-45C0-A8AA-ECE28E90E438}" type="datetimeFigureOut">
               <a:rPr lang="ru-RU" smtClean="0"/>
-              <a:t>29.05.2018</a:t>
+              <a:t>31.05.2018</a:t>
             </a:fld>
             <a:endParaRPr lang="ru-RU"/>
           </a:p>
@@ -1090,7 +1096,7 @@
           <a:p>
             <a:fld id="{5D700F1B-9BD9-45C0-A8AA-ECE28E90E438}" type="datetimeFigureOut">
               <a:rPr lang="ru-RU" smtClean="0"/>
-              <a:t>29.05.2018</a:t>
+              <a:t>31.05.2018</a:t>
             </a:fld>
             <a:endParaRPr lang="ru-RU"/>
           </a:p>
@@ -1404,7 +1410,7 @@
           <a:p>
             <a:fld id="{5D700F1B-9BD9-45C0-A8AA-ECE28E90E438}" type="datetimeFigureOut">
               <a:rPr lang="ru-RU" smtClean="0"/>
-              <a:t>29.05.2018</a:t>
+              <a:t>31.05.2018</a:t>
             </a:fld>
             <a:endParaRPr lang="ru-RU"/>
           </a:p>
@@ -1745,7 +1751,7 @@
           <a:p>
             <a:fld id="{5D700F1B-9BD9-45C0-A8AA-ECE28E90E438}" type="datetimeFigureOut">
               <a:rPr lang="ru-RU" smtClean="0"/>
-              <a:t>29.05.2018</a:t>
+              <a:t>31.05.2018</a:t>
             </a:fld>
             <a:endParaRPr lang="ru-RU"/>
           </a:p>
@@ -2059,7 +2065,7 @@
           <a:p>
             <a:fld id="{5D700F1B-9BD9-45C0-A8AA-ECE28E90E438}" type="datetimeFigureOut">
               <a:rPr lang="ru-RU" smtClean="0"/>
-              <a:t>29.05.2018</a:t>
+              <a:t>31.05.2018</a:t>
             </a:fld>
             <a:endParaRPr lang="ru-RU"/>
           </a:p>
@@ -2452,7 +2458,7 @@
           <a:p>
             <a:fld id="{5D700F1B-9BD9-45C0-A8AA-ECE28E90E438}" type="datetimeFigureOut">
               <a:rPr lang="ru-RU" smtClean="0"/>
-              <a:t>29.05.2018</a:t>
+              <a:t>31.05.2018</a:t>
             </a:fld>
             <a:endParaRPr lang="ru-RU"/>
           </a:p>
@@ -2622,7 +2628,7 @@
           <a:p>
             <a:fld id="{5D700F1B-9BD9-45C0-A8AA-ECE28E90E438}" type="datetimeFigureOut">
               <a:rPr lang="ru-RU" smtClean="0"/>
-              <a:t>29.05.2018</a:t>
+              <a:t>31.05.2018</a:t>
             </a:fld>
             <a:endParaRPr lang="ru-RU"/>
           </a:p>
@@ -2802,7 +2808,7 @@
           <a:p>
             <a:fld id="{5D700F1B-9BD9-45C0-A8AA-ECE28E90E438}" type="datetimeFigureOut">
               <a:rPr lang="ru-RU" smtClean="0"/>
-              <a:t>29.05.2018</a:t>
+              <a:t>31.05.2018</a:t>
             </a:fld>
             <a:endParaRPr lang="ru-RU"/>
           </a:p>
@@ -2978,7 +2984,7 @@
           <a:p>
             <a:fld id="{5D700F1B-9BD9-45C0-A8AA-ECE28E90E438}" type="datetimeFigureOut">
               <a:rPr lang="ru-RU" smtClean="0"/>
-              <a:t>29.05.2018</a:t>
+              <a:t>31.05.2018</a:t>
             </a:fld>
             <a:endParaRPr lang="ru-RU"/>
           </a:p>
@@ -3225,7 +3231,7 @@
           <a:p>
             <a:fld id="{5D700F1B-9BD9-45C0-A8AA-ECE28E90E438}" type="datetimeFigureOut">
               <a:rPr lang="ru-RU" smtClean="0"/>
-              <a:t>29.05.2018</a:t>
+              <a:t>31.05.2018</a:t>
             </a:fld>
             <a:endParaRPr lang="ru-RU"/>
           </a:p>
@@ -3457,7 +3463,7 @@
           <a:p>
             <a:fld id="{5D700F1B-9BD9-45C0-A8AA-ECE28E90E438}" type="datetimeFigureOut">
               <a:rPr lang="ru-RU" smtClean="0"/>
-              <a:t>29.05.2018</a:t>
+              <a:t>31.05.2018</a:t>
             </a:fld>
             <a:endParaRPr lang="ru-RU"/>
           </a:p>
@@ -3831,7 +3837,7 @@
           <a:p>
             <a:fld id="{5D700F1B-9BD9-45C0-A8AA-ECE28E90E438}" type="datetimeFigureOut">
               <a:rPr lang="ru-RU" smtClean="0"/>
-              <a:t>29.05.2018</a:t>
+              <a:t>31.05.2018</a:t>
             </a:fld>
             <a:endParaRPr lang="ru-RU"/>
           </a:p>
@@ -3954,7 +3960,7 @@
           <a:p>
             <a:fld id="{5D700F1B-9BD9-45C0-A8AA-ECE28E90E438}" type="datetimeFigureOut">
               <a:rPr lang="ru-RU" smtClean="0"/>
-              <a:t>29.05.2018</a:t>
+              <a:t>31.05.2018</a:t>
             </a:fld>
             <a:endParaRPr lang="ru-RU"/>
           </a:p>
@@ -4049,7 +4055,7 @@
           <a:p>
             <a:fld id="{5D700F1B-9BD9-45C0-A8AA-ECE28E90E438}" type="datetimeFigureOut">
               <a:rPr lang="ru-RU" smtClean="0"/>
-              <a:t>29.05.2018</a:t>
+              <a:t>31.05.2018</a:t>
             </a:fld>
             <a:endParaRPr lang="ru-RU"/>
           </a:p>
@@ -4304,7 +4310,7 @@
           <a:p>
             <a:fld id="{5D700F1B-9BD9-45C0-A8AA-ECE28E90E438}" type="datetimeFigureOut">
               <a:rPr lang="ru-RU" smtClean="0"/>
-              <a:t>29.05.2018</a:t>
+              <a:t>31.05.2018</a:t>
             </a:fld>
             <a:endParaRPr lang="ru-RU"/>
           </a:p>
@@ -4567,7 +4573,7 @@
           <a:p>
             <a:fld id="{5D700F1B-9BD9-45C0-A8AA-ECE28E90E438}" type="datetimeFigureOut">
               <a:rPr lang="ru-RU" smtClean="0"/>
-              <a:t>29.05.2018</a:t>
+              <a:t>31.05.2018</a:t>
             </a:fld>
             <a:endParaRPr lang="ru-RU"/>
           </a:p>
@@ -5310,7 +5316,7 @@
           <a:p>
             <a:fld id="{5D700F1B-9BD9-45C0-A8AA-ECE28E90E438}" type="datetimeFigureOut">
               <a:rPr lang="ru-RU" smtClean="0"/>
-              <a:t>29.05.2018</a:t>
+              <a:t>31.05.2018</a:t>
             </a:fld>
             <a:endParaRPr lang="ru-RU"/>
           </a:p>
@@ -5908,4150 +5914,6 @@
 </file>
 
 <file path=ppt/slides/slide10.xml><?xml version="1.0" encoding="utf-8"?>
-<p:sld xmlns:a="http://schemas.openxmlformats.org/drawingml/2006/main" xmlns:r="http://schemas.openxmlformats.org/officeDocument/2006/relationships" xmlns:p="http://schemas.openxmlformats.org/presentationml/2006/main">
-  <p:cSld>
-    <p:spTree>
-      <p:nvGrpSpPr>
-        <p:cNvPr id="1" name=""/>
-        <p:cNvGrpSpPr/>
-        <p:nvPr/>
-      </p:nvGrpSpPr>
-      <p:grpSpPr>
-        <a:xfrm>
-          <a:off x="0" y="0"/>
-          <a:ext cx="0" cy="0"/>
-          <a:chOff x="0" y="0"/>
-          <a:chExt cx="0" cy="0"/>
-        </a:xfrm>
-      </p:grpSpPr>
-      <p:sp>
-        <p:nvSpPr>
-          <p:cNvPr id="2" name="Заголовок 1"/>
-          <p:cNvSpPr>
-            <a:spLocks noGrp="1"/>
-          </p:cNvSpPr>
-          <p:nvPr>
-            <p:ph type="title"/>
-          </p:nvPr>
-        </p:nvSpPr>
-        <p:spPr/>
-        <p:txBody>
-          <a:bodyPr>
-            <a:normAutofit fontScale="90000"/>
-          </a:bodyPr>
-          <a:lstStyle/>
-          <a:p>
-            <a:r>
-              <a:rPr lang="ru-RU" dirty="0" smtClean="0"/>
-              <a:t>ПРИКЛАД</a:t>
-            </a:r>
-            <a:r>
-              <a:rPr lang="en-US" dirty="0" smtClean="0"/>
-              <a:t> </a:t>
-            </a:r>
-            <a:r>
-              <a:rPr lang="uk-UA" dirty="0" smtClean="0"/>
-              <a:t>ОРТОГОНАЛЬНОЇ ІЗОМЕТРИЧНОЇ</a:t>
-            </a:r>
-            <a:r>
-              <a:rPr lang="ru-RU" dirty="0" smtClean="0"/>
-              <a:t/>
-            </a:r>
-            <a:br>
-              <a:rPr lang="ru-RU" dirty="0" smtClean="0"/>
-            </a:br>
-            <a:r>
-              <a:rPr lang="ru-RU" dirty="0" smtClean="0"/>
-              <a:t>ПЛОСКОЇ СІТКИ</a:t>
-            </a:r>
-            <a:endParaRPr lang="ru-RU" dirty="0"/>
-          </a:p>
-        </p:txBody>
-      </p:sp>
-      <p:pic>
-        <p:nvPicPr>
-          <p:cNvPr id="6" name="Рисунок 5"/>
-          <p:cNvPicPr>
-            <a:picLocks noChangeAspect="1"/>
-          </p:cNvPicPr>
-          <p:nvPr/>
-        </p:nvPicPr>
-        <p:blipFill>
-          <a:blip r:embed="rId2"/>
-          <a:stretch>
-            <a:fillRect/>
-          </a:stretch>
-        </p:blipFill>
-        <p:spPr>
-          <a:xfrm>
-            <a:off x="703119" y="1690688"/>
-            <a:ext cx="4333875" cy="4076700"/>
-          </a:xfrm>
-          <a:prstGeom prst="rect">
-            <a:avLst/>
-          </a:prstGeom>
-        </p:spPr>
-      </p:pic>
-      <p:pic>
-        <p:nvPicPr>
-          <p:cNvPr id="7" name="Рисунок 6"/>
-          <p:cNvPicPr>
-            <a:picLocks noChangeAspect="1"/>
-          </p:cNvPicPr>
-          <p:nvPr/>
-        </p:nvPicPr>
-        <p:blipFill>
-          <a:blip r:embed="rId3"/>
-          <a:stretch>
-            <a:fillRect/>
-          </a:stretch>
-        </p:blipFill>
-        <p:spPr>
-          <a:xfrm>
-            <a:off x="6948449" y="1690688"/>
-            <a:ext cx="4405351" cy="3953309"/>
-          </a:xfrm>
-          <a:prstGeom prst="rect">
-            <a:avLst/>
-          </a:prstGeom>
-        </p:spPr>
-      </p:pic>
-      <p:sp>
-        <p:nvSpPr>
-          <p:cNvPr id="8" name="Прямоугольник 7"/>
-          <p:cNvSpPr/>
-          <p:nvPr/>
-        </p:nvSpPr>
-        <p:spPr>
-          <a:xfrm>
-            <a:off x="1102358" y="5850235"/>
-            <a:ext cx="3698242" cy="923330"/>
-          </a:xfrm>
-          <a:prstGeom prst="rect">
-            <a:avLst/>
-          </a:prstGeom>
-        </p:spPr>
-        <p:txBody>
-          <a:bodyPr wrap="square">
-            <a:spAutoFit/>
-          </a:bodyPr>
-          <a:lstStyle/>
-          <a:p>
-            <a:r>
-              <a:rPr lang="ru-RU" dirty="0" smtClean="0"/>
-              <a:t>Ортогональна </a:t>
-            </a:r>
-            <a:r>
-              <a:rPr lang="ru-RU" dirty="0"/>
-              <a:t>изотермическая плоска </a:t>
-            </a:r>
-            <a:r>
-              <a:rPr lang="ru-RU" dirty="0" err="1"/>
-              <a:t>сітка</a:t>
-            </a:r>
-            <a:r>
-              <a:rPr lang="ru-RU" dirty="0"/>
-              <a:t> на </a:t>
-            </a:r>
-            <a:r>
-              <a:rPr lang="ru-RU" dirty="0" err="1"/>
-              <a:t>основі</a:t>
-            </a:r>
-            <a:r>
-              <a:rPr lang="ru-RU" dirty="0"/>
-              <a:t> </a:t>
-            </a:r>
-            <a:r>
-              <a:rPr lang="ru-RU" dirty="0" err="1"/>
-              <a:t>кривої</a:t>
-            </a:r>
-            <a:r>
-              <a:rPr lang="ru-RU" dirty="0"/>
-              <a:t> В- сплайна (сегмент, де j = 2)</a:t>
-            </a:r>
-          </a:p>
-        </p:txBody>
-      </p:sp>
-      <p:sp>
-        <p:nvSpPr>
-          <p:cNvPr id="9" name="Прямоугольник 8"/>
-          <p:cNvSpPr/>
-          <p:nvPr/>
-        </p:nvSpPr>
-        <p:spPr>
-          <a:xfrm>
-            <a:off x="7555112" y="5767388"/>
-            <a:ext cx="3698242" cy="923330"/>
-          </a:xfrm>
-          <a:prstGeom prst="rect">
-            <a:avLst/>
-          </a:prstGeom>
-        </p:spPr>
-        <p:txBody>
-          <a:bodyPr wrap="square">
-            <a:spAutoFit/>
-          </a:bodyPr>
-          <a:lstStyle/>
-          <a:p>
-            <a:r>
-              <a:rPr lang="ru-RU" dirty="0" smtClean="0"/>
-              <a:t>Ортогональна </a:t>
-            </a:r>
-            <a:r>
-              <a:rPr lang="ru-RU" dirty="0"/>
-              <a:t>изотермическая плоска </a:t>
-            </a:r>
-            <a:r>
-              <a:rPr lang="ru-RU" dirty="0" err="1"/>
-              <a:t>сітка</a:t>
-            </a:r>
-            <a:r>
-              <a:rPr lang="ru-RU" dirty="0"/>
-              <a:t> на </a:t>
-            </a:r>
-            <a:r>
-              <a:rPr lang="ru-RU" dirty="0" err="1"/>
-              <a:t>основі</a:t>
-            </a:r>
-            <a:r>
-              <a:rPr lang="ru-RU" dirty="0"/>
-              <a:t> </a:t>
-            </a:r>
-            <a:r>
-              <a:rPr lang="ru-RU" dirty="0" err="1"/>
-              <a:t>кривої</a:t>
-            </a:r>
-            <a:r>
-              <a:rPr lang="ru-RU" dirty="0"/>
-              <a:t> В- сплайна (сегмент, де j = </a:t>
-            </a:r>
-            <a:r>
-              <a:rPr lang="en-US" dirty="0" smtClean="0"/>
-              <a:t>3</a:t>
-            </a:r>
-            <a:r>
-              <a:rPr lang="ru-RU" dirty="0" smtClean="0"/>
-              <a:t>)</a:t>
-            </a:r>
-            <a:endParaRPr lang="ru-RU" dirty="0"/>
-          </a:p>
-        </p:txBody>
-      </p:sp>
-    </p:spTree>
-    <p:extLst>
-      <p:ext uri="{BB962C8B-B14F-4D97-AF65-F5344CB8AC3E}">
-        <p14:creationId xmlns:p14="http://schemas.microsoft.com/office/powerpoint/2010/main" val="163677518"/>
-      </p:ext>
-    </p:extLst>
-  </p:cSld>
-  <p:clrMapOvr>
-    <a:masterClrMapping/>
-  </p:clrMapOvr>
-</p:sld>
-</file>
-
-<file path=ppt/slides/slide11.xml><?xml version="1.0" encoding="utf-8"?>
-<p:sld xmlns:a="http://schemas.openxmlformats.org/drawingml/2006/main" xmlns:r="http://schemas.openxmlformats.org/officeDocument/2006/relationships" xmlns:p="http://schemas.openxmlformats.org/presentationml/2006/main">
-  <p:cSld>
-    <p:spTree>
-      <p:nvGrpSpPr>
-        <p:cNvPr id="1" name=""/>
-        <p:cNvGrpSpPr/>
-        <p:nvPr/>
-      </p:nvGrpSpPr>
-      <p:grpSpPr>
-        <a:xfrm>
-          <a:off x="0" y="0"/>
-          <a:ext cx="0" cy="0"/>
-          <a:chOff x="0" y="0"/>
-          <a:chExt cx="0" cy="0"/>
-        </a:xfrm>
-      </p:grpSpPr>
-      <p:sp>
-        <p:nvSpPr>
-          <p:cNvPr id="2" name="Заголовок 1"/>
-          <p:cNvSpPr>
-            <a:spLocks noGrp="1"/>
-          </p:cNvSpPr>
-          <p:nvPr>
-            <p:ph type="title"/>
-          </p:nvPr>
-        </p:nvSpPr>
-        <p:spPr>
-          <a:xfrm>
-            <a:off x="900545" y="2422525"/>
-            <a:ext cx="10515600" cy="1325563"/>
-          </a:xfrm>
-        </p:spPr>
-        <p:txBody>
-          <a:bodyPr/>
-          <a:lstStyle/>
-          <a:p>
-            <a:pPr algn="ctr"/>
-            <a:r>
-              <a:rPr lang="uk-UA" dirty="0" smtClean="0"/>
-              <a:t>ДЯКУЮ ЗА УВАГУ</a:t>
-            </a:r>
-            <a:endParaRPr lang="ru-RU" dirty="0"/>
-          </a:p>
-        </p:txBody>
-      </p:sp>
-    </p:spTree>
-    <p:extLst>
-      <p:ext uri="{BB962C8B-B14F-4D97-AF65-F5344CB8AC3E}">
-        <p14:creationId xmlns:p14="http://schemas.microsoft.com/office/powerpoint/2010/main" val="2022707455"/>
-      </p:ext>
-    </p:extLst>
-  </p:cSld>
-  <p:clrMapOvr>
-    <a:masterClrMapping/>
-  </p:clrMapOvr>
-</p:sld>
-</file>
-
-<file path=ppt/slides/slide2.xml><?xml version="1.0" encoding="utf-8"?>
-<p:sld xmlns:a="http://schemas.openxmlformats.org/drawingml/2006/main" xmlns:r="http://schemas.openxmlformats.org/officeDocument/2006/relationships" xmlns:p="http://schemas.openxmlformats.org/presentationml/2006/main">
-  <p:cSld>
-    <p:spTree>
-      <p:nvGrpSpPr>
-        <p:cNvPr id="1" name=""/>
-        <p:cNvGrpSpPr/>
-        <p:nvPr/>
-      </p:nvGrpSpPr>
-      <p:grpSpPr>
-        <a:xfrm>
-          <a:off x="0" y="0"/>
-          <a:ext cx="0" cy="0"/>
-          <a:chOff x="0" y="0"/>
-          <a:chExt cx="0" cy="0"/>
-        </a:xfrm>
-      </p:grpSpPr>
-      <p:sp>
-        <p:nvSpPr>
-          <p:cNvPr id="2" name="Заголовок 1"/>
-          <p:cNvSpPr>
-            <a:spLocks noGrp="1"/>
-          </p:cNvSpPr>
-          <p:nvPr>
-            <p:ph type="title"/>
-          </p:nvPr>
-        </p:nvSpPr>
-        <p:spPr/>
-        <p:txBody>
-          <a:bodyPr/>
-          <a:lstStyle/>
-          <a:p>
-            <a:r>
-              <a:rPr lang="uk-UA" dirty="0" smtClean="0"/>
-              <a:t>В-</a:t>
-            </a:r>
-            <a:r>
-              <a:rPr lang="uk-UA" dirty="0" err="1" smtClean="0"/>
-              <a:t>сплайн</a:t>
-            </a:r>
-            <a:endParaRPr lang="ru-RU" dirty="0"/>
-          </a:p>
-        </p:txBody>
-      </p:sp>
-      <p:sp>
-        <p:nvSpPr>
-          <p:cNvPr id="3" name="Объект 2"/>
-          <p:cNvSpPr>
-            <a:spLocks noGrp="1"/>
-          </p:cNvSpPr>
-          <p:nvPr>
-            <p:ph idx="1"/>
-          </p:nvPr>
-        </p:nvSpPr>
-        <p:spPr>
-          <a:xfrm>
-            <a:off x="606136" y="1472334"/>
-            <a:ext cx="10515600" cy="4351338"/>
-          </a:xfrm>
-        </p:spPr>
-        <p:txBody>
-          <a:bodyPr/>
-          <a:lstStyle/>
-          <a:p>
-            <a:pPr marL="0" indent="0">
-              <a:buNone/>
-            </a:pPr>
-            <a:r>
-              <a:rPr lang="uk-UA" dirty="0" smtClean="0"/>
-              <a:t>В-</a:t>
-            </a:r>
-            <a:r>
-              <a:rPr lang="uk-UA" dirty="0" err="1" smtClean="0"/>
-              <a:t>сплайн</a:t>
-            </a:r>
-            <a:r>
-              <a:rPr lang="uk-UA" dirty="0" smtClean="0"/>
-              <a:t>-</a:t>
-            </a:r>
-            <a:r>
-              <a:rPr lang="ru-RU" dirty="0" err="1" smtClean="0"/>
-              <a:t>це</a:t>
-            </a:r>
-            <a:r>
-              <a:rPr lang="ru-RU" dirty="0" smtClean="0"/>
-              <a:t> </a:t>
-            </a:r>
-            <a:r>
-              <a:rPr lang="ru-RU" dirty="0"/>
-              <a:t>сплайн, </a:t>
-            </a:r>
-            <a:r>
-              <a:rPr lang="ru-RU" dirty="0" err="1"/>
-              <a:t>рівний</a:t>
-            </a:r>
-            <a:r>
-              <a:rPr lang="ru-RU" dirty="0"/>
-              <a:t> нулю на </a:t>
-            </a:r>
-            <a:r>
-              <a:rPr lang="ru-RU" dirty="0" err="1"/>
-              <a:t>всіх</a:t>
-            </a:r>
-            <a:r>
-              <a:rPr lang="ru-RU" dirty="0"/>
-              <a:t> </a:t>
-            </a:r>
-            <a:r>
-              <a:rPr lang="ru-RU" dirty="0" err="1"/>
-              <a:t>підсегментах</a:t>
-            </a:r>
-            <a:r>
-              <a:rPr lang="ru-RU" dirty="0"/>
-              <a:t>, за </a:t>
-            </a:r>
-            <a:r>
-              <a:rPr lang="ru-RU" dirty="0" err="1" smtClean="0"/>
-              <a:t>винятком</a:t>
-            </a:r>
-            <a:r>
-              <a:rPr lang="ru-RU" dirty="0" smtClean="0"/>
-              <a:t> </a:t>
-            </a:r>
-            <a:r>
-              <a:rPr lang="en-US" dirty="0" smtClean="0"/>
-              <a:t>m+1</a:t>
-            </a:r>
-            <a:endParaRPr lang="ru-RU" dirty="0"/>
-          </a:p>
-        </p:txBody>
-      </p:sp>
-      <p:sp>
-        <p:nvSpPr>
-          <p:cNvPr id="7" name="Прямоугольник 6"/>
-          <p:cNvSpPr/>
-          <p:nvPr/>
-        </p:nvSpPr>
-        <p:spPr>
-          <a:xfrm>
-            <a:off x="4630881" y="2541443"/>
-            <a:ext cx="2119746" cy="810491"/>
-          </a:xfrm>
-          <a:prstGeom prst="rect">
-            <a:avLst/>
-          </a:prstGeom>
-        </p:spPr>
-        <p:style>
-          <a:lnRef idx="2">
-            <a:schemeClr val="accent1">
-              <a:shade val="50000"/>
-            </a:schemeClr>
-          </a:lnRef>
-          <a:fillRef idx="1">
-            <a:schemeClr val="accent1"/>
-          </a:fillRef>
-          <a:effectRef idx="0">
-            <a:schemeClr val="accent1"/>
-          </a:effectRef>
-          <a:fontRef idx="minor">
-            <a:schemeClr val="lt1"/>
-          </a:fontRef>
-        </p:style>
-        <p:txBody>
-          <a:bodyPr rtlCol="0" anchor="ctr"/>
-          <a:lstStyle/>
-          <a:p>
-            <a:pPr algn="ctr"/>
-            <a:r>
-              <a:rPr lang="uk-UA" dirty="0" smtClean="0"/>
-              <a:t>В-</a:t>
-            </a:r>
-            <a:r>
-              <a:rPr lang="uk-UA" dirty="0" err="1" smtClean="0"/>
-              <a:t>сплайн</a:t>
-            </a:r>
-            <a:endParaRPr lang="ru-RU" dirty="0"/>
-          </a:p>
-        </p:txBody>
-      </p:sp>
-      <p:sp>
-        <p:nvSpPr>
-          <p:cNvPr id="10" name="Прямоугольник 9"/>
-          <p:cNvSpPr/>
-          <p:nvPr/>
-        </p:nvSpPr>
-        <p:spPr>
-          <a:xfrm>
-            <a:off x="2452255" y="3648652"/>
-            <a:ext cx="2119746" cy="810491"/>
-          </a:xfrm>
-          <a:prstGeom prst="rect">
-            <a:avLst/>
-          </a:prstGeom>
-        </p:spPr>
-        <p:style>
-          <a:lnRef idx="2">
-            <a:schemeClr val="accent1">
-              <a:shade val="50000"/>
-            </a:schemeClr>
-          </a:lnRef>
-          <a:fillRef idx="1">
-            <a:schemeClr val="accent1"/>
-          </a:fillRef>
-          <a:effectRef idx="0">
-            <a:schemeClr val="accent1"/>
-          </a:effectRef>
-          <a:fontRef idx="minor">
-            <a:schemeClr val="lt1"/>
-          </a:fontRef>
-        </p:style>
-        <p:txBody>
-          <a:bodyPr rtlCol="0" anchor="ctr"/>
-          <a:lstStyle/>
-          <a:p>
-            <a:pPr algn="ctr"/>
-            <a:r>
-              <a:rPr lang="uk-UA" dirty="0" smtClean="0"/>
-              <a:t>Періодичні</a:t>
-            </a:r>
-            <a:endParaRPr lang="ru-RU" dirty="0"/>
-          </a:p>
-        </p:txBody>
-      </p:sp>
-      <p:sp>
-        <p:nvSpPr>
-          <p:cNvPr id="11" name="Прямоугольник 10"/>
-          <p:cNvSpPr/>
-          <p:nvPr/>
-        </p:nvSpPr>
-        <p:spPr>
-          <a:xfrm>
-            <a:off x="606136" y="5418426"/>
-            <a:ext cx="2119746" cy="810491"/>
-          </a:xfrm>
-          <a:prstGeom prst="rect">
-            <a:avLst/>
-          </a:prstGeom>
-        </p:spPr>
-        <p:style>
-          <a:lnRef idx="2">
-            <a:schemeClr val="accent1">
-              <a:shade val="50000"/>
-            </a:schemeClr>
-          </a:lnRef>
-          <a:fillRef idx="1">
-            <a:schemeClr val="accent1"/>
-          </a:fillRef>
-          <a:effectRef idx="0">
-            <a:schemeClr val="accent1"/>
-          </a:effectRef>
-          <a:fontRef idx="minor">
-            <a:schemeClr val="lt1"/>
-          </a:fontRef>
-        </p:style>
-        <p:txBody>
-          <a:bodyPr rtlCol="0" anchor="ctr"/>
-          <a:lstStyle/>
-          <a:p>
-            <a:pPr algn="ctr"/>
-            <a:r>
-              <a:rPr lang="uk-UA" dirty="0" err="1" smtClean="0"/>
-              <a:t>Нормолізованні</a:t>
-            </a:r>
-            <a:r>
-              <a:rPr lang="uk-UA" dirty="0" smtClean="0"/>
-              <a:t> на інтервалі</a:t>
-            </a:r>
-            <a:endParaRPr lang="ru-RU" dirty="0"/>
-          </a:p>
-        </p:txBody>
-      </p:sp>
-      <p:sp>
-        <p:nvSpPr>
-          <p:cNvPr id="12" name="Прямоугольник 11"/>
-          <p:cNvSpPr/>
-          <p:nvPr/>
-        </p:nvSpPr>
-        <p:spPr>
-          <a:xfrm>
-            <a:off x="6786995" y="3642374"/>
-            <a:ext cx="2119746" cy="810491"/>
-          </a:xfrm>
-          <a:prstGeom prst="rect">
-            <a:avLst/>
-          </a:prstGeom>
-        </p:spPr>
-        <p:style>
-          <a:lnRef idx="2">
-            <a:schemeClr val="accent1">
-              <a:shade val="50000"/>
-            </a:schemeClr>
-          </a:lnRef>
-          <a:fillRef idx="1">
-            <a:schemeClr val="accent1"/>
-          </a:fillRef>
-          <a:effectRef idx="0">
-            <a:schemeClr val="accent1"/>
-          </a:effectRef>
-          <a:fontRef idx="minor">
-            <a:schemeClr val="lt1"/>
-          </a:fontRef>
-        </p:style>
-        <p:txBody>
-          <a:bodyPr rtlCol="0" anchor="ctr"/>
-          <a:lstStyle/>
-          <a:p>
-            <a:pPr algn="ctr"/>
-            <a:r>
-              <a:rPr lang="uk-UA" dirty="0" smtClean="0"/>
-              <a:t>Відкриті</a:t>
-            </a:r>
-            <a:endParaRPr lang="ru-RU" dirty="0"/>
-          </a:p>
-        </p:txBody>
-      </p:sp>
-      <p:sp>
-        <p:nvSpPr>
-          <p:cNvPr id="13" name="Прямоугольник 12"/>
-          <p:cNvSpPr/>
-          <p:nvPr/>
-        </p:nvSpPr>
-        <p:spPr>
-          <a:xfrm>
-            <a:off x="3536372" y="5427734"/>
-            <a:ext cx="2119746" cy="810491"/>
-          </a:xfrm>
-          <a:prstGeom prst="rect">
-            <a:avLst/>
-          </a:prstGeom>
-        </p:spPr>
-        <p:style>
-          <a:lnRef idx="2">
-            <a:schemeClr val="accent1">
-              <a:shade val="50000"/>
-            </a:schemeClr>
-          </a:lnRef>
-          <a:fillRef idx="1">
-            <a:schemeClr val="accent1"/>
-          </a:fillRef>
-          <a:effectRef idx="0">
-            <a:schemeClr val="accent1"/>
-          </a:effectRef>
-          <a:fontRef idx="minor">
-            <a:schemeClr val="lt1"/>
-          </a:fontRef>
-        </p:style>
-        <p:txBody>
-          <a:bodyPr rtlCol="0" anchor="ctr"/>
-          <a:lstStyle/>
-          <a:p>
-            <a:pPr algn="ctr"/>
-            <a:r>
-              <a:rPr lang="uk-UA" dirty="0" err="1" smtClean="0"/>
-              <a:t>Ненормалізованні</a:t>
-            </a:r>
-            <a:r>
-              <a:rPr lang="uk-UA" dirty="0" smtClean="0"/>
-              <a:t> на інтервалі </a:t>
-            </a:r>
-            <a:endParaRPr lang="ru-RU" dirty="0"/>
-          </a:p>
-        </p:txBody>
-      </p:sp>
-      <p:sp>
-        <p:nvSpPr>
-          <p:cNvPr id="14" name="Прямоугольник 13"/>
-          <p:cNvSpPr/>
-          <p:nvPr/>
-        </p:nvSpPr>
-        <p:spPr>
-          <a:xfrm>
-            <a:off x="5988626" y="5427734"/>
-            <a:ext cx="2119746" cy="810491"/>
-          </a:xfrm>
-          <a:prstGeom prst="rect">
-            <a:avLst/>
-          </a:prstGeom>
-        </p:spPr>
-        <p:style>
-          <a:lnRef idx="2">
-            <a:schemeClr val="accent1">
-              <a:shade val="50000"/>
-            </a:schemeClr>
-          </a:lnRef>
-          <a:fillRef idx="1">
-            <a:schemeClr val="accent1"/>
-          </a:fillRef>
-          <a:effectRef idx="0">
-            <a:schemeClr val="accent1"/>
-          </a:effectRef>
-          <a:fontRef idx="minor">
-            <a:schemeClr val="lt1"/>
-          </a:fontRef>
-        </p:style>
-        <p:txBody>
-          <a:bodyPr rtlCol="0" anchor="ctr"/>
-          <a:lstStyle/>
-          <a:p>
-            <a:pPr algn="ctr"/>
-            <a:r>
-              <a:rPr lang="uk-UA" dirty="0" err="1" smtClean="0"/>
-              <a:t>Равномірная</a:t>
-            </a:r>
-            <a:r>
-              <a:rPr lang="uk-UA" dirty="0" smtClean="0"/>
-              <a:t> параметризація</a:t>
-            </a:r>
-            <a:endParaRPr lang="ru-RU" dirty="0"/>
-          </a:p>
-        </p:txBody>
-      </p:sp>
-      <p:sp>
-        <p:nvSpPr>
-          <p:cNvPr id="15" name="Прямоугольник 14"/>
-          <p:cNvSpPr/>
-          <p:nvPr/>
-        </p:nvSpPr>
-        <p:spPr>
-          <a:xfrm>
-            <a:off x="9001990" y="5418425"/>
-            <a:ext cx="2119746" cy="810491"/>
-          </a:xfrm>
-          <a:prstGeom prst="rect">
-            <a:avLst/>
-          </a:prstGeom>
-        </p:spPr>
-        <p:style>
-          <a:lnRef idx="2">
-            <a:schemeClr val="accent1">
-              <a:shade val="50000"/>
-            </a:schemeClr>
-          </a:lnRef>
-          <a:fillRef idx="1">
-            <a:schemeClr val="accent1"/>
-          </a:fillRef>
-          <a:effectRef idx="0">
-            <a:schemeClr val="accent1"/>
-          </a:effectRef>
-          <a:fontRef idx="minor">
-            <a:schemeClr val="lt1"/>
-          </a:fontRef>
-        </p:style>
-        <p:txBody>
-          <a:bodyPr rtlCol="0" anchor="ctr"/>
-          <a:lstStyle/>
-          <a:p>
-            <a:pPr algn="ctr"/>
-            <a:r>
-              <a:rPr lang="uk-UA" dirty="0" err="1" smtClean="0"/>
-              <a:t>Не</a:t>
-            </a:r>
-            <a:r>
-              <a:rPr lang="uk-UA" dirty="0" err="1" smtClean="0"/>
-              <a:t>авномірная</a:t>
-            </a:r>
-            <a:r>
-              <a:rPr lang="uk-UA" dirty="0" smtClean="0"/>
-              <a:t> параметризація</a:t>
-            </a:r>
-            <a:endParaRPr lang="ru-RU" dirty="0" smtClean="0"/>
-          </a:p>
-        </p:txBody>
-      </p:sp>
-      <p:cxnSp>
-        <p:nvCxnSpPr>
-          <p:cNvPr id="17" name="Прямая со стрелкой 16"/>
-          <p:cNvCxnSpPr>
-            <a:stCxn id="7" idx="1"/>
-            <a:endCxn id="10" idx="0"/>
-          </p:cNvCxnSpPr>
-          <p:nvPr/>
-        </p:nvCxnSpPr>
-        <p:spPr>
-          <a:xfrm flipH="1">
-            <a:off x="3512128" y="2946689"/>
-            <a:ext cx="1118753" cy="701963"/>
-          </a:xfrm>
-          <a:prstGeom prst="straightConnector1">
-            <a:avLst/>
-          </a:prstGeom>
-          <a:ln>
-            <a:tailEnd type="triangle"/>
-          </a:ln>
-        </p:spPr>
-        <p:style>
-          <a:lnRef idx="1">
-            <a:schemeClr val="accent1"/>
-          </a:lnRef>
-          <a:fillRef idx="0">
-            <a:schemeClr val="accent1"/>
-          </a:fillRef>
-          <a:effectRef idx="0">
-            <a:schemeClr val="accent1"/>
-          </a:effectRef>
-          <a:fontRef idx="minor">
-            <a:schemeClr val="tx1"/>
-          </a:fontRef>
-        </p:style>
-      </p:cxnSp>
-      <p:cxnSp>
-        <p:nvCxnSpPr>
-          <p:cNvPr id="19" name="Прямая со стрелкой 18"/>
-          <p:cNvCxnSpPr>
-            <a:stCxn id="10" idx="2"/>
-            <a:endCxn id="11" idx="0"/>
-          </p:cNvCxnSpPr>
-          <p:nvPr/>
-        </p:nvCxnSpPr>
-        <p:spPr>
-          <a:xfrm flipH="1">
-            <a:off x="1666009" y="4459143"/>
-            <a:ext cx="1846119" cy="959283"/>
-          </a:xfrm>
-          <a:prstGeom prst="straightConnector1">
-            <a:avLst/>
-          </a:prstGeom>
-          <a:ln>
-            <a:tailEnd type="triangle"/>
-          </a:ln>
-        </p:spPr>
-        <p:style>
-          <a:lnRef idx="1">
-            <a:schemeClr val="accent1"/>
-          </a:lnRef>
-          <a:fillRef idx="0">
-            <a:schemeClr val="accent1"/>
-          </a:fillRef>
-          <a:effectRef idx="0">
-            <a:schemeClr val="accent1"/>
-          </a:effectRef>
-          <a:fontRef idx="minor">
-            <a:schemeClr val="tx1"/>
-          </a:fontRef>
-        </p:style>
-      </p:cxnSp>
-      <p:cxnSp>
-        <p:nvCxnSpPr>
-          <p:cNvPr id="21" name="Прямая со стрелкой 20"/>
-          <p:cNvCxnSpPr>
-            <a:stCxn id="10" idx="2"/>
-            <a:endCxn id="13" idx="0"/>
-          </p:cNvCxnSpPr>
-          <p:nvPr/>
-        </p:nvCxnSpPr>
-        <p:spPr>
-          <a:xfrm>
-            <a:off x="3512128" y="4459143"/>
-            <a:ext cx="1084117" cy="968591"/>
-          </a:xfrm>
-          <a:prstGeom prst="straightConnector1">
-            <a:avLst/>
-          </a:prstGeom>
-          <a:ln>
-            <a:tailEnd type="triangle"/>
-          </a:ln>
-        </p:spPr>
-        <p:style>
-          <a:lnRef idx="1">
-            <a:schemeClr val="accent1"/>
-          </a:lnRef>
-          <a:fillRef idx="0">
-            <a:schemeClr val="accent1"/>
-          </a:fillRef>
-          <a:effectRef idx="0">
-            <a:schemeClr val="accent1"/>
-          </a:effectRef>
-          <a:fontRef idx="minor">
-            <a:schemeClr val="tx1"/>
-          </a:fontRef>
-        </p:style>
-      </p:cxnSp>
-      <p:cxnSp>
-        <p:nvCxnSpPr>
-          <p:cNvPr id="23" name="Прямая со стрелкой 22"/>
-          <p:cNvCxnSpPr>
-            <a:stCxn id="12" idx="2"/>
-            <a:endCxn id="14" idx="0"/>
-          </p:cNvCxnSpPr>
-          <p:nvPr/>
-        </p:nvCxnSpPr>
-        <p:spPr>
-          <a:xfrm flipH="1">
-            <a:off x="7048499" y="4452865"/>
-            <a:ext cx="798369" cy="974869"/>
-          </a:xfrm>
-          <a:prstGeom prst="straightConnector1">
-            <a:avLst/>
-          </a:prstGeom>
-          <a:ln>
-            <a:tailEnd type="triangle"/>
-          </a:ln>
-        </p:spPr>
-        <p:style>
-          <a:lnRef idx="1">
-            <a:schemeClr val="accent1"/>
-          </a:lnRef>
-          <a:fillRef idx="0">
-            <a:schemeClr val="accent1"/>
-          </a:fillRef>
-          <a:effectRef idx="0">
-            <a:schemeClr val="accent1"/>
-          </a:effectRef>
-          <a:fontRef idx="minor">
-            <a:schemeClr val="tx1"/>
-          </a:fontRef>
-        </p:style>
-      </p:cxnSp>
-      <p:cxnSp>
-        <p:nvCxnSpPr>
-          <p:cNvPr id="25" name="Прямая со стрелкой 24"/>
-          <p:cNvCxnSpPr>
-            <a:stCxn id="12" idx="2"/>
-            <a:endCxn id="15" idx="0"/>
-          </p:cNvCxnSpPr>
-          <p:nvPr/>
-        </p:nvCxnSpPr>
-        <p:spPr>
-          <a:xfrm>
-            <a:off x="7846868" y="4452865"/>
-            <a:ext cx="2214995" cy="965560"/>
-          </a:xfrm>
-          <a:prstGeom prst="straightConnector1">
-            <a:avLst/>
-          </a:prstGeom>
-          <a:ln>
-            <a:tailEnd type="triangle"/>
-          </a:ln>
-        </p:spPr>
-        <p:style>
-          <a:lnRef idx="1">
-            <a:schemeClr val="accent1"/>
-          </a:lnRef>
-          <a:fillRef idx="0">
-            <a:schemeClr val="accent1"/>
-          </a:fillRef>
-          <a:effectRef idx="0">
-            <a:schemeClr val="accent1"/>
-          </a:effectRef>
-          <a:fontRef idx="minor">
-            <a:schemeClr val="tx1"/>
-          </a:fontRef>
-        </p:style>
-      </p:cxnSp>
-      <p:cxnSp>
-        <p:nvCxnSpPr>
-          <p:cNvPr id="27" name="Прямая со стрелкой 26"/>
-          <p:cNvCxnSpPr>
-            <a:stCxn id="7" idx="3"/>
-            <a:endCxn id="12" idx="0"/>
-          </p:cNvCxnSpPr>
-          <p:nvPr/>
-        </p:nvCxnSpPr>
-        <p:spPr>
-          <a:xfrm>
-            <a:off x="6750627" y="2946689"/>
-            <a:ext cx="1096241" cy="695685"/>
-          </a:xfrm>
-          <a:prstGeom prst="straightConnector1">
-            <a:avLst/>
-          </a:prstGeom>
-          <a:ln>
-            <a:tailEnd type="triangle"/>
-          </a:ln>
-        </p:spPr>
-        <p:style>
-          <a:lnRef idx="1">
-            <a:schemeClr val="accent1"/>
-          </a:lnRef>
-          <a:fillRef idx="0">
-            <a:schemeClr val="accent1"/>
-          </a:fillRef>
-          <a:effectRef idx="0">
-            <a:schemeClr val="accent1"/>
-          </a:effectRef>
-          <a:fontRef idx="minor">
-            <a:schemeClr val="tx1"/>
-          </a:fontRef>
-        </p:style>
-      </p:cxnSp>
-    </p:spTree>
-    <p:extLst>
-      <p:ext uri="{BB962C8B-B14F-4D97-AF65-F5344CB8AC3E}">
-        <p14:creationId xmlns:p14="http://schemas.microsoft.com/office/powerpoint/2010/main" val="2146676761"/>
-      </p:ext>
-    </p:extLst>
-  </p:cSld>
-  <p:clrMapOvr>
-    <a:masterClrMapping/>
-  </p:clrMapOvr>
-</p:sld>
-</file>
-
-<file path=ppt/slides/slide3.xml><?xml version="1.0" encoding="utf-8"?>
-<p:sld xmlns:a="http://schemas.openxmlformats.org/drawingml/2006/main" xmlns:r="http://schemas.openxmlformats.org/officeDocument/2006/relationships" xmlns:p="http://schemas.openxmlformats.org/presentationml/2006/main">
-  <p:cSld>
-    <p:spTree>
-      <p:nvGrpSpPr>
-        <p:cNvPr id="1" name=""/>
-        <p:cNvGrpSpPr/>
-        <p:nvPr/>
-      </p:nvGrpSpPr>
-      <p:grpSpPr>
-        <a:xfrm>
-          <a:off x="0" y="0"/>
-          <a:ext cx="0" cy="0"/>
-          <a:chOff x="0" y="0"/>
-          <a:chExt cx="0" cy="0"/>
-        </a:xfrm>
-      </p:grpSpPr>
-      <p:sp>
-        <p:nvSpPr>
-          <p:cNvPr id="2" name="Заголовок 1"/>
-          <p:cNvSpPr>
-            <a:spLocks noGrp="1"/>
-          </p:cNvSpPr>
-          <p:nvPr>
-            <p:ph type="title"/>
-          </p:nvPr>
-        </p:nvSpPr>
-        <p:spPr/>
-        <p:txBody>
-          <a:bodyPr/>
-          <a:lstStyle/>
-          <a:p>
-            <a:r>
-              <a:rPr lang="uk-UA" dirty="0" smtClean="0"/>
-              <a:t>Періодичний В-</a:t>
-            </a:r>
-            <a:r>
-              <a:rPr lang="uk-UA" dirty="0" err="1" smtClean="0"/>
-              <a:t>сплайн</a:t>
-            </a:r>
-            <a:r>
-              <a:rPr lang="uk-UA" dirty="0" smtClean="0"/>
-              <a:t> </a:t>
-            </a:r>
-            <a:endParaRPr lang="ru-RU" dirty="0"/>
-          </a:p>
-        </p:txBody>
-      </p:sp>
-      <p:sp>
-        <p:nvSpPr>
-          <p:cNvPr id="3" name="Объект 2"/>
-          <p:cNvSpPr>
-            <a:spLocks noGrp="1"/>
-          </p:cNvSpPr>
-          <p:nvPr>
-            <p:ph idx="1"/>
-          </p:nvPr>
-        </p:nvSpPr>
-        <p:spPr/>
-        <p:txBody>
-          <a:bodyPr>
-            <a:normAutofit/>
-          </a:bodyPr>
-          <a:lstStyle/>
-          <a:p>
-            <a:pPr marL="0" indent="0">
-              <a:buNone/>
-            </a:pPr>
-            <a:r>
-              <a:rPr lang="ru-RU" sz="2000" dirty="0" err="1" smtClean="0"/>
-              <a:t>Базисні</a:t>
-            </a:r>
-            <a:r>
-              <a:rPr lang="ru-RU" sz="2000" dirty="0" smtClean="0"/>
-              <a:t> </a:t>
-            </a:r>
-            <a:r>
-              <a:rPr lang="ru-RU" sz="2000" dirty="0" err="1" smtClean="0"/>
-              <a:t>функції</a:t>
-            </a:r>
-            <a:r>
-              <a:rPr lang="ru-RU" sz="2000" dirty="0" smtClean="0"/>
-              <a:t> </a:t>
-            </a:r>
-            <a:r>
-              <a:rPr lang="ru-RU" sz="2000" dirty="0" err="1" smtClean="0"/>
-              <a:t>періодичного</a:t>
-            </a:r>
-            <a:r>
-              <a:rPr lang="ru-RU" sz="2000" dirty="0" smtClean="0"/>
-              <a:t> В-сплайна є </a:t>
-            </a:r>
-            <a:r>
-              <a:rPr lang="ru-RU" sz="2000" dirty="0" err="1" smtClean="0"/>
-              <a:t>паралельним</a:t>
-            </a:r>
-            <a:r>
-              <a:rPr lang="ru-RU" sz="2000" dirty="0" smtClean="0"/>
-              <a:t> переносом один одного і </a:t>
-            </a:r>
-            <a:r>
-              <a:rPr lang="ru-RU" sz="2000" dirty="0" err="1" smtClean="0"/>
-              <a:t>впливу</a:t>
-            </a:r>
-            <a:r>
-              <a:rPr lang="ru-RU" sz="2000" dirty="0" smtClean="0"/>
-              <a:t> </a:t>
-            </a:r>
-            <a:r>
-              <a:rPr lang="ru-RU" sz="2000" dirty="0" err="1" smtClean="0"/>
-              <a:t>кожної</a:t>
-            </a:r>
-            <a:r>
-              <a:rPr lang="ru-RU" sz="2000" dirty="0" smtClean="0"/>
-              <a:t> </a:t>
-            </a:r>
-            <a:r>
-              <a:rPr lang="ru-RU" sz="2000" dirty="0" err="1" smtClean="0"/>
-              <a:t>функції</a:t>
-            </a:r>
-            <a:r>
-              <a:rPr lang="ru-RU" sz="2000" dirty="0" smtClean="0"/>
-              <a:t> </a:t>
-            </a:r>
-            <a:r>
-              <a:rPr lang="ru-RU" sz="2000" dirty="0" err="1" smtClean="0"/>
-              <a:t>поширюються</a:t>
-            </a:r>
-            <a:r>
-              <a:rPr lang="ru-RU" sz="2000" dirty="0" smtClean="0"/>
-              <a:t> на </a:t>
-            </a:r>
-            <a:r>
-              <a:rPr lang="en-US" sz="2000" dirty="0" smtClean="0"/>
-              <a:t>k-</a:t>
-            </a:r>
-            <a:r>
-              <a:rPr lang="ru-RU" sz="2000" dirty="0" err="1" smtClean="0"/>
-              <a:t>му</a:t>
-            </a:r>
-            <a:r>
-              <a:rPr lang="ru-RU" sz="2000" dirty="0" smtClean="0"/>
-              <a:t> </a:t>
-            </a:r>
-            <a:r>
-              <a:rPr lang="ru-RU" sz="2000" dirty="0" err="1" smtClean="0"/>
-              <a:t>інтервалі</a:t>
-            </a:r>
-            <a:r>
-              <a:rPr lang="ru-RU" sz="2000" dirty="0" smtClean="0"/>
-              <a:t>. Для </a:t>
-            </a:r>
-            <a:r>
-              <a:rPr lang="ru-RU" sz="2000" dirty="0" err="1" smtClean="0"/>
-              <a:t>цілих</a:t>
-            </a:r>
-            <a:r>
-              <a:rPr lang="ru-RU" sz="2000" dirty="0" smtClean="0"/>
-              <a:t> </a:t>
-            </a:r>
-            <a:r>
-              <a:rPr lang="ru-RU" sz="2000" dirty="0" err="1" smtClean="0"/>
-              <a:t>вузлових</a:t>
-            </a:r>
-            <a:r>
-              <a:rPr lang="ru-RU" sz="2000" dirty="0" smtClean="0"/>
-              <a:t> </a:t>
-            </a:r>
-            <a:r>
-              <a:rPr lang="ru-RU" sz="2000" dirty="0" err="1" smtClean="0"/>
-              <a:t>значень</a:t>
-            </a:r>
-            <a:r>
-              <a:rPr lang="ru-RU" sz="2000" dirty="0" smtClean="0"/>
-              <a:t> </a:t>
-            </a:r>
-            <a:r>
-              <a:rPr lang="ru-RU" sz="2000" dirty="0" err="1" smtClean="0"/>
-              <a:t>всі</a:t>
-            </a:r>
-            <a:r>
-              <a:rPr lang="ru-RU" sz="2000" dirty="0" smtClean="0"/>
-              <a:t> </a:t>
-            </a:r>
-            <a:r>
-              <a:rPr lang="ru-RU" sz="2000" dirty="0" err="1" smtClean="0"/>
-              <a:t>базисні</a:t>
-            </a:r>
-            <a:r>
-              <a:rPr lang="ru-RU" sz="2000" dirty="0" smtClean="0"/>
-              <a:t> </a:t>
-            </a:r>
-            <a:r>
-              <a:rPr lang="ru-RU" sz="2000" dirty="0" err="1" smtClean="0"/>
-              <a:t>функції</a:t>
-            </a:r>
-            <a:r>
-              <a:rPr lang="ru-RU" sz="2000" dirty="0" smtClean="0"/>
-              <a:t> на </a:t>
-            </a:r>
-            <a:r>
-              <a:rPr lang="ru-RU" sz="2000" dirty="0" err="1" smtClean="0"/>
-              <a:t>одиничному</a:t>
-            </a:r>
-            <a:r>
-              <a:rPr lang="ru-RU" sz="2000" dirty="0" smtClean="0"/>
-              <a:t> </a:t>
-            </a:r>
-            <a:r>
-              <a:rPr lang="ru-RU" sz="2000" dirty="0" err="1" smtClean="0"/>
-              <a:t>інтервалі</a:t>
-            </a:r>
-            <a:r>
-              <a:rPr lang="ru-RU" sz="2000" dirty="0" smtClean="0"/>
-              <a:t> 0 &lt;</a:t>
-            </a:r>
-            <a:r>
-              <a:rPr lang="en-US" sz="2000" dirty="0" smtClean="0"/>
-              <a:t>t &lt;1 </a:t>
-            </a:r>
-            <a:r>
-              <a:rPr lang="ru-RU" sz="2000" dirty="0" err="1" smtClean="0"/>
-              <a:t>мають</a:t>
-            </a:r>
-            <a:r>
-              <a:rPr lang="ru-RU" sz="2000" dirty="0" smtClean="0"/>
-              <a:t> один і той же вид.</a:t>
-            </a:r>
-          </a:p>
-          <a:p>
-            <a:pPr marL="0" indent="0">
-              <a:buNone/>
-            </a:pPr>
-            <a:endParaRPr lang="uk-UA" sz="2000" dirty="0"/>
-          </a:p>
-          <a:p>
-            <a:pPr marL="0" indent="0">
-              <a:buNone/>
-            </a:pPr>
-            <a:endParaRPr lang="uk-UA" sz="2000" dirty="0" smtClean="0"/>
-          </a:p>
-          <a:p>
-            <a:pPr marL="0" indent="0">
-              <a:buNone/>
-            </a:pPr>
-            <a:endParaRPr lang="uk-UA" sz="2000" dirty="0"/>
-          </a:p>
-          <a:p>
-            <a:pPr marL="0" indent="0">
-              <a:buNone/>
-            </a:pPr>
-            <a:endParaRPr lang="uk-UA" sz="2000" dirty="0" smtClean="0"/>
-          </a:p>
-          <a:p>
-            <a:pPr marL="0" indent="0">
-              <a:buNone/>
-            </a:pPr>
-            <a:endParaRPr lang="uk-UA" sz="2000" dirty="0"/>
-          </a:p>
-          <a:p>
-            <a:pPr marL="0" indent="0">
-              <a:buNone/>
-            </a:pPr>
-            <a:endParaRPr lang="uk-UA" sz="2000" dirty="0" smtClean="0"/>
-          </a:p>
-          <a:p>
-            <a:pPr marL="0" indent="0">
-              <a:buNone/>
-            </a:pPr>
-            <a:endParaRPr lang="uk-UA" sz="2000" dirty="0"/>
-          </a:p>
-        </p:txBody>
-      </p:sp>
-      <p:pic>
-        <p:nvPicPr>
-          <p:cNvPr id="7" name="Рисунок 6"/>
-          <p:cNvPicPr>
-            <a:picLocks noChangeAspect="1"/>
-          </p:cNvPicPr>
-          <p:nvPr/>
-        </p:nvPicPr>
-        <p:blipFill>
-          <a:blip r:embed="rId2"/>
-          <a:stretch>
-            <a:fillRect/>
-          </a:stretch>
-        </p:blipFill>
-        <p:spPr>
-          <a:xfrm>
-            <a:off x="533399" y="3624263"/>
-            <a:ext cx="9947564" cy="2772500"/>
-          </a:xfrm>
-          <a:prstGeom prst="rect">
-            <a:avLst/>
-          </a:prstGeom>
-        </p:spPr>
-      </p:pic>
-    </p:spTree>
-    <p:extLst>
-      <p:ext uri="{BB962C8B-B14F-4D97-AF65-F5344CB8AC3E}">
-        <p14:creationId xmlns:p14="http://schemas.microsoft.com/office/powerpoint/2010/main" val="1393406457"/>
-      </p:ext>
-    </p:extLst>
-  </p:cSld>
-  <p:clrMapOvr>
-    <a:masterClrMapping/>
-  </p:clrMapOvr>
-</p:sld>
-</file>
-
-<file path=ppt/slides/slide4.xml><?xml version="1.0" encoding="utf-8"?>
-<p:sld xmlns:a="http://schemas.openxmlformats.org/drawingml/2006/main" xmlns:r="http://schemas.openxmlformats.org/officeDocument/2006/relationships" xmlns:p="http://schemas.openxmlformats.org/presentationml/2006/main">
-  <p:cSld>
-    <p:spTree>
-      <p:nvGrpSpPr>
-        <p:cNvPr id="1" name=""/>
-        <p:cNvGrpSpPr/>
-        <p:nvPr/>
-      </p:nvGrpSpPr>
-      <p:grpSpPr>
-        <a:xfrm>
-          <a:off x="0" y="0"/>
-          <a:ext cx="0" cy="0"/>
-          <a:chOff x="0" y="0"/>
-          <a:chExt cx="0" cy="0"/>
-        </a:xfrm>
-      </p:grpSpPr>
-      <p:sp>
-        <p:nvSpPr>
-          <p:cNvPr id="2" name="Заголовок 1"/>
-          <p:cNvSpPr>
-            <a:spLocks noGrp="1"/>
-          </p:cNvSpPr>
-          <p:nvPr>
-            <p:ph type="title"/>
-          </p:nvPr>
-        </p:nvSpPr>
-        <p:spPr/>
-        <p:txBody>
-          <a:bodyPr>
-            <a:normAutofit/>
-          </a:bodyPr>
-          <a:lstStyle/>
-          <a:p>
-            <a:pPr algn="ctr"/>
-            <a:r>
-              <a:rPr lang="ru-RU" dirty="0" smtClean="0"/>
-              <a:t>Пер</a:t>
-            </a:r>
-            <a:r>
-              <a:rPr lang="uk-UA" dirty="0" err="1" smtClean="0"/>
-              <a:t>іодичний</a:t>
-            </a:r>
-            <a:r>
-              <a:rPr lang="uk-UA" dirty="0" smtClean="0"/>
-              <a:t> В-</a:t>
-            </a:r>
-            <a:r>
-              <a:rPr lang="uk-UA" dirty="0" err="1" smtClean="0"/>
-              <a:t>сплайн</a:t>
-            </a:r>
-            <a:r>
-              <a:rPr lang="uk-UA" dirty="0" smtClean="0"/>
-              <a:t> з </a:t>
-            </a:r>
-            <a:r>
-              <a:rPr lang="uk-UA" dirty="0" err="1" smtClean="0"/>
-              <a:t>нормалізованною</a:t>
-            </a:r>
-            <a:r>
-              <a:rPr lang="uk-UA" dirty="0" smtClean="0"/>
-              <a:t> </a:t>
-            </a:r>
-            <a:r>
-              <a:rPr lang="uk-UA" dirty="0" err="1" smtClean="0"/>
-              <a:t>параметризаціює</a:t>
-            </a:r>
-            <a:endParaRPr lang="ru-RU" dirty="0"/>
-          </a:p>
-        </p:txBody>
-      </p:sp>
-      <p:sp>
-        <p:nvSpPr>
-          <p:cNvPr id="3" name="Объект 2"/>
-          <p:cNvSpPr>
-            <a:spLocks noGrp="1"/>
-          </p:cNvSpPr>
-          <p:nvPr>
-            <p:ph idx="1"/>
-          </p:nvPr>
-        </p:nvSpPr>
-        <p:spPr/>
-        <p:txBody>
-          <a:bodyPr>
-            <a:normAutofit fontScale="85000" lnSpcReduction="20000"/>
-          </a:bodyPr>
-          <a:lstStyle/>
-          <a:p>
-            <a:pPr marL="0" indent="0">
-              <a:buNone/>
-            </a:pPr>
-            <a:r>
-              <a:rPr lang="uk-UA" sz="1800" dirty="0" smtClean="0"/>
-              <a:t>Відомо, що періодичний В-</a:t>
-            </a:r>
-            <a:r>
-              <a:rPr lang="uk-UA" sz="1800" dirty="0" err="1" smtClean="0"/>
-              <a:t>сплайн</a:t>
-            </a:r>
-            <a:r>
-              <a:rPr lang="uk-UA" sz="1800" dirty="0" smtClean="0"/>
-              <a:t> з нормалізованою параметризацією являє собою </a:t>
-            </a:r>
-            <a:r>
-              <a:rPr lang="uk-UA" sz="1800" dirty="0" err="1" smtClean="0"/>
-              <a:t>совокупність</a:t>
-            </a:r>
-            <a:r>
-              <a:rPr lang="uk-UA" sz="1800" dirty="0" smtClean="0"/>
-              <a:t> сегментів, </a:t>
-            </a:r>
-            <a:r>
-              <a:rPr lang="uk-UA" sz="1800" dirty="0" err="1" smtClean="0"/>
-              <a:t>базісні</a:t>
-            </a:r>
-            <a:r>
-              <a:rPr lang="uk-UA" sz="1800" dirty="0" smtClean="0"/>
-              <a:t> функції яких приведені до інтервалу параметру   та є однаковими.</a:t>
-            </a:r>
-            <a:r>
-              <a:rPr lang="en-US" sz="1800" dirty="0" smtClean="0"/>
-              <a:t> </a:t>
-            </a:r>
-            <a:r>
-              <a:rPr lang="ru-RU" sz="1800" dirty="0" err="1" smtClean="0"/>
-              <a:t>Подання</a:t>
-            </a:r>
-            <a:r>
-              <a:rPr lang="ru-RU" sz="1800" dirty="0" smtClean="0"/>
-              <a:t> </a:t>
-            </a:r>
-            <a:r>
-              <a:rPr lang="ru-RU" sz="1800" dirty="0" err="1" smtClean="0"/>
-              <a:t>періодичного</a:t>
-            </a:r>
-            <a:r>
-              <a:rPr lang="ru-RU" sz="1800" dirty="0" smtClean="0"/>
-              <a:t> В-сплайна 4-го порядку в матричному </a:t>
-            </a:r>
-            <a:r>
-              <a:rPr lang="ru-RU" sz="1800" dirty="0" err="1" smtClean="0"/>
-              <a:t>вигляді</a:t>
-            </a:r>
-            <a:r>
-              <a:rPr lang="ru-RU" sz="1800" dirty="0" smtClean="0"/>
-              <a:t>:</a:t>
-            </a:r>
-            <a:endParaRPr lang="en-US" sz="1800" dirty="0" smtClean="0"/>
-          </a:p>
-          <a:p>
-            <a:pPr marL="0" indent="0">
-              <a:buNone/>
-            </a:pPr>
-            <a:endParaRPr lang="uk-UA" sz="1800" dirty="0" smtClean="0"/>
-          </a:p>
-          <a:p>
-            <a:pPr marL="0" indent="0">
-              <a:buNone/>
-            </a:pPr>
-            <a:endParaRPr lang="uk-UA" sz="1800" dirty="0" smtClean="0"/>
-          </a:p>
-          <a:p>
-            <a:pPr marL="0" indent="0">
-              <a:buNone/>
-            </a:pPr>
-            <a:endParaRPr lang="uk-UA" sz="1800" dirty="0"/>
-          </a:p>
-          <a:p>
-            <a:pPr marL="0" indent="0">
-              <a:buNone/>
-            </a:pPr>
-            <a:endParaRPr lang="uk-UA" sz="1800" dirty="0" smtClean="0"/>
-          </a:p>
-          <a:p>
-            <a:pPr marL="0" indent="0">
-              <a:buNone/>
-            </a:pPr>
-            <a:endParaRPr lang="uk-UA" sz="1800" dirty="0"/>
-          </a:p>
-          <a:p>
-            <a:pPr marL="0" indent="0">
-              <a:buNone/>
-            </a:pPr>
-            <a:r>
-              <a:rPr lang="ru-RU" sz="1800" dirty="0" err="1" smtClean="0"/>
-              <a:t>Типовий</a:t>
-            </a:r>
-            <a:r>
-              <a:rPr lang="ru-RU" sz="1800" dirty="0" smtClean="0"/>
-              <a:t> сегмент </a:t>
-            </a:r>
-            <a:r>
-              <a:rPr lang="ru-RU" sz="1800" dirty="0" err="1" smtClean="0"/>
-              <a:t>кривої</a:t>
-            </a:r>
-            <a:r>
-              <a:rPr lang="ru-RU" sz="1800" dirty="0" smtClean="0"/>
-              <a:t> </a:t>
-            </a:r>
-            <a:r>
-              <a:rPr lang="ru-RU" sz="1800" dirty="0" err="1" smtClean="0"/>
-              <a:t>періодичного</a:t>
-            </a:r>
-            <a:r>
-              <a:rPr lang="ru-RU" sz="1800" dirty="0" smtClean="0"/>
-              <a:t> В-сплайну </a:t>
-            </a:r>
-            <a:r>
-              <a:rPr lang="en-US" sz="1800" dirty="0" smtClean="0"/>
-              <a:t>4-</a:t>
-            </a:r>
-            <a:r>
-              <a:rPr lang="uk-UA" sz="1800" dirty="0" smtClean="0"/>
-              <a:t>го </a:t>
-            </a:r>
-            <a:r>
-              <a:rPr lang="ru-RU" sz="1800" dirty="0" smtClean="0"/>
-              <a:t>порядку з </a:t>
-            </a:r>
-            <a:r>
-              <a:rPr lang="ru-RU" sz="1800" dirty="0" err="1" smtClean="0"/>
-              <a:t>нормалізованою</a:t>
-            </a:r>
-            <a:r>
-              <a:rPr lang="ru-RU" sz="1800" dirty="0" smtClean="0"/>
-              <a:t> </a:t>
-            </a:r>
-            <a:r>
-              <a:rPr lang="ru-RU" sz="1800" dirty="0" err="1" smtClean="0"/>
-              <a:t>параметризацією</a:t>
-            </a:r>
-            <a:r>
-              <a:rPr lang="ru-RU" sz="1800" dirty="0" smtClean="0"/>
-              <a:t> в </a:t>
-            </a:r>
-            <a:r>
-              <a:rPr lang="ru-RU" sz="1800" dirty="0" err="1" smtClean="0"/>
-              <a:t>алгебройчнії</a:t>
-            </a:r>
-            <a:r>
-              <a:rPr lang="ru-RU" sz="1800" dirty="0" smtClean="0"/>
-              <a:t> </a:t>
-            </a:r>
-            <a:r>
-              <a:rPr lang="ru-RU" sz="1800" dirty="0" err="1" smtClean="0"/>
-              <a:t>формі</a:t>
-            </a:r>
-            <a:r>
-              <a:rPr lang="ru-RU" sz="1800" dirty="0" smtClean="0"/>
-              <a:t> </a:t>
-            </a:r>
-            <a:r>
-              <a:rPr lang="ru-RU" sz="1800" dirty="0" err="1" smtClean="0"/>
-              <a:t>має</a:t>
-            </a:r>
-            <a:r>
-              <a:rPr lang="ru-RU" sz="1800" dirty="0" smtClean="0"/>
-              <a:t> </a:t>
-            </a:r>
-            <a:r>
-              <a:rPr lang="ru-RU" sz="1800" dirty="0" err="1" smtClean="0"/>
-              <a:t>вигляд</a:t>
-            </a:r>
-            <a:r>
-              <a:rPr lang="ru-RU" sz="1800" dirty="0" smtClean="0"/>
-              <a:t>. </a:t>
-            </a:r>
-          </a:p>
-          <a:p>
-            <a:pPr marL="0" indent="0">
-              <a:buNone/>
-            </a:pPr>
-            <a:endParaRPr lang="en-US" sz="1800" dirty="0" smtClean="0"/>
-          </a:p>
-          <a:p>
-            <a:pPr marL="0" indent="0">
-              <a:buNone/>
-            </a:pPr>
-            <a:endParaRPr lang="en-US" sz="1800" dirty="0"/>
-          </a:p>
-          <a:p>
-            <a:pPr marL="0" indent="0">
-              <a:buNone/>
-            </a:pPr>
-            <a:r>
-              <a:rPr lang="uk-UA" sz="1800" dirty="0"/>
-              <a:t>Будемо задавати координати точок  характеристичного </a:t>
-            </a:r>
-            <a:r>
-              <a:rPr lang="uk-UA" sz="1800" dirty="0" err="1"/>
-              <a:t>чотирикутникау</a:t>
-            </a:r>
-            <a:r>
-              <a:rPr lang="uk-UA" sz="1800" dirty="0"/>
-              <a:t>  комплексному вигляді: </a:t>
-            </a:r>
-            <a:endParaRPr lang="ru-RU" sz="1800" dirty="0"/>
-          </a:p>
-          <a:p>
-            <a:pPr marL="0" indent="0">
-              <a:buNone/>
-            </a:pPr>
-            <a:endParaRPr lang="ru-RU" sz="1800" dirty="0"/>
-          </a:p>
-        </p:txBody>
-      </p:sp>
-      <p:graphicFrame>
-        <p:nvGraphicFramePr>
-          <p:cNvPr id="38" name="Object 4"/>
-          <p:cNvGraphicFramePr>
-            <a:graphicFrameLocks noChangeAspect="1"/>
-          </p:cNvGraphicFramePr>
-          <p:nvPr>
-            <p:extLst>
-              <p:ext uri="{D42A27DB-BD31-4B8C-83A1-F6EECF244321}">
-                <p14:modId xmlns:p14="http://schemas.microsoft.com/office/powerpoint/2010/main" val="3970457935"/>
-              </p:ext>
-            </p:extLst>
-          </p:nvPr>
-        </p:nvGraphicFramePr>
-        <p:xfrm>
-          <a:off x="3255385" y="2676670"/>
-          <a:ext cx="4752975" cy="1579562"/>
-        </p:xfrm>
-        <a:graphic>
-          <a:graphicData uri="http://schemas.openxmlformats.org/presentationml/2006/ole">
-            <mc:AlternateContent xmlns:mc="http://schemas.openxmlformats.org/markup-compatibility/2006">
-              <mc:Choice xmlns:v="urn:schemas-microsoft-com:vml" Requires="v">
-                <p:oleObj spid="_x0000_s2124" name="Формула" r:id="rId3" imgW="2844720" imgH="939600" progId="Equation.3">
-                  <p:embed/>
-                </p:oleObj>
-              </mc:Choice>
-              <mc:Fallback>
-                <p:oleObj name="Формула" r:id="rId3" imgW="2844720" imgH="939600" progId="Equation.3">
-                  <p:embed/>
-                  <p:pic>
-                    <p:nvPicPr>
-                      <p:cNvPr id="0" name=""/>
-                      <p:cNvPicPr>
-                        <a:picLocks noChangeAspect="1" noChangeArrowheads="1"/>
-                      </p:cNvPicPr>
-                      <p:nvPr/>
-                    </p:nvPicPr>
-                    <p:blipFill>
-                      <a:blip r:embed="rId4">
-                        <a:extLst>
-                          <a:ext uri="{28A0092B-C50C-407E-A947-70E740481C1C}">
-                            <a14:useLocalDpi xmlns:a14="http://schemas.microsoft.com/office/drawing/2010/main" val="0"/>
-                          </a:ext>
-                        </a:extLst>
-                      </a:blip>
-                      <a:srcRect/>
-                      <a:stretch>
-                        <a:fillRect/>
-                      </a:stretch>
-                    </p:blipFill>
-                    <p:spPr bwMode="auto">
-                      <a:xfrm>
-                        <a:off x="3255385" y="2676670"/>
-                        <a:ext cx="4752975" cy="1579562"/>
-                      </a:xfrm>
-                      <a:prstGeom prst="rect">
-                        <a:avLst/>
-                      </a:prstGeom>
-                      <a:noFill/>
-                      <a:extLst>
-                        <a:ext uri="{909E8E84-426E-40DD-AFC4-6F175D3DCCD1}">
-                          <a14:hiddenFill xmlns:a14="http://schemas.microsoft.com/office/drawing/2010/main">
-                            <a:solidFill>
-                              <a:srgbClr val="FFFFFF"/>
-                            </a:solidFill>
-                          </a14:hiddenFill>
-                        </a:ext>
-                      </a:extLst>
-                    </p:spPr>
-                  </p:pic>
-                </p:oleObj>
-              </mc:Fallback>
-            </mc:AlternateContent>
-          </a:graphicData>
-        </a:graphic>
-      </p:graphicFrame>
-      <p:graphicFrame>
-        <p:nvGraphicFramePr>
-          <p:cNvPr id="57" name="Object 6"/>
-          <p:cNvGraphicFramePr>
-            <a:graphicFrameLocks noChangeAspect="1"/>
-          </p:cNvGraphicFramePr>
-          <p:nvPr>
-            <p:extLst>
-              <p:ext uri="{D42A27DB-BD31-4B8C-83A1-F6EECF244321}">
-                <p14:modId xmlns:p14="http://schemas.microsoft.com/office/powerpoint/2010/main" val="219292794"/>
-              </p:ext>
-            </p:extLst>
-          </p:nvPr>
-        </p:nvGraphicFramePr>
-        <p:xfrm>
-          <a:off x="2416030" y="4783427"/>
-          <a:ext cx="7775575" cy="647700"/>
-        </p:xfrm>
-        <a:graphic>
-          <a:graphicData uri="http://schemas.openxmlformats.org/presentationml/2006/ole">
-            <mc:AlternateContent xmlns:mc="http://schemas.openxmlformats.org/markup-compatibility/2006">
-              <mc:Choice xmlns:v="urn:schemas-microsoft-com:vml" Requires="v">
-                <p:oleObj spid="_x0000_s2125" name="Microsoft Equation 3.0" r:id="rId5" imgW="5143500" imgH="368300" progId="Equation.3">
-                  <p:embed/>
-                </p:oleObj>
-              </mc:Choice>
-              <mc:Fallback>
-                <p:oleObj name="Microsoft Equation 3.0" r:id="rId5" imgW="5143500" imgH="368300" progId="Equation.3">
-                  <p:embed/>
-                  <p:pic>
-                    <p:nvPicPr>
-                      <p:cNvPr id="0" name=""/>
-                      <p:cNvPicPr>
-                        <a:picLocks noChangeAspect="1" noChangeArrowheads="1"/>
-                      </p:cNvPicPr>
-                      <p:nvPr/>
-                    </p:nvPicPr>
-                    <p:blipFill>
-                      <a:blip r:embed="rId6">
-                        <a:extLst>
-                          <a:ext uri="{28A0092B-C50C-407E-A947-70E740481C1C}">
-                            <a14:useLocalDpi xmlns:a14="http://schemas.microsoft.com/office/drawing/2010/main" val="0"/>
-                          </a:ext>
-                        </a:extLst>
-                      </a:blip>
-                      <a:srcRect/>
-                      <a:stretch>
-                        <a:fillRect/>
-                      </a:stretch>
-                    </p:blipFill>
-                    <p:spPr bwMode="auto">
-                      <a:xfrm>
-                        <a:off x="2416030" y="4783427"/>
-                        <a:ext cx="7775575" cy="647700"/>
-                      </a:xfrm>
-                      <a:prstGeom prst="rect">
-                        <a:avLst/>
-                      </a:prstGeom>
-                      <a:noFill/>
-                      <a:extLst>
-                        <a:ext uri="{909E8E84-426E-40DD-AFC4-6F175D3DCCD1}">
-                          <a14:hiddenFill xmlns:a14="http://schemas.microsoft.com/office/drawing/2010/main">
-                            <a:solidFill>
-                              <a:srgbClr val="FFFFFF"/>
-                            </a:solidFill>
-                          </a14:hiddenFill>
-                        </a:ext>
-                      </a:extLst>
-                    </p:spPr>
-                  </p:pic>
-                </p:oleObj>
-              </mc:Fallback>
-            </mc:AlternateContent>
-          </a:graphicData>
-        </a:graphic>
-      </p:graphicFrame>
-      <mc:AlternateContent xmlns:mc="http://schemas.openxmlformats.org/markup-compatibility/2006">
-        <mc:Choice xmlns:a14="http://schemas.microsoft.com/office/drawing/2010/main" Requires="a14">
-          <p:sp>
-            <p:nvSpPr>
-              <p:cNvPr id="60" name="TextBox 59"/>
-              <p:cNvSpPr txBox="1"/>
-              <p:nvPr/>
-            </p:nvSpPr>
-            <p:spPr>
-              <a:xfrm>
-                <a:off x="2542310" y="6017432"/>
-                <a:ext cx="6393872" cy="319062"/>
-              </a:xfrm>
-              <a:prstGeom prst="rect">
-                <a:avLst/>
-              </a:prstGeom>
-              <a:noFill/>
-            </p:spPr>
-            <p:txBody>
-              <a:bodyPr wrap="square" lIns="0" tIns="0" rIns="0" bIns="0" rtlCol="0">
-                <a:spAutoFit/>
-              </a:bodyPr>
-              <a:lstStyle/>
-              <a:p>
-                <a14:m>
-                  <m:oMathPara xmlns:m="http://schemas.openxmlformats.org/officeDocument/2006/math">
-                    <m:oMathParaPr>
-                      <m:jc m:val="centerGroup"/>
-                    </m:oMathParaPr>
-                    <m:oMath xmlns:m="http://schemas.openxmlformats.org/officeDocument/2006/math">
-                      <m:sSub>
-                        <m:sSubPr>
-                          <m:ctrlPr>
-                            <a:rPr lang="pt-BR" i="1" smtClean="0">
-                              <a:latin typeface="Cambria Math" panose="02040503050406030204" pitchFamily="18" charset="0"/>
-                            </a:rPr>
-                          </m:ctrlPr>
-                        </m:sSubPr>
-                        <m:e>
-                          <m:r>
-                            <a:rPr lang="en-US" b="0" i="1" smtClean="0">
-                              <a:latin typeface="Cambria Math" panose="02040503050406030204" pitchFamily="18" charset="0"/>
-                            </a:rPr>
-                            <m:t>𝑟</m:t>
-                          </m:r>
-                        </m:e>
-                        <m:sub>
-                          <m:r>
-                            <a:rPr lang="en-US" b="0" i="1" smtClean="0">
-                              <a:latin typeface="Cambria Math" panose="02040503050406030204" pitchFamily="18" charset="0"/>
-                            </a:rPr>
-                            <m:t>𝑗</m:t>
-                          </m:r>
-                          <m:r>
-                            <a:rPr lang="en-US" b="0" i="1" smtClean="0">
-                              <a:latin typeface="Cambria Math" panose="02040503050406030204" pitchFamily="18" charset="0"/>
-                            </a:rPr>
-                            <m:t>+1</m:t>
-                          </m:r>
-                        </m:sub>
-                      </m:sSub>
-                      <m:r>
-                        <a:rPr lang="pt-BR" i="1" smtClean="0">
-                          <a:latin typeface="Cambria Math" panose="02040503050406030204" pitchFamily="18" charset="0"/>
-                        </a:rPr>
-                        <m:t>=</m:t>
-                      </m:r>
-                      <m:r>
-                        <a:rPr lang="en-US" b="0" i="1" smtClean="0">
-                          <a:latin typeface="Cambria Math" panose="02040503050406030204" pitchFamily="18" charset="0"/>
-                        </a:rPr>
-                        <m:t>[</m:t>
-                      </m:r>
-                      <m:r>
-                        <a:rPr lang="en-US" b="0" i="1" smtClean="0">
-                          <a:latin typeface="Cambria Math" panose="02040503050406030204" pitchFamily="18" charset="0"/>
-                        </a:rPr>
-                        <m:t>𝑅𝑒</m:t>
-                      </m:r>
-                      <m:d>
-                        <m:dPr>
-                          <m:ctrlPr>
-                            <a:rPr lang="en-US" b="0" i="1" smtClean="0">
-                              <a:latin typeface="Cambria Math" panose="02040503050406030204" pitchFamily="18" charset="0"/>
-                            </a:rPr>
-                          </m:ctrlPr>
-                        </m:dPr>
-                        <m:e>
-                          <m:sSub>
-                            <m:sSubPr>
-                              <m:ctrlPr>
-                                <a:rPr lang="en-US" b="0" i="1" smtClean="0">
-                                  <a:latin typeface="Cambria Math" panose="02040503050406030204" pitchFamily="18" charset="0"/>
-                                </a:rPr>
-                              </m:ctrlPr>
-                            </m:sSubPr>
-                            <m:e>
-                              <m:r>
-                                <a:rPr lang="en-US" b="0" i="1" smtClean="0">
-                                  <a:latin typeface="Cambria Math" panose="02040503050406030204" pitchFamily="18" charset="0"/>
-                                </a:rPr>
-                                <m:t>𝑥</m:t>
-                              </m:r>
-                            </m:e>
-                            <m:sub>
-                              <m:r>
-                                <a:rPr lang="en-US" b="0" i="1" smtClean="0">
-                                  <a:latin typeface="Cambria Math" panose="02040503050406030204" pitchFamily="18" charset="0"/>
-                                </a:rPr>
-                                <m:t>𝑗</m:t>
-                              </m:r>
-                              <m:r>
-                                <a:rPr lang="en-US" b="0" i="1" smtClean="0">
-                                  <a:latin typeface="Cambria Math" panose="02040503050406030204" pitchFamily="18" charset="0"/>
-                                </a:rPr>
-                                <m:t>+1</m:t>
-                              </m:r>
-                            </m:sub>
-                          </m:sSub>
-                        </m:e>
-                      </m:d>
-                      <m:r>
-                        <a:rPr lang="en-US" b="0" i="1" smtClean="0">
-                          <a:latin typeface="Cambria Math" panose="02040503050406030204" pitchFamily="18" charset="0"/>
-                          <a:ea typeface="Cambria Math" panose="02040503050406030204" pitchFamily="18" charset="0"/>
-                        </a:rPr>
-                        <m:t>±</m:t>
-                      </m:r>
-                      <m:r>
-                        <a:rPr lang="en-US" b="0" i="1" smtClean="0">
-                          <a:latin typeface="Cambria Math" panose="02040503050406030204" pitchFamily="18" charset="0"/>
-                          <a:ea typeface="Cambria Math" panose="02040503050406030204" pitchFamily="18" charset="0"/>
-                        </a:rPr>
-                        <m:t>𝑖𝐼𝑚</m:t>
-                      </m:r>
-                      <m:d>
-                        <m:dPr>
-                          <m:ctrlPr>
-                            <a:rPr lang="en-US" b="0" i="1" smtClean="0">
-                              <a:latin typeface="Cambria Math" panose="02040503050406030204" pitchFamily="18" charset="0"/>
-                              <a:ea typeface="Cambria Math" panose="02040503050406030204" pitchFamily="18" charset="0"/>
-                            </a:rPr>
-                          </m:ctrlPr>
-                        </m:dPr>
-                        <m:e>
-                          <m:sSub>
-                            <m:sSubPr>
-                              <m:ctrlPr>
-                                <a:rPr lang="en-US" b="0" i="1" smtClean="0">
-                                  <a:latin typeface="Cambria Math" panose="02040503050406030204" pitchFamily="18" charset="0"/>
-                                  <a:ea typeface="Cambria Math" panose="02040503050406030204" pitchFamily="18" charset="0"/>
-                                </a:rPr>
-                              </m:ctrlPr>
-                            </m:sSubPr>
-                            <m:e>
-                              <m:r>
-                                <a:rPr lang="en-US" b="0" i="1" smtClean="0">
-                                  <a:latin typeface="Cambria Math" panose="02040503050406030204" pitchFamily="18" charset="0"/>
-                                  <a:ea typeface="Cambria Math" panose="02040503050406030204" pitchFamily="18" charset="0"/>
-                                </a:rPr>
-                                <m:t>𝑥</m:t>
-                              </m:r>
-                            </m:e>
-                            <m:sub>
-                              <m:r>
-                                <a:rPr lang="en-US" b="0" i="1" smtClean="0">
-                                  <a:latin typeface="Cambria Math" panose="02040503050406030204" pitchFamily="18" charset="0"/>
-                                  <a:ea typeface="Cambria Math" panose="02040503050406030204" pitchFamily="18" charset="0"/>
-                                </a:rPr>
-                                <m:t>𝑗</m:t>
-                              </m:r>
-                              <m:r>
-                                <a:rPr lang="en-US" b="0" i="1" smtClean="0">
-                                  <a:latin typeface="Cambria Math" panose="02040503050406030204" pitchFamily="18" charset="0"/>
-                                  <a:ea typeface="Cambria Math" panose="02040503050406030204" pitchFamily="18" charset="0"/>
-                                </a:rPr>
-                                <m:t>+1</m:t>
-                              </m:r>
-                            </m:sub>
-                          </m:sSub>
-                        </m:e>
-                      </m:d>
-                      <m:r>
-                        <a:rPr lang="en-US" b="0" i="1" smtClean="0">
-                          <a:latin typeface="Cambria Math" panose="02040503050406030204" pitchFamily="18" charset="0"/>
-                          <a:ea typeface="Cambria Math" panose="02040503050406030204" pitchFamily="18" charset="0"/>
-                        </a:rPr>
-                        <m:t> </m:t>
-                      </m:r>
-                      <m:r>
-                        <a:rPr lang="en-US" b="0" i="1" smtClean="0">
-                          <a:latin typeface="Cambria Math" panose="02040503050406030204" pitchFamily="18" charset="0"/>
-                          <a:ea typeface="Cambria Math" panose="02040503050406030204" pitchFamily="18" charset="0"/>
-                        </a:rPr>
-                        <m:t>𝑅𝑒</m:t>
-                      </m:r>
-                      <m:r>
-                        <a:rPr lang="en-US" b="0" i="1" smtClean="0">
-                          <a:latin typeface="Cambria Math" panose="02040503050406030204" pitchFamily="18" charset="0"/>
-                          <a:ea typeface="Cambria Math" panose="02040503050406030204" pitchFamily="18" charset="0"/>
-                        </a:rPr>
-                        <m:t>(</m:t>
-                      </m:r>
-                      <m:sSub>
-                        <m:sSubPr>
-                          <m:ctrlPr>
-                            <a:rPr lang="en-US" b="0" i="1" smtClean="0">
-                              <a:latin typeface="Cambria Math" panose="02040503050406030204" pitchFamily="18" charset="0"/>
-                              <a:ea typeface="Cambria Math" panose="02040503050406030204" pitchFamily="18" charset="0"/>
-                            </a:rPr>
-                          </m:ctrlPr>
-                        </m:sSubPr>
-                        <m:e>
-                          <m:r>
-                            <a:rPr lang="en-US" b="0" i="1" smtClean="0">
-                              <a:latin typeface="Cambria Math" panose="02040503050406030204" pitchFamily="18" charset="0"/>
-                              <a:ea typeface="Cambria Math" panose="02040503050406030204" pitchFamily="18" charset="0"/>
-                            </a:rPr>
-                            <m:t>𝑦</m:t>
-                          </m:r>
-                        </m:e>
-                        <m:sub>
-                          <m:r>
-                            <a:rPr lang="en-US" b="0" i="1" smtClean="0">
-                              <a:latin typeface="Cambria Math" panose="02040503050406030204" pitchFamily="18" charset="0"/>
-                              <a:ea typeface="Cambria Math" panose="02040503050406030204" pitchFamily="18" charset="0"/>
-                            </a:rPr>
-                            <m:t>𝑗</m:t>
-                          </m:r>
-                          <m:r>
-                            <a:rPr lang="en-US" b="0" i="1" smtClean="0">
-                              <a:latin typeface="Cambria Math" panose="02040503050406030204" pitchFamily="18" charset="0"/>
-                              <a:ea typeface="Cambria Math" panose="02040503050406030204" pitchFamily="18" charset="0"/>
-                            </a:rPr>
-                            <m:t>+1</m:t>
-                          </m:r>
-                        </m:sub>
-                      </m:sSub>
-                      <m:r>
-                        <a:rPr lang="en-US" b="0" i="1" smtClean="0">
-                          <a:latin typeface="Cambria Math" panose="02040503050406030204" pitchFamily="18" charset="0"/>
-                          <a:ea typeface="Cambria Math" panose="02040503050406030204" pitchFamily="18" charset="0"/>
-                        </a:rPr>
-                        <m:t>)±</m:t>
-                      </m:r>
-                      <m:r>
-                        <a:rPr lang="en-US" b="0" i="1" smtClean="0">
-                          <a:latin typeface="Cambria Math" panose="02040503050406030204" pitchFamily="18" charset="0"/>
-                          <a:ea typeface="Cambria Math" panose="02040503050406030204" pitchFamily="18" charset="0"/>
-                        </a:rPr>
-                        <m:t>𝑖𝐼𝑚</m:t>
-                      </m:r>
-                      <m:r>
-                        <a:rPr lang="en-US" b="0" i="1" smtClean="0">
-                          <a:latin typeface="Cambria Math" panose="02040503050406030204" pitchFamily="18" charset="0"/>
-                          <a:ea typeface="Cambria Math" panose="02040503050406030204" pitchFamily="18" charset="0"/>
-                        </a:rPr>
-                        <m:t>(</m:t>
-                      </m:r>
-                      <m:sSub>
-                        <m:sSubPr>
-                          <m:ctrlPr>
-                            <a:rPr lang="en-US" b="0" i="1" smtClean="0">
-                              <a:latin typeface="Cambria Math" panose="02040503050406030204" pitchFamily="18" charset="0"/>
-                              <a:ea typeface="Cambria Math" panose="02040503050406030204" pitchFamily="18" charset="0"/>
-                            </a:rPr>
-                          </m:ctrlPr>
-                        </m:sSubPr>
-                        <m:e>
-                          <m:r>
-                            <a:rPr lang="en-US" b="0" i="1" smtClean="0">
-                              <a:latin typeface="Cambria Math" panose="02040503050406030204" pitchFamily="18" charset="0"/>
-                              <a:ea typeface="Cambria Math" panose="02040503050406030204" pitchFamily="18" charset="0"/>
-                            </a:rPr>
-                            <m:t>𝑦</m:t>
-                          </m:r>
-                        </m:e>
-                        <m:sub>
-                          <m:r>
-                            <a:rPr lang="en-US" b="0" i="1" smtClean="0">
-                              <a:latin typeface="Cambria Math" panose="02040503050406030204" pitchFamily="18" charset="0"/>
-                              <a:ea typeface="Cambria Math" panose="02040503050406030204" pitchFamily="18" charset="0"/>
-                            </a:rPr>
-                            <m:t>𝑗</m:t>
-                          </m:r>
-                          <m:r>
-                            <a:rPr lang="en-US" b="0" i="1" smtClean="0">
-                              <a:latin typeface="Cambria Math" panose="02040503050406030204" pitchFamily="18" charset="0"/>
-                              <a:ea typeface="Cambria Math" panose="02040503050406030204" pitchFamily="18" charset="0"/>
-                            </a:rPr>
-                            <m:t>+1</m:t>
-                          </m:r>
-                        </m:sub>
-                      </m:sSub>
-                      <m:r>
-                        <a:rPr lang="en-US" b="0" i="1" smtClean="0">
-                          <a:latin typeface="Cambria Math" panose="02040503050406030204" pitchFamily="18" charset="0"/>
-                          <a:ea typeface="Cambria Math" panose="02040503050406030204" pitchFamily="18" charset="0"/>
-                        </a:rPr>
-                        <m:t>)]</m:t>
-                      </m:r>
-                    </m:oMath>
-                  </m:oMathPara>
-                </a14:m>
-                <a:endParaRPr lang="ru-RU" dirty="0"/>
-              </a:p>
-            </p:txBody>
-          </p:sp>
-        </mc:Choice>
-        <mc:Fallback>
-          <p:sp>
-            <p:nvSpPr>
-              <p:cNvPr id="60" name="TextBox 59"/>
-              <p:cNvSpPr txBox="1">
-                <a:spLocks noRot="1" noChangeAspect="1" noMove="1" noResize="1" noEditPoints="1" noAdjustHandles="1" noChangeArrowheads="1" noChangeShapeType="1" noTextEdit="1"/>
-              </p:cNvSpPr>
-              <p:nvPr/>
-            </p:nvSpPr>
-            <p:spPr>
-              <a:xfrm>
-                <a:off x="2542310" y="6017432"/>
-                <a:ext cx="6393872" cy="319062"/>
-              </a:xfrm>
-              <a:prstGeom prst="rect">
-                <a:avLst/>
-              </a:prstGeom>
-              <a:blipFill rotWithShape="0">
-                <a:blip r:embed="rId7"/>
-                <a:stretch>
-                  <a:fillRect b="-28846"/>
-                </a:stretch>
-              </a:blipFill>
-            </p:spPr>
-            <p:txBody>
-              <a:bodyPr/>
-              <a:lstStyle/>
-              <a:p>
-                <a:r>
-                  <a:rPr lang="ru-RU">
-                    <a:noFill/>
-                  </a:rPr>
-                  <a:t> </a:t>
-                </a:r>
-              </a:p>
-            </p:txBody>
-          </p:sp>
-        </mc:Fallback>
-      </mc:AlternateContent>
-    </p:spTree>
-    <p:extLst>
-      <p:ext uri="{BB962C8B-B14F-4D97-AF65-F5344CB8AC3E}">
-        <p14:creationId xmlns:p14="http://schemas.microsoft.com/office/powerpoint/2010/main" val="3142859641"/>
-      </p:ext>
-    </p:extLst>
-  </p:cSld>
-  <p:clrMapOvr>
-    <a:masterClrMapping/>
-  </p:clrMapOvr>
-</p:sld>
-</file>
-
-<file path=ppt/slides/slide5.xml><?xml version="1.0" encoding="utf-8"?>
-<p:sld xmlns:a="http://schemas.openxmlformats.org/drawingml/2006/main" xmlns:r="http://schemas.openxmlformats.org/officeDocument/2006/relationships" xmlns:p="http://schemas.openxmlformats.org/presentationml/2006/main">
-  <p:cSld>
-    <p:spTree>
-      <p:nvGrpSpPr>
-        <p:cNvPr id="1" name=""/>
-        <p:cNvGrpSpPr/>
-        <p:nvPr/>
-      </p:nvGrpSpPr>
-      <p:grpSpPr>
-        <a:xfrm>
-          <a:off x="0" y="0"/>
-          <a:ext cx="0" cy="0"/>
-          <a:chOff x="0" y="0"/>
-          <a:chExt cx="0" cy="0"/>
-        </a:xfrm>
-      </p:grpSpPr>
-      <p:sp>
-        <p:nvSpPr>
-          <p:cNvPr id="2" name="Заголовок 1"/>
-          <p:cNvSpPr>
-            <a:spLocks noGrp="1"/>
-          </p:cNvSpPr>
-          <p:nvPr>
-            <p:ph type="title"/>
-          </p:nvPr>
-        </p:nvSpPr>
-        <p:spPr>
-          <a:xfrm>
-            <a:off x="838200" y="365126"/>
-            <a:ext cx="10515600" cy="788266"/>
-          </a:xfrm>
-        </p:spPr>
-        <p:txBody>
-          <a:bodyPr>
-            <a:noAutofit/>
-          </a:bodyPr>
-          <a:lstStyle/>
-          <a:p>
-            <a:pPr algn="ctr"/>
-            <a:r>
-              <a:rPr lang="ru-RU" sz="3600" dirty="0" smtClean="0"/>
-              <a:t>МОДЕЛЮВАННЯ </a:t>
-            </a:r>
-            <a:r>
-              <a:rPr lang="ru-RU" sz="3600" dirty="0"/>
-              <a:t>ІЗОТРОПНИХ МОДИФІКОВАНОГО СЕГМЕНТУ </a:t>
-            </a:r>
-            <a:r>
-              <a:rPr lang="uk-UA" sz="3600" dirty="0" smtClean="0"/>
-              <a:t>ПЕРІОДИЧНОГО</a:t>
-            </a:r>
-            <a:r>
-              <a:rPr lang="ru-RU" sz="3600" dirty="0" smtClean="0"/>
-              <a:t> </a:t>
-            </a:r>
-            <a:r>
-              <a:rPr lang="ru-RU" sz="3600" dirty="0"/>
-              <a:t>B-</a:t>
-            </a:r>
-            <a:r>
-              <a:rPr lang="ru-RU" sz="3600" dirty="0" err="1"/>
-              <a:t>сплайнів</a:t>
-            </a:r>
-            <a:endParaRPr lang="ru-RU" sz="3600" dirty="0"/>
-          </a:p>
-        </p:txBody>
-      </p:sp>
-      <p:sp>
-        <p:nvSpPr>
-          <p:cNvPr id="3" name="Объект 2"/>
-          <p:cNvSpPr>
-            <a:spLocks noGrp="1"/>
-          </p:cNvSpPr>
-          <p:nvPr>
-            <p:ph idx="1"/>
-          </p:nvPr>
-        </p:nvSpPr>
-        <p:spPr>
-          <a:xfrm>
-            <a:off x="635578" y="1825625"/>
-            <a:ext cx="10515600" cy="4351338"/>
-          </a:xfrm>
-        </p:spPr>
-        <p:txBody>
-          <a:bodyPr>
-            <a:normAutofit/>
-          </a:bodyPr>
-          <a:lstStyle/>
-          <a:p>
-            <a:pPr marL="0" indent="0">
-              <a:buNone/>
-            </a:pPr>
-            <a:r>
-              <a:rPr lang="ru-RU" sz="2000" dirty="0" smtClean="0"/>
-              <a:t>Для </a:t>
-            </a:r>
-            <a:r>
-              <a:rPr lang="ru-RU" sz="2000" dirty="0" err="1" smtClean="0"/>
-              <a:t>моделювання</a:t>
-            </a:r>
-            <a:r>
-              <a:rPr lang="ru-RU" sz="2000" dirty="0" smtClean="0"/>
-              <a:t> </a:t>
-            </a:r>
-            <a:r>
-              <a:rPr lang="ru-RU" sz="2000" dirty="0" err="1" smtClean="0"/>
-              <a:t>ізотропних</a:t>
-            </a:r>
-            <a:r>
-              <a:rPr lang="ru-RU" sz="2000" dirty="0" smtClean="0"/>
-              <a:t> </a:t>
-            </a:r>
-            <a:r>
-              <a:rPr lang="ru-RU" sz="2000" dirty="0" err="1" smtClean="0"/>
-              <a:t>сегментів</a:t>
-            </a:r>
-            <a:r>
-              <a:rPr lang="ru-RU" sz="2000" dirty="0" smtClean="0"/>
-              <a:t> В-сплайна </a:t>
-            </a:r>
-            <a:r>
-              <a:rPr lang="ru-RU" sz="2000" dirty="0" err="1" smtClean="0"/>
-              <a:t>необхідно</a:t>
-            </a:r>
-            <a:r>
-              <a:rPr lang="ru-RU" sz="2000" dirty="0"/>
-              <a:t> </a:t>
-            </a:r>
-            <a:r>
-              <a:rPr lang="ru-RU" sz="2000" dirty="0" err="1" smtClean="0"/>
-              <a:t>щоб</a:t>
-            </a:r>
-            <a:r>
-              <a:rPr lang="ru-RU" sz="2000" dirty="0" smtClean="0"/>
-              <a:t> </a:t>
-            </a:r>
-            <a:r>
-              <a:rPr lang="ru-RU" sz="2000" dirty="0" err="1" smtClean="0"/>
-              <a:t>дотримувалася</a:t>
-            </a:r>
-            <a:r>
-              <a:rPr lang="ru-RU" sz="2000" dirty="0" smtClean="0"/>
-              <a:t> </a:t>
-            </a:r>
-            <a:r>
-              <a:rPr lang="ru-RU" sz="2000" dirty="0" err="1" smtClean="0"/>
-              <a:t>умова</a:t>
-            </a:r>
-            <a:r>
-              <a:rPr lang="ru-RU" sz="2000" dirty="0" smtClean="0"/>
-              <a:t> </a:t>
-            </a:r>
-            <a:r>
-              <a:rPr lang="ru-RU" sz="2000" dirty="0" err="1" smtClean="0"/>
-              <a:t>ізотропності</a:t>
-            </a:r>
-            <a:r>
-              <a:rPr lang="ru-RU" sz="2000" dirty="0" smtClean="0"/>
-              <a:t>:</a:t>
-            </a:r>
-          </a:p>
-          <a:p>
-            <a:pPr marL="0" indent="0">
-              <a:buNone/>
-            </a:pPr>
-            <a:r>
-              <a:rPr lang="ru-RU" sz="2000" dirty="0" err="1" smtClean="0"/>
-              <a:t>Умова</a:t>
-            </a:r>
-            <a:r>
-              <a:rPr lang="ru-RU" sz="2000" dirty="0" smtClean="0"/>
-              <a:t> </a:t>
-            </a:r>
-            <a:r>
-              <a:rPr lang="ru-RU" sz="2000" dirty="0" err="1" smtClean="0"/>
-              <a:t>изотропности</a:t>
-            </a:r>
-            <a:r>
-              <a:rPr lang="ru-RU" sz="2000" dirty="0" smtClean="0"/>
-              <a:t> для сегмента </a:t>
-            </a:r>
-            <a:r>
-              <a:rPr lang="ru-RU" sz="2000" dirty="0" err="1" smtClean="0"/>
-              <a:t>періодичного</a:t>
-            </a:r>
-            <a:r>
-              <a:rPr lang="ru-RU" sz="2000" dirty="0" smtClean="0"/>
-              <a:t> В-сплайна:</a:t>
-            </a:r>
-          </a:p>
-          <a:p>
-            <a:pPr marL="0" indent="0">
-              <a:buNone/>
-            </a:pPr>
-            <a:endParaRPr lang="uk-UA" sz="2000" dirty="0"/>
-          </a:p>
-          <a:p>
-            <a:pPr marL="0" indent="0">
-              <a:buNone/>
-            </a:pPr>
-            <a:endParaRPr lang="uk-UA" sz="2000" dirty="0" smtClean="0"/>
-          </a:p>
-          <a:p>
-            <a:pPr marL="0" indent="0">
-              <a:buNone/>
-            </a:pPr>
-            <a:r>
-              <a:rPr lang="ru-RU" sz="2000" dirty="0" err="1" smtClean="0"/>
-              <a:t>Умова</a:t>
-            </a:r>
-            <a:r>
-              <a:rPr lang="ru-RU" sz="2000" dirty="0" smtClean="0"/>
-              <a:t> </a:t>
-            </a:r>
-            <a:r>
-              <a:rPr lang="ru-RU" sz="2000" dirty="0" err="1" smtClean="0"/>
-              <a:t>ізотропності</a:t>
-            </a:r>
-            <a:r>
-              <a:rPr lang="ru-RU" sz="2000" dirty="0" smtClean="0"/>
-              <a:t> буде </a:t>
-            </a:r>
-            <a:r>
-              <a:rPr lang="ru-RU" sz="2000" dirty="0" err="1" smtClean="0"/>
-              <a:t>виконуватись</a:t>
-            </a:r>
-            <a:r>
-              <a:rPr lang="ru-RU" sz="2000" dirty="0" smtClean="0"/>
-              <a:t> та не </a:t>
-            </a:r>
-            <a:r>
-              <a:rPr lang="ru-RU" sz="2000" dirty="0" err="1" smtClean="0"/>
-              <a:t>залежати</a:t>
-            </a:r>
-            <a:r>
-              <a:rPr lang="ru-RU" sz="2000" dirty="0" smtClean="0"/>
-              <a:t> </a:t>
-            </a:r>
-            <a:r>
-              <a:rPr lang="ru-RU" sz="2000" dirty="0" err="1" smtClean="0"/>
-              <a:t>від</a:t>
-            </a:r>
-            <a:r>
-              <a:rPr lang="ru-RU" sz="2000" dirty="0" smtClean="0"/>
-              <a:t> </a:t>
-            </a:r>
-            <a:r>
-              <a:rPr lang="ru-RU" sz="2000" dirty="0" err="1" smtClean="0"/>
-              <a:t>значення</a:t>
-            </a:r>
-            <a:r>
-              <a:rPr lang="ru-RU" sz="2000" dirty="0" smtClean="0"/>
-              <a:t> параметра, </a:t>
-            </a:r>
-            <a:r>
-              <a:rPr lang="ru-RU" sz="2000" dirty="0" err="1" smtClean="0"/>
-              <a:t>якщо</a:t>
-            </a:r>
-            <a:r>
-              <a:rPr lang="ru-RU" sz="2000" dirty="0" smtClean="0"/>
-              <a:t> </a:t>
-            </a:r>
-            <a:r>
-              <a:rPr lang="ru-RU" sz="2000" dirty="0" err="1" smtClean="0"/>
-              <a:t>коефіцієнти</a:t>
-            </a:r>
-            <a:r>
-              <a:rPr lang="ru-RU" sz="2000" dirty="0" smtClean="0"/>
-              <a:t> при </a:t>
-            </a:r>
-            <a:r>
-              <a:rPr lang="ru-RU" sz="2000" dirty="0" err="1" smtClean="0"/>
-              <a:t>всіх</a:t>
-            </a:r>
-            <a:r>
-              <a:rPr lang="ru-RU" sz="2000" dirty="0" smtClean="0"/>
-              <a:t> степенях   </a:t>
-            </a:r>
-            <a:r>
-              <a:rPr lang="ru-RU" sz="2000" dirty="0" err="1" smtClean="0"/>
-              <a:t>дорівнюють</a:t>
-            </a:r>
-            <a:r>
-              <a:rPr lang="ru-RU" sz="2000" dirty="0" smtClean="0"/>
-              <a:t> 0.  </a:t>
-            </a:r>
-            <a:r>
-              <a:rPr lang="ru-RU" sz="2000" dirty="0" err="1" smtClean="0"/>
-              <a:t>Тобто</a:t>
-            </a:r>
-            <a:r>
-              <a:rPr lang="ru-RU" sz="2000" dirty="0" smtClean="0"/>
-              <a:t> одержимо </a:t>
-            </a:r>
-            <a:r>
-              <a:rPr lang="ru-RU" sz="2000" dirty="0" err="1" smtClean="0"/>
-              <a:t>рівняння</a:t>
-            </a:r>
-            <a:r>
-              <a:rPr lang="ru-RU" sz="2000" dirty="0" smtClean="0"/>
-              <a:t>:</a:t>
-            </a:r>
-          </a:p>
-          <a:p>
-            <a:pPr marL="0" indent="0">
-              <a:buNone/>
-            </a:pPr>
-            <a:endParaRPr lang="uk-UA" sz="2000" dirty="0"/>
-          </a:p>
-          <a:p>
-            <a:pPr marL="0" indent="0">
-              <a:buNone/>
-            </a:pPr>
-            <a:endParaRPr lang="ru-RU" sz="2000" dirty="0"/>
-          </a:p>
-        </p:txBody>
-      </p:sp>
-      <p:graphicFrame>
-        <p:nvGraphicFramePr>
-          <p:cNvPr id="5" name="Object 18"/>
-          <p:cNvGraphicFramePr>
-            <a:graphicFrameLocks noChangeAspect="1"/>
-          </p:cNvGraphicFramePr>
-          <p:nvPr>
-            <p:extLst>
-              <p:ext uri="{D42A27DB-BD31-4B8C-83A1-F6EECF244321}">
-                <p14:modId xmlns:p14="http://schemas.microsoft.com/office/powerpoint/2010/main" val="8289574"/>
-              </p:ext>
-            </p:extLst>
-          </p:nvPr>
-        </p:nvGraphicFramePr>
-        <p:xfrm>
-          <a:off x="2417329" y="2074718"/>
-          <a:ext cx="1744663" cy="401638"/>
-        </p:xfrm>
-        <a:graphic>
-          <a:graphicData uri="http://schemas.openxmlformats.org/presentationml/2006/ole">
-            <mc:AlternateContent xmlns:mc="http://schemas.openxmlformats.org/markup-compatibility/2006">
-              <mc:Choice xmlns:v="urn:schemas-microsoft-com:vml" Requires="v">
-                <p:oleObj spid="_x0000_s4133" name="Формула" r:id="rId3" imgW="1104840" imgH="253800" progId="Equation.3">
-                  <p:embed/>
-                </p:oleObj>
-              </mc:Choice>
-              <mc:Fallback>
-                <p:oleObj name="Формула" r:id="rId3" imgW="1104840" imgH="253800" progId="Equation.3">
-                  <p:embed/>
-                  <p:pic>
-                    <p:nvPicPr>
-                      <p:cNvPr id="0" name=""/>
-                      <p:cNvPicPr>
-                        <a:picLocks noChangeAspect="1" noChangeArrowheads="1"/>
-                      </p:cNvPicPr>
-                      <p:nvPr/>
-                    </p:nvPicPr>
-                    <p:blipFill>
-                      <a:blip r:embed="rId4">
-                        <a:extLst>
-                          <a:ext uri="{28A0092B-C50C-407E-A947-70E740481C1C}">
-                            <a14:useLocalDpi xmlns:a14="http://schemas.microsoft.com/office/drawing/2010/main" val="0"/>
-                          </a:ext>
-                        </a:extLst>
-                      </a:blip>
-                      <a:srcRect/>
-                      <a:stretch>
-                        <a:fillRect/>
-                      </a:stretch>
-                    </p:blipFill>
-                    <p:spPr bwMode="auto">
-                      <a:xfrm>
-                        <a:off x="2417329" y="2074718"/>
-                        <a:ext cx="1744663" cy="401638"/>
-                      </a:xfrm>
-                      <a:prstGeom prst="rect">
-                        <a:avLst/>
-                      </a:prstGeom>
-                      <a:noFill/>
-                      <a:extLst>
-                        <a:ext uri="{909E8E84-426E-40DD-AFC4-6F175D3DCCD1}">
-                          <a14:hiddenFill xmlns:a14="http://schemas.microsoft.com/office/drawing/2010/main">
-                            <a:solidFill>
-                              <a:srgbClr val="FFFFFF"/>
-                            </a:solidFill>
-                          </a14:hiddenFill>
-                        </a:ext>
-                      </a:extLst>
-                    </p:spPr>
-                  </p:pic>
-                </p:oleObj>
-              </mc:Fallback>
-            </mc:AlternateContent>
-          </a:graphicData>
-        </a:graphic>
-      </p:graphicFrame>
-      <p:graphicFrame>
-        <p:nvGraphicFramePr>
-          <p:cNvPr id="8" name="Object 7"/>
-          <p:cNvGraphicFramePr>
-            <a:graphicFrameLocks noChangeAspect="1"/>
-          </p:cNvGraphicFramePr>
-          <p:nvPr>
-            <p:extLst>
-              <p:ext uri="{D42A27DB-BD31-4B8C-83A1-F6EECF244321}">
-                <p14:modId xmlns:p14="http://schemas.microsoft.com/office/powerpoint/2010/main" val="709975187"/>
-              </p:ext>
-            </p:extLst>
-          </p:nvPr>
-        </p:nvGraphicFramePr>
-        <p:xfrm>
-          <a:off x="2040516" y="3033351"/>
-          <a:ext cx="7705725" cy="646113"/>
-        </p:xfrm>
-        <a:graphic>
-          <a:graphicData uri="http://schemas.openxmlformats.org/presentationml/2006/ole">
-            <mc:AlternateContent xmlns:mc="http://schemas.openxmlformats.org/markup-compatibility/2006">
-              <mc:Choice xmlns:v="urn:schemas-microsoft-com:vml" Requires="v">
-                <p:oleObj spid="_x0000_s4134" name="Microsoft Equation 3.0" r:id="rId5" imgW="5067300" imgH="444500" progId="Equation.3">
-                  <p:embed/>
-                </p:oleObj>
-              </mc:Choice>
-              <mc:Fallback>
-                <p:oleObj name="Microsoft Equation 3.0" r:id="rId5" imgW="5067300" imgH="444500" progId="Equation.3">
-                  <p:embed/>
-                  <p:pic>
-                    <p:nvPicPr>
-                      <p:cNvPr id="0" name=""/>
-                      <p:cNvPicPr>
-                        <a:picLocks noChangeAspect="1" noChangeArrowheads="1"/>
-                      </p:cNvPicPr>
-                      <p:nvPr/>
-                    </p:nvPicPr>
-                    <p:blipFill>
-                      <a:blip r:embed="rId6">
-                        <a:extLst>
-                          <a:ext uri="{28A0092B-C50C-407E-A947-70E740481C1C}">
-                            <a14:useLocalDpi xmlns:a14="http://schemas.microsoft.com/office/drawing/2010/main" val="0"/>
-                          </a:ext>
-                        </a:extLst>
-                      </a:blip>
-                      <a:srcRect/>
-                      <a:stretch>
-                        <a:fillRect/>
-                      </a:stretch>
-                    </p:blipFill>
-                    <p:spPr bwMode="auto">
-                      <a:xfrm>
-                        <a:off x="2040516" y="3033351"/>
-                        <a:ext cx="7705725" cy="646113"/>
-                      </a:xfrm>
-                      <a:prstGeom prst="rect">
-                        <a:avLst/>
-                      </a:prstGeom>
-                      <a:noFill/>
-                      <a:extLst>
-                        <a:ext uri="{909E8E84-426E-40DD-AFC4-6F175D3DCCD1}">
-                          <a14:hiddenFill xmlns:a14="http://schemas.microsoft.com/office/drawing/2010/main">
-                            <a:solidFill>
-                              <a:srgbClr val="FFFFFF"/>
-                            </a:solidFill>
-                          </a14:hiddenFill>
-                        </a:ext>
-                      </a:extLst>
-                    </p:spPr>
-                  </p:pic>
-                </p:oleObj>
-              </mc:Fallback>
-            </mc:AlternateContent>
-          </a:graphicData>
-        </a:graphic>
-      </p:graphicFrame>
-      <p:graphicFrame>
-        <p:nvGraphicFramePr>
-          <p:cNvPr id="13" name="Object 4"/>
-          <p:cNvGraphicFramePr>
-            <a:graphicFrameLocks noChangeAspect="1"/>
-          </p:cNvGraphicFramePr>
-          <p:nvPr>
-            <p:extLst>
-              <p:ext uri="{D42A27DB-BD31-4B8C-83A1-F6EECF244321}">
-                <p14:modId xmlns:p14="http://schemas.microsoft.com/office/powerpoint/2010/main" val="590115468"/>
-              </p:ext>
-            </p:extLst>
-          </p:nvPr>
-        </p:nvGraphicFramePr>
-        <p:xfrm>
-          <a:off x="4067031" y="4460876"/>
-          <a:ext cx="3262312" cy="1716087"/>
-        </p:xfrm>
-        <a:graphic>
-          <a:graphicData uri="http://schemas.openxmlformats.org/presentationml/2006/ole">
-            <mc:AlternateContent xmlns:mc="http://schemas.openxmlformats.org/markup-compatibility/2006">
-              <mc:Choice xmlns:v="urn:schemas-microsoft-com:vml" Requires="v">
-                <p:oleObj spid="_x0000_s4135" name="Формула" r:id="rId7" imgW="2184120" imgH="1168200" progId="Equation.3">
-                  <p:embed/>
-                </p:oleObj>
-              </mc:Choice>
-              <mc:Fallback>
-                <p:oleObj name="Формула" r:id="rId7" imgW="2184120" imgH="1168200" progId="Equation.3">
-                  <p:embed/>
-                  <p:pic>
-                    <p:nvPicPr>
-                      <p:cNvPr id="0" name=""/>
-                      <p:cNvPicPr>
-                        <a:picLocks noChangeAspect="1" noChangeArrowheads="1"/>
-                      </p:cNvPicPr>
-                      <p:nvPr/>
-                    </p:nvPicPr>
-                    <p:blipFill>
-                      <a:blip r:embed="rId8">
-                        <a:extLst>
-                          <a:ext uri="{28A0092B-C50C-407E-A947-70E740481C1C}">
-                            <a14:useLocalDpi xmlns:a14="http://schemas.microsoft.com/office/drawing/2010/main" val="0"/>
-                          </a:ext>
-                        </a:extLst>
-                      </a:blip>
-                      <a:srcRect/>
-                      <a:stretch>
-                        <a:fillRect/>
-                      </a:stretch>
-                    </p:blipFill>
-                    <p:spPr bwMode="auto">
-                      <a:xfrm>
-                        <a:off x="4067031" y="4460876"/>
-                        <a:ext cx="3262312" cy="1716087"/>
-                      </a:xfrm>
-                      <a:prstGeom prst="rect">
-                        <a:avLst/>
-                      </a:prstGeom>
-                      <a:noFill/>
-                      <a:extLst>
-                        <a:ext uri="{909E8E84-426E-40DD-AFC4-6F175D3DCCD1}">
-                          <a14:hiddenFill xmlns:a14="http://schemas.microsoft.com/office/drawing/2010/main">
-                            <a:solidFill>
-                              <a:srgbClr val="FFFFFF"/>
-                            </a:solidFill>
-                          </a14:hiddenFill>
-                        </a:ext>
-                      </a:extLst>
-                    </p:spPr>
-                  </p:pic>
-                </p:oleObj>
-              </mc:Fallback>
-            </mc:AlternateContent>
-          </a:graphicData>
-        </a:graphic>
-      </p:graphicFrame>
-    </p:spTree>
-    <p:extLst>
-      <p:ext uri="{BB962C8B-B14F-4D97-AF65-F5344CB8AC3E}">
-        <p14:creationId xmlns:p14="http://schemas.microsoft.com/office/powerpoint/2010/main" val="2472483441"/>
-      </p:ext>
-    </p:extLst>
-  </p:cSld>
-  <p:clrMapOvr>
-    <a:masterClrMapping/>
-  </p:clrMapOvr>
-</p:sld>
-</file>
-
-<file path=ppt/slides/slide6.xml><?xml version="1.0" encoding="utf-8"?>
-<p:sld xmlns:a="http://schemas.openxmlformats.org/drawingml/2006/main" xmlns:r="http://schemas.openxmlformats.org/officeDocument/2006/relationships" xmlns:p="http://schemas.openxmlformats.org/presentationml/2006/main">
-  <p:cSld>
-    <p:spTree>
-      <p:nvGrpSpPr>
-        <p:cNvPr id="1" name=""/>
-        <p:cNvGrpSpPr/>
-        <p:nvPr/>
-      </p:nvGrpSpPr>
-      <p:grpSpPr>
-        <a:xfrm>
-          <a:off x="0" y="0"/>
-          <a:ext cx="0" cy="0"/>
-          <a:chOff x="0" y="0"/>
-          <a:chExt cx="0" cy="0"/>
-        </a:xfrm>
-      </p:grpSpPr>
-      <p:sp>
-        <p:nvSpPr>
-          <p:cNvPr id="2" name="Заголовок 1"/>
-          <p:cNvSpPr>
-            <a:spLocks noGrp="1"/>
-          </p:cNvSpPr>
-          <p:nvPr>
-            <p:ph type="title"/>
-          </p:nvPr>
-        </p:nvSpPr>
-        <p:spPr/>
-        <p:txBody>
-          <a:bodyPr>
-            <a:normAutofit fontScale="90000"/>
-          </a:bodyPr>
-          <a:lstStyle/>
-          <a:p>
-            <a:r>
-              <a:rPr lang="ru-RU" dirty="0" smtClean="0"/>
-              <a:t>МОДЕЛЮВАННЯ ІЗОТРОПНИХ МОДИФІКОВАНОГО СЕГМЕНТУ B-</a:t>
-            </a:r>
-            <a:r>
-              <a:rPr lang="ru-RU" dirty="0" err="1" smtClean="0"/>
-              <a:t>сплайнів</a:t>
-            </a:r>
-            <a:r>
-              <a:rPr lang="ru-RU" dirty="0" smtClean="0"/>
-              <a:t> ДЛЯ ПЛОСКОГО ВИПАДКУ</a:t>
-            </a:r>
-            <a:endParaRPr lang="ru-RU" dirty="0"/>
-          </a:p>
-        </p:txBody>
-      </p:sp>
-      <p:sp>
-        <p:nvSpPr>
-          <p:cNvPr id="3" name="Объект 2"/>
-          <p:cNvSpPr>
-            <a:spLocks noGrp="1"/>
-          </p:cNvSpPr>
-          <p:nvPr>
-            <p:ph idx="1"/>
-          </p:nvPr>
-        </p:nvSpPr>
-        <p:spPr/>
-        <p:txBody>
-          <a:bodyPr/>
-          <a:lstStyle/>
-          <a:p>
-            <a:pPr marL="0" indent="0">
-              <a:buNone/>
-            </a:pPr>
-            <a:r>
-              <a:rPr lang="uk-UA" dirty="0" smtClean="0"/>
-              <a:t> </a:t>
-            </a:r>
-            <a:r>
-              <a:rPr lang="uk-UA" sz="2000" dirty="0"/>
-              <a:t>З урахуванням виразів  </a:t>
-            </a:r>
-            <a:r>
-              <a:rPr lang="uk-UA" sz="2000" dirty="0" smtClean="0"/>
-              <a:t>умови ізотропності </a:t>
-            </a:r>
-            <a:r>
-              <a:rPr lang="uk-UA" sz="2000" dirty="0"/>
-              <a:t>ординати реперних точок будуть визначатися наступним </a:t>
-            </a:r>
-            <a:r>
-              <a:rPr lang="uk-UA" sz="2000" dirty="0" smtClean="0"/>
-              <a:t>чином:</a:t>
-            </a:r>
-          </a:p>
-          <a:p>
-            <a:pPr marL="0" indent="0">
-              <a:buNone/>
-            </a:pPr>
-            <a:endParaRPr lang="uk-UA" sz="2000" dirty="0"/>
-          </a:p>
-          <a:p>
-            <a:pPr marL="0" indent="0">
-              <a:buNone/>
-            </a:pPr>
-            <a:endParaRPr lang="uk-UA" sz="2000" dirty="0" smtClean="0"/>
-          </a:p>
-          <a:p>
-            <a:pPr marL="0" indent="0">
-              <a:buNone/>
-            </a:pPr>
-            <a:endParaRPr lang="uk-UA" sz="2000" dirty="0"/>
-          </a:p>
-          <a:p>
-            <a:pPr marL="0" indent="0">
-              <a:buNone/>
-            </a:pPr>
-            <a:r>
-              <a:rPr lang="ru-RU" sz="2000" dirty="0" err="1" smtClean="0"/>
-              <a:t>Виділимо</a:t>
-            </a:r>
-            <a:r>
-              <a:rPr lang="ru-RU" sz="2000" dirty="0" smtClean="0"/>
-              <a:t> </a:t>
-            </a:r>
-            <a:r>
-              <a:rPr lang="ru-RU" sz="2000" dirty="0" err="1" smtClean="0"/>
-              <a:t>окремо</a:t>
-            </a:r>
-            <a:r>
-              <a:rPr lang="ru-RU" sz="2000" dirty="0" smtClean="0"/>
-              <a:t> </a:t>
-            </a:r>
-            <a:r>
-              <a:rPr lang="ru-RU" sz="2000" dirty="0" err="1" smtClean="0"/>
-              <a:t>дійсну</a:t>
-            </a:r>
-            <a:r>
-              <a:rPr lang="ru-RU" sz="2000" dirty="0" smtClean="0"/>
-              <a:t>  </a:t>
-            </a:r>
-            <a:r>
-              <a:rPr lang="en-US" sz="2000" dirty="0" smtClean="0"/>
-              <a:t>Re(y)</a:t>
-            </a:r>
-            <a:r>
-              <a:rPr lang="ru-RU" sz="2000" dirty="0" smtClean="0"/>
-              <a:t>  та </a:t>
-            </a:r>
-            <a:r>
-              <a:rPr lang="ru-RU" sz="2000" dirty="0" err="1" smtClean="0"/>
-              <a:t>уявну</a:t>
-            </a:r>
-            <a:r>
-              <a:rPr lang="ru-RU" sz="2000" dirty="0" smtClean="0"/>
-              <a:t> </a:t>
-            </a:r>
-            <a:r>
-              <a:rPr lang="en-US" sz="2000" dirty="0" err="1" smtClean="0"/>
-              <a:t>Im</a:t>
-            </a:r>
-            <a:r>
-              <a:rPr lang="en-US" sz="2000" dirty="0" smtClean="0"/>
-              <a:t>(y)</a:t>
-            </a:r>
-            <a:r>
-              <a:rPr lang="ru-RU" sz="2000" dirty="0" smtClean="0"/>
-              <a:t>  </a:t>
-            </a:r>
-            <a:r>
-              <a:rPr lang="ru-RU" sz="2000" dirty="0" err="1" smtClean="0"/>
-              <a:t>частини</a:t>
-            </a:r>
-            <a:r>
-              <a:rPr lang="ru-RU" sz="2000" dirty="0" smtClean="0"/>
-              <a:t> та </a:t>
-            </a:r>
-            <a:r>
-              <a:rPr lang="ru-RU" sz="2000" dirty="0" err="1" smtClean="0"/>
-              <a:t>будемо</a:t>
-            </a:r>
-            <a:r>
-              <a:rPr lang="ru-RU" sz="2000" dirty="0" smtClean="0"/>
-              <a:t> </a:t>
-            </a:r>
-            <a:r>
-              <a:rPr lang="ru-RU" sz="2000" dirty="0" err="1" smtClean="0"/>
-              <a:t>задавати</a:t>
-            </a:r>
-            <a:r>
-              <a:rPr lang="ru-RU" sz="2000" dirty="0" smtClean="0"/>
-              <a:t> на </a:t>
-            </a:r>
-            <a:r>
-              <a:rPr lang="ru-RU" sz="2000" dirty="0" err="1" smtClean="0"/>
-              <a:t>площині</a:t>
-            </a:r>
-            <a:r>
-              <a:rPr lang="ru-RU" sz="2000" dirty="0" smtClean="0"/>
-              <a:t> </a:t>
-            </a:r>
-            <a:r>
-              <a:rPr lang="ru-RU" sz="2000" dirty="0" err="1" smtClean="0"/>
-              <a:t>плоску</a:t>
-            </a:r>
-            <a:r>
-              <a:rPr lang="ru-RU" sz="2000" dirty="0" smtClean="0"/>
-              <a:t> </a:t>
-            </a:r>
-            <a:r>
-              <a:rPr lang="ru-RU" sz="2000" dirty="0" err="1" smtClean="0"/>
-              <a:t>дійсну</a:t>
-            </a:r>
-            <a:r>
-              <a:rPr lang="ru-RU" sz="2000" dirty="0" smtClean="0"/>
-              <a:t> </a:t>
-            </a:r>
-            <a:r>
-              <a:rPr lang="ru-RU" sz="2000" dirty="0" err="1" smtClean="0"/>
-              <a:t>криву</a:t>
-            </a:r>
-            <a:r>
-              <a:rPr lang="en-US" sz="2000" dirty="0" smtClean="0"/>
-              <a:t>.</a:t>
-            </a:r>
-            <a:r>
-              <a:rPr lang="uk-UA" sz="2000" dirty="0"/>
-              <a:t> В результаті одержимо: </a:t>
-            </a:r>
-            <a:endParaRPr lang="en-US" sz="2000" dirty="0" smtClean="0"/>
-          </a:p>
-          <a:p>
-            <a:pPr marL="0" indent="0">
-              <a:buNone/>
-            </a:pPr>
-            <a:endParaRPr lang="uk-UA" sz="2000" dirty="0" smtClean="0"/>
-          </a:p>
-          <a:p>
-            <a:pPr marL="0" indent="0">
-              <a:buNone/>
-            </a:pPr>
-            <a:endParaRPr lang="uk-UA" sz="2000" dirty="0"/>
-          </a:p>
-          <a:p>
-            <a:pPr marL="0" indent="0">
-              <a:buNone/>
-            </a:pPr>
-            <a:endParaRPr lang="uk-UA" sz="2000" dirty="0" smtClean="0"/>
-          </a:p>
-          <a:p>
-            <a:pPr marL="0" indent="0">
-              <a:buNone/>
-            </a:pPr>
-            <a:endParaRPr lang="ru-RU" sz="2000" dirty="0"/>
-          </a:p>
-        </p:txBody>
-      </p:sp>
-      <p:graphicFrame>
-        <p:nvGraphicFramePr>
-          <p:cNvPr id="5" name="Object 4"/>
-          <p:cNvGraphicFramePr>
-            <a:graphicFrameLocks noChangeAspect="1"/>
-          </p:cNvGraphicFramePr>
-          <p:nvPr>
-            <p:extLst>
-              <p:ext uri="{D42A27DB-BD31-4B8C-83A1-F6EECF244321}">
-                <p14:modId xmlns:p14="http://schemas.microsoft.com/office/powerpoint/2010/main" val="1377007876"/>
-              </p:ext>
-            </p:extLst>
-          </p:nvPr>
-        </p:nvGraphicFramePr>
-        <p:xfrm>
-          <a:off x="4495800" y="2643620"/>
-          <a:ext cx="2305050" cy="1071563"/>
-        </p:xfrm>
-        <a:graphic>
-          <a:graphicData uri="http://schemas.openxmlformats.org/presentationml/2006/ole">
-            <mc:AlternateContent xmlns:mc="http://schemas.openxmlformats.org/markup-compatibility/2006">
-              <mc:Choice xmlns:v="urn:schemas-microsoft-com:vml" Requires="v">
-                <p:oleObj spid="_x0000_s5143" name="Microsoft Equation 3.0" r:id="rId3" imgW="1511300" imgH="711200" progId="Equation.3">
-                  <p:embed/>
-                </p:oleObj>
-              </mc:Choice>
-              <mc:Fallback>
-                <p:oleObj name="Microsoft Equation 3.0" r:id="rId3" imgW="1511300" imgH="711200" progId="Equation.3">
-                  <p:embed/>
-                  <p:pic>
-                    <p:nvPicPr>
-                      <p:cNvPr id="0" name=""/>
-                      <p:cNvPicPr>
-                        <a:picLocks noChangeAspect="1" noChangeArrowheads="1"/>
-                      </p:cNvPicPr>
-                      <p:nvPr/>
-                    </p:nvPicPr>
-                    <p:blipFill>
-                      <a:blip r:embed="rId4">
-                        <a:extLst>
-                          <a:ext uri="{28A0092B-C50C-407E-A947-70E740481C1C}">
-                            <a14:useLocalDpi xmlns:a14="http://schemas.microsoft.com/office/drawing/2010/main" val="0"/>
-                          </a:ext>
-                        </a:extLst>
-                      </a:blip>
-                      <a:srcRect/>
-                      <a:stretch>
-                        <a:fillRect/>
-                      </a:stretch>
-                    </p:blipFill>
-                    <p:spPr bwMode="auto">
-                      <a:xfrm>
-                        <a:off x="4495800" y="2643620"/>
-                        <a:ext cx="2305050" cy="1071563"/>
-                      </a:xfrm>
-                      <a:prstGeom prst="rect">
-                        <a:avLst/>
-                      </a:prstGeom>
-                      <a:noFill/>
-                      <a:extLst>
-                        <a:ext uri="{909E8E84-426E-40DD-AFC4-6F175D3DCCD1}">
-                          <a14:hiddenFill xmlns:a14="http://schemas.microsoft.com/office/drawing/2010/main">
-                            <a:solidFill>
-                              <a:srgbClr val="FFFFFF"/>
-                            </a:solidFill>
-                          </a14:hiddenFill>
-                        </a:ext>
-                      </a:extLst>
-                    </p:spPr>
-                  </p:pic>
-                </p:oleObj>
-              </mc:Fallback>
-            </mc:AlternateContent>
-          </a:graphicData>
-        </a:graphic>
-      </p:graphicFrame>
-      <p:graphicFrame>
-        <p:nvGraphicFramePr>
-          <p:cNvPr id="11" name="Object 10"/>
-          <p:cNvGraphicFramePr>
-            <a:graphicFrameLocks noChangeAspect="1"/>
-          </p:cNvGraphicFramePr>
-          <p:nvPr>
-            <p:extLst>
-              <p:ext uri="{D42A27DB-BD31-4B8C-83A1-F6EECF244321}">
-                <p14:modId xmlns:p14="http://schemas.microsoft.com/office/powerpoint/2010/main" val="1642795303"/>
-              </p:ext>
-            </p:extLst>
-          </p:nvPr>
-        </p:nvGraphicFramePr>
-        <p:xfrm>
-          <a:off x="4346575" y="4624821"/>
-          <a:ext cx="3071813" cy="1800225"/>
-        </p:xfrm>
-        <a:graphic>
-          <a:graphicData uri="http://schemas.openxmlformats.org/presentationml/2006/ole">
-            <mc:AlternateContent xmlns:mc="http://schemas.openxmlformats.org/markup-compatibility/2006">
-              <mc:Choice xmlns:v="urn:schemas-microsoft-com:vml" Requires="v">
-                <p:oleObj spid="_x0000_s5144" name="Формула" r:id="rId5" imgW="2514600" imgH="1473120" progId="Equation.3">
-                  <p:embed/>
-                </p:oleObj>
-              </mc:Choice>
-              <mc:Fallback>
-                <p:oleObj name="Формула" r:id="rId5" imgW="2514600" imgH="1473120" progId="Equation.3">
-                  <p:embed/>
-                  <p:pic>
-                    <p:nvPicPr>
-                      <p:cNvPr id="0" name=""/>
-                      <p:cNvPicPr>
-                        <a:picLocks noChangeAspect="1" noChangeArrowheads="1"/>
-                      </p:cNvPicPr>
-                      <p:nvPr/>
-                    </p:nvPicPr>
-                    <p:blipFill>
-                      <a:blip r:embed="rId6">
-                        <a:extLst>
-                          <a:ext uri="{28A0092B-C50C-407E-A947-70E740481C1C}">
-                            <a14:useLocalDpi xmlns:a14="http://schemas.microsoft.com/office/drawing/2010/main" val="0"/>
-                          </a:ext>
-                        </a:extLst>
-                      </a:blip>
-                      <a:srcRect/>
-                      <a:stretch>
-                        <a:fillRect/>
-                      </a:stretch>
-                    </p:blipFill>
-                    <p:spPr bwMode="auto">
-                      <a:xfrm>
-                        <a:off x="4346575" y="4624821"/>
-                        <a:ext cx="3071813" cy="1800225"/>
-                      </a:xfrm>
-                      <a:prstGeom prst="rect">
-                        <a:avLst/>
-                      </a:prstGeom>
-                      <a:noFill/>
-                      <a:extLst>
-                        <a:ext uri="{909E8E84-426E-40DD-AFC4-6F175D3DCCD1}">
-                          <a14:hiddenFill xmlns:a14="http://schemas.microsoft.com/office/drawing/2010/main">
-                            <a:solidFill>
-                              <a:srgbClr val="FFFFFF"/>
-                            </a:solidFill>
-                          </a14:hiddenFill>
-                        </a:ext>
-                      </a:extLst>
-                    </p:spPr>
-                  </p:pic>
-                </p:oleObj>
-              </mc:Fallback>
-            </mc:AlternateContent>
-          </a:graphicData>
-        </a:graphic>
-      </p:graphicFrame>
-    </p:spTree>
-    <p:extLst>
-      <p:ext uri="{BB962C8B-B14F-4D97-AF65-F5344CB8AC3E}">
-        <p14:creationId xmlns:p14="http://schemas.microsoft.com/office/powerpoint/2010/main" val="209504848"/>
-      </p:ext>
-    </p:extLst>
-  </p:cSld>
-  <p:clrMapOvr>
-    <a:masterClrMapping/>
-  </p:clrMapOvr>
-</p:sld>
-</file>
-
-<file path=ppt/slides/slide7.xml><?xml version="1.0" encoding="utf-8"?>
-<p:sld xmlns:a="http://schemas.openxmlformats.org/drawingml/2006/main" xmlns:r="http://schemas.openxmlformats.org/officeDocument/2006/relationships" xmlns:p="http://schemas.openxmlformats.org/presentationml/2006/main">
-  <p:cSld>
-    <p:spTree>
-      <p:nvGrpSpPr>
-        <p:cNvPr id="1" name=""/>
-        <p:cNvGrpSpPr/>
-        <p:nvPr/>
-      </p:nvGrpSpPr>
-      <p:grpSpPr>
-        <a:xfrm>
-          <a:off x="0" y="0"/>
-          <a:ext cx="0" cy="0"/>
-          <a:chOff x="0" y="0"/>
-          <a:chExt cx="0" cy="0"/>
-        </a:xfrm>
-      </p:grpSpPr>
-      <p:sp>
-        <p:nvSpPr>
-          <p:cNvPr id="2" name="Заголовок 1"/>
-          <p:cNvSpPr>
-            <a:spLocks noGrp="1"/>
-          </p:cNvSpPr>
-          <p:nvPr>
-            <p:ph type="title"/>
-          </p:nvPr>
-        </p:nvSpPr>
-        <p:spPr/>
-        <p:txBody>
-          <a:bodyPr>
-            <a:normAutofit fontScale="90000"/>
-          </a:bodyPr>
-          <a:lstStyle/>
-          <a:p>
-            <a:r>
-              <a:rPr lang="ru-RU" dirty="0" smtClean="0"/>
-              <a:t>МОДЕЛЮВАННЯ</a:t>
-            </a:r>
-            <a:r>
-              <a:rPr lang="en-US" dirty="0"/>
-              <a:t> </a:t>
-            </a:r>
-            <a:r>
-              <a:rPr lang="uk-UA" dirty="0" smtClean="0"/>
-              <a:t>ІЗОТЕРМІЧНОЇ</a:t>
-            </a:r>
-            <a:r>
-              <a:rPr lang="ru-RU" dirty="0" smtClean="0"/>
-              <a:t/>
-            </a:r>
-            <a:br>
-              <a:rPr lang="ru-RU" dirty="0" smtClean="0"/>
-            </a:br>
-            <a:r>
-              <a:rPr lang="ru-RU" dirty="0" smtClean="0"/>
-              <a:t>ОРТОГОНАЛЬНОЇ  ПЛОСКОЇ СІТКИ НА ОСНОВІ</a:t>
-            </a:r>
-            <a:r>
-              <a:rPr lang="en-US" dirty="0" smtClean="0"/>
-              <a:t> </a:t>
-            </a:r>
-            <a:r>
-              <a:rPr lang="ru-RU" dirty="0" smtClean="0"/>
-              <a:t>B- СПЛАЙНІВ</a:t>
-            </a:r>
-            <a:endParaRPr lang="ru-RU" dirty="0"/>
-          </a:p>
-        </p:txBody>
-      </p:sp>
-      <p:sp>
-        <p:nvSpPr>
-          <p:cNvPr id="3" name="Объект 2"/>
-          <p:cNvSpPr>
-            <a:spLocks noGrp="1"/>
-          </p:cNvSpPr>
-          <p:nvPr>
-            <p:ph idx="1"/>
-          </p:nvPr>
-        </p:nvSpPr>
-        <p:spPr/>
-        <p:txBody>
-          <a:bodyPr>
-            <a:normAutofit fontScale="92500" lnSpcReduction="20000"/>
-          </a:bodyPr>
-          <a:lstStyle/>
-          <a:p>
-            <a:pPr marL="0" indent="0">
-              <a:buNone/>
-            </a:pPr>
-            <a:r>
-              <a:rPr lang="ru-RU" sz="2000" dirty="0" err="1" smtClean="0"/>
-              <a:t>Побудуємо</a:t>
-            </a:r>
-            <a:r>
-              <a:rPr lang="ru-RU" sz="2000" dirty="0" smtClean="0"/>
-              <a:t> </a:t>
-            </a:r>
-            <a:r>
-              <a:rPr lang="ru-RU" sz="2000" dirty="0" err="1" smtClean="0"/>
-              <a:t>плоску</a:t>
-            </a:r>
-            <a:r>
-              <a:rPr lang="ru-RU" sz="2000" dirty="0" smtClean="0"/>
-              <a:t> </a:t>
-            </a:r>
-            <a:r>
-              <a:rPr lang="ru-RU" sz="2000" dirty="0" err="1" smtClean="0"/>
-              <a:t>сітку</a:t>
-            </a:r>
-            <a:r>
-              <a:rPr lang="ru-RU" sz="2000" dirty="0" smtClean="0"/>
-              <a:t> на </a:t>
-            </a:r>
-            <a:r>
-              <a:rPr lang="ru-RU" sz="2000" dirty="0" err="1" smtClean="0"/>
-              <a:t>основі</a:t>
-            </a:r>
-            <a:r>
-              <a:rPr lang="ru-RU" sz="2000" dirty="0" smtClean="0"/>
-              <a:t>  </a:t>
-            </a:r>
-            <a:r>
-              <a:rPr lang="ru-RU" sz="2000" dirty="0" err="1" smtClean="0"/>
-              <a:t>ізотропного</a:t>
-            </a:r>
-            <a:r>
-              <a:rPr lang="ru-RU" sz="2000" dirty="0" smtClean="0"/>
-              <a:t> </a:t>
-            </a:r>
-            <a:r>
-              <a:rPr lang="ru-RU" sz="2000" dirty="0" err="1" smtClean="0"/>
-              <a:t>періодичного</a:t>
-            </a:r>
-            <a:r>
-              <a:rPr lang="ru-RU" sz="2000" dirty="0" smtClean="0"/>
-              <a:t> </a:t>
-            </a:r>
-            <a:r>
-              <a:rPr lang="ru-RU" sz="2000" dirty="0" err="1" smtClean="0"/>
-              <a:t>нормалізованого</a:t>
-            </a:r>
-            <a:r>
-              <a:rPr lang="ru-RU" sz="2000" dirty="0" smtClean="0"/>
-              <a:t> B-сплайну четвертого порядку з конформною </a:t>
-            </a:r>
-            <a:r>
-              <a:rPr lang="ru-RU" sz="2000" dirty="0" err="1" smtClean="0"/>
-              <a:t>заміною</a:t>
-            </a:r>
-            <a:r>
-              <a:rPr lang="ru-RU" sz="2000" dirty="0" smtClean="0"/>
-              <a:t> параметра. Для </a:t>
-            </a:r>
-            <a:r>
-              <a:rPr lang="ru-RU" sz="2000" dirty="0" err="1" smtClean="0"/>
-              <a:t>цього</a:t>
-            </a:r>
-            <a:r>
-              <a:rPr lang="ru-RU" sz="2000" dirty="0" smtClean="0"/>
-              <a:t> </a:t>
-            </a:r>
-            <a:r>
-              <a:rPr lang="ru-RU" sz="2000" dirty="0" err="1" smtClean="0"/>
-              <a:t>проведемо</a:t>
-            </a:r>
-            <a:r>
-              <a:rPr lang="ru-RU" sz="2000" dirty="0" smtClean="0"/>
-              <a:t> </a:t>
-            </a:r>
-            <a:r>
-              <a:rPr lang="ru-RU" sz="2000" dirty="0" err="1" smtClean="0"/>
-              <a:t>заміну</a:t>
-            </a:r>
-            <a:r>
-              <a:rPr lang="ru-RU" sz="2000" dirty="0" smtClean="0"/>
-              <a:t> в </a:t>
-            </a:r>
-            <a:r>
-              <a:rPr lang="ru-RU" sz="2000" dirty="0" err="1" smtClean="0"/>
-              <a:t>виразі</a:t>
-            </a:r>
-            <a:r>
-              <a:rPr lang="ru-RU" sz="2000" dirty="0" smtClean="0"/>
-              <a:t> :</a:t>
-            </a:r>
-            <a:r>
-              <a:rPr lang="en-US" sz="2000" dirty="0" smtClean="0"/>
-              <a:t> </a:t>
-            </a:r>
-            <a:r>
-              <a:rPr lang="en-US" sz="2000" i="1" dirty="0" smtClean="0">
-                <a:latin typeface="+mj-lt"/>
-              </a:rPr>
-              <a:t>t=</a:t>
-            </a:r>
-            <a:r>
-              <a:rPr lang="en-US" sz="2000" i="1" dirty="0" err="1" smtClean="0">
-                <a:latin typeface="+mj-lt"/>
-              </a:rPr>
-              <a:t>u+iv</a:t>
-            </a:r>
-            <a:endParaRPr lang="ru-RU" sz="2000" i="1" dirty="0">
-              <a:latin typeface="+mj-lt"/>
-            </a:endParaRPr>
-          </a:p>
-          <a:p>
-            <a:pPr marL="0" indent="0">
-              <a:buNone/>
-            </a:pPr>
-            <a:endParaRPr lang="ru-RU" sz="2000" i="1" dirty="0" smtClean="0">
-              <a:latin typeface="+mj-lt"/>
-            </a:endParaRPr>
-          </a:p>
-          <a:p>
-            <a:pPr marL="0" indent="0">
-              <a:buNone/>
-            </a:pPr>
-            <a:endParaRPr lang="ru-RU" sz="2000" i="1" dirty="0">
-              <a:latin typeface="+mj-lt"/>
-            </a:endParaRPr>
-          </a:p>
-          <a:p>
-            <a:pPr marL="0" indent="0">
-              <a:buNone/>
-            </a:pPr>
-            <a:endParaRPr lang="ru-RU" sz="2000" i="1" dirty="0" smtClean="0">
-              <a:latin typeface="+mj-lt"/>
-            </a:endParaRPr>
-          </a:p>
-          <a:p>
-            <a:pPr marL="0" indent="0">
-              <a:buNone/>
-            </a:pPr>
-            <a:endParaRPr lang="ru-RU" sz="2000" i="1" dirty="0">
-              <a:latin typeface="+mj-lt"/>
-            </a:endParaRPr>
-          </a:p>
-          <a:p>
-            <a:pPr marL="0" indent="0">
-              <a:buNone/>
-            </a:pPr>
-            <a:endParaRPr lang="ru-RU" sz="2000" i="1" dirty="0" smtClean="0">
-              <a:latin typeface="+mj-lt"/>
-            </a:endParaRPr>
-          </a:p>
-          <a:p>
-            <a:pPr marL="0" indent="0">
-              <a:buNone/>
-            </a:pPr>
-            <a:endParaRPr lang="ru-RU" sz="2000" i="1" dirty="0">
-              <a:latin typeface="+mj-lt"/>
-            </a:endParaRPr>
-          </a:p>
-          <a:p>
-            <a:pPr marL="0" indent="0">
-              <a:buNone/>
-            </a:pPr>
-            <a:endParaRPr lang="en-US" sz="2000" dirty="0" smtClean="0"/>
-          </a:p>
-          <a:p>
-            <a:pPr marL="0" indent="0">
-              <a:buNone/>
-            </a:pPr>
-            <a:r>
-              <a:rPr lang="ru-RU" sz="2000" dirty="0" smtClean="0"/>
-              <a:t>У результат</a:t>
-            </a:r>
-            <a:r>
-              <a:rPr lang="uk-UA" sz="2000" dirty="0" smtClean="0"/>
-              <a:t>і виділення дійсної та уявної частини ми отримаємо дві сітки</a:t>
-            </a:r>
-            <a:endParaRPr lang="ru-RU" sz="2000" dirty="0" smtClean="0"/>
-          </a:p>
-          <a:p>
-            <a:pPr marL="0" indent="0">
-              <a:buNone/>
-            </a:pPr>
-            <a:endParaRPr lang="ru-RU" sz="2000" i="1" dirty="0">
-              <a:latin typeface="+mj-lt"/>
-            </a:endParaRPr>
-          </a:p>
-        </p:txBody>
-      </p:sp>
-      <p:graphicFrame>
-        <p:nvGraphicFramePr>
-          <p:cNvPr id="8" name="Object 5"/>
-          <p:cNvGraphicFramePr>
-            <a:graphicFrameLocks noChangeAspect="1"/>
-          </p:cNvGraphicFramePr>
-          <p:nvPr>
-            <p:extLst>
-              <p:ext uri="{D42A27DB-BD31-4B8C-83A1-F6EECF244321}">
-                <p14:modId xmlns:p14="http://schemas.microsoft.com/office/powerpoint/2010/main" val="2039660074"/>
-              </p:ext>
-            </p:extLst>
-          </p:nvPr>
-        </p:nvGraphicFramePr>
-        <p:xfrm>
-          <a:off x="766762" y="3056603"/>
-          <a:ext cx="7743825" cy="1028700"/>
-        </p:xfrm>
-        <a:graphic>
-          <a:graphicData uri="http://schemas.openxmlformats.org/presentationml/2006/ole">
-            <mc:AlternateContent xmlns:mc="http://schemas.openxmlformats.org/markup-compatibility/2006">
-              <mc:Choice xmlns:v="urn:schemas-microsoft-com:vml" Requires="v">
-                <p:oleObj spid="_x0000_s6161" name="Формула" r:id="rId3" imgW="5422680" imgH="660240" progId="Equation.3">
-                  <p:embed/>
-                </p:oleObj>
-              </mc:Choice>
-              <mc:Fallback>
-                <p:oleObj name="Формула" r:id="rId3" imgW="5422680" imgH="660240" progId="Equation.3">
-                  <p:embed/>
-                  <p:pic>
-                    <p:nvPicPr>
-                      <p:cNvPr id="0" name=""/>
-                      <p:cNvPicPr>
-                        <a:picLocks noChangeAspect="1" noChangeArrowheads="1"/>
-                      </p:cNvPicPr>
-                      <p:nvPr/>
-                    </p:nvPicPr>
-                    <p:blipFill>
-                      <a:blip r:embed="rId4">
-                        <a:extLst>
-                          <a:ext uri="{28A0092B-C50C-407E-A947-70E740481C1C}">
-                            <a14:useLocalDpi xmlns:a14="http://schemas.microsoft.com/office/drawing/2010/main" val="0"/>
-                          </a:ext>
-                        </a:extLst>
-                      </a:blip>
-                      <a:srcRect/>
-                      <a:stretch>
-                        <a:fillRect/>
-                      </a:stretch>
-                    </p:blipFill>
-                    <p:spPr bwMode="auto">
-                      <a:xfrm>
-                        <a:off x="766762" y="3056603"/>
-                        <a:ext cx="7743825" cy="1028700"/>
-                      </a:xfrm>
-                      <a:prstGeom prst="rect">
-                        <a:avLst/>
-                      </a:prstGeom>
-                      <a:noFill/>
-                      <a:extLst>
-                        <a:ext uri="{909E8E84-426E-40DD-AFC4-6F175D3DCCD1}">
-                          <a14:hiddenFill xmlns:a14="http://schemas.microsoft.com/office/drawing/2010/main">
-                            <a:solidFill>
-                              <a:srgbClr val="FFFFFF"/>
-                            </a:solidFill>
-                          </a14:hiddenFill>
-                        </a:ext>
-                      </a:extLst>
-                    </p:spPr>
-                  </p:pic>
-                </p:oleObj>
-              </mc:Fallback>
-            </mc:AlternateContent>
-          </a:graphicData>
-        </a:graphic>
-      </p:graphicFrame>
-      <p:graphicFrame>
-        <p:nvGraphicFramePr>
-          <p:cNvPr id="9" name="Object 4"/>
-          <p:cNvGraphicFramePr>
-            <a:graphicFrameLocks noChangeAspect="1"/>
-          </p:cNvGraphicFramePr>
-          <p:nvPr>
-            <p:extLst>
-              <p:ext uri="{D42A27DB-BD31-4B8C-83A1-F6EECF244321}">
-                <p14:modId xmlns:p14="http://schemas.microsoft.com/office/powerpoint/2010/main" val="862709374"/>
-              </p:ext>
-            </p:extLst>
-          </p:nvPr>
-        </p:nvGraphicFramePr>
-        <p:xfrm>
-          <a:off x="766762" y="4116389"/>
-          <a:ext cx="7791450" cy="1379537"/>
-        </p:xfrm>
-        <a:graphic>
-          <a:graphicData uri="http://schemas.openxmlformats.org/presentationml/2006/ole">
-            <mc:AlternateContent xmlns:mc="http://schemas.openxmlformats.org/markup-compatibility/2006">
-              <mc:Choice xmlns:v="urn:schemas-microsoft-com:vml" Requires="v">
-                <p:oleObj spid="_x0000_s6162" name="Формула" r:id="rId5" imgW="5181480" imgH="927000" progId="Equation.3">
-                  <p:embed/>
-                </p:oleObj>
-              </mc:Choice>
-              <mc:Fallback>
-                <p:oleObj name="Формула" r:id="rId5" imgW="5181480" imgH="927000" progId="Equation.3">
-                  <p:embed/>
-                  <p:pic>
-                    <p:nvPicPr>
-                      <p:cNvPr id="0" name=""/>
-                      <p:cNvPicPr>
-                        <a:picLocks noChangeAspect="1" noChangeArrowheads="1"/>
-                      </p:cNvPicPr>
-                      <p:nvPr/>
-                    </p:nvPicPr>
-                    <p:blipFill>
-                      <a:blip r:embed="rId6">
-                        <a:extLst>
-                          <a:ext uri="{28A0092B-C50C-407E-A947-70E740481C1C}">
-                            <a14:useLocalDpi xmlns:a14="http://schemas.microsoft.com/office/drawing/2010/main" val="0"/>
-                          </a:ext>
-                        </a:extLst>
-                      </a:blip>
-                      <a:srcRect/>
-                      <a:stretch>
-                        <a:fillRect/>
-                      </a:stretch>
-                    </p:blipFill>
-                    <p:spPr bwMode="auto">
-                      <a:xfrm>
-                        <a:off x="766762" y="4116389"/>
-                        <a:ext cx="7791450" cy="1379537"/>
-                      </a:xfrm>
-                      <a:prstGeom prst="rect">
-                        <a:avLst/>
-                      </a:prstGeom>
-                      <a:noFill/>
-                      <a:extLst>
-                        <a:ext uri="{909E8E84-426E-40DD-AFC4-6F175D3DCCD1}">
-                          <a14:hiddenFill xmlns:a14="http://schemas.microsoft.com/office/drawing/2010/main">
-                            <a:solidFill>
-                              <a:srgbClr val="FFFFFF"/>
-                            </a:solidFill>
-                          </a14:hiddenFill>
-                        </a:ext>
-                      </a:extLst>
-                    </p:spPr>
-                  </p:pic>
-                </p:oleObj>
-              </mc:Fallback>
-            </mc:AlternateContent>
-          </a:graphicData>
-        </a:graphic>
-      </p:graphicFrame>
-    </p:spTree>
-    <p:extLst>
-      <p:ext uri="{BB962C8B-B14F-4D97-AF65-F5344CB8AC3E}">
-        <p14:creationId xmlns:p14="http://schemas.microsoft.com/office/powerpoint/2010/main" val="3379008681"/>
-      </p:ext>
-    </p:extLst>
-  </p:cSld>
-  <p:clrMapOvr>
-    <a:masterClrMapping/>
-  </p:clrMapOvr>
-</p:sld>
-</file>
-
-<file path=ppt/slides/slide8.xml><?xml version="1.0" encoding="utf-8"?>
-<p:sld xmlns:a="http://schemas.openxmlformats.org/drawingml/2006/main" xmlns:r="http://schemas.openxmlformats.org/officeDocument/2006/relationships" xmlns:p="http://schemas.openxmlformats.org/presentationml/2006/main">
-  <p:cSld>
-    <p:spTree>
-      <p:nvGrpSpPr>
-        <p:cNvPr id="1" name=""/>
-        <p:cNvGrpSpPr/>
-        <p:nvPr/>
-      </p:nvGrpSpPr>
-      <p:grpSpPr>
-        <a:xfrm>
-          <a:off x="0" y="0"/>
-          <a:ext cx="0" cy="0"/>
-          <a:chOff x="0" y="0"/>
-          <a:chExt cx="0" cy="0"/>
-        </a:xfrm>
-      </p:grpSpPr>
-      <p:sp>
-        <p:nvSpPr>
-          <p:cNvPr id="2" name="Заголовок 1"/>
-          <p:cNvSpPr>
-            <a:spLocks noGrp="1"/>
-          </p:cNvSpPr>
-          <p:nvPr>
-            <p:ph type="title"/>
-          </p:nvPr>
-        </p:nvSpPr>
-        <p:spPr/>
-        <p:txBody>
-          <a:bodyPr>
-            <a:normAutofit fontScale="90000"/>
-          </a:bodyPr>
-          <a:lstStyle/>
-          <a:p>
-            <a:r>
-              <a:rPr lang="ru-RU" dirty="0" smtClean="0"/>
-              <a:t/>
-            </a:r>
-            <a:br>
-              <a:rPr lang="ru-RU" dirty="0" smtClean="0"/>
-            </a:br>
-            <a:r>
-              <a:rPr lang="ru-RU" dirty="0"/>
-              <a:t>ВИЗНАЧЕННЯ ВНУТРІШНЬОГО ГЕОМЕТРИИ </a:t>
-            </a:r>
-            <a:r>
-              <a:rPr lang="ru-RU" dirty="0" smtClean="0"/>
-              <a:t>ПОБУДОВИ</a:t>
-            </a:r>
-            <a:endParaRPr lang="ru-RU" dirty="0"/>
-          </a:p>
-        </p:txBody>
-      </p:sp>
-      <p:sp>
-        <p:nvSpPr>
-          <p:cNvPr id="3" name="Объект 2"/>
-          <p:cNvSpPr>
-            <a:spLocks noGrp="1"/>
-          </p:cNvSpPr>
-          <p:nvPr>
-            <p:ph idx="1"/>
-          </p:nvPr>
-        </p:nvSpPr>
-        <p:spPr/>
-        <p:txBody>
-          <a:bodyPr>
-            <a:normAutofit/>
-          </a:bodyPr>
-          <a:lstStyle/>
-          <a:p>
-            <a:pPr marL="0" indent="0">
-              <a:buNone/>
-            </a:pPr>
-            <a:r>
-              <a:rPr lang="ru-RU" sz="2000" dirty="0" err="1" smtClean="0"/>
-              <a:t>Після</a:t>
-            </a:r>
-            <a:r>
-              <a:rPr lang="ru-RU" sz="2000" dirty="0" smtClean="0"/>
-              <a:t> </a:t>
-            </a:r>
-            <a:r>
-              <a:rPr lang="ru-RU" sz="2000" dirty="0" err="1" smtClean="0"/>
-              <a:t>виділення</a:t>
-            </a:r>
-            <a:r>
-              <a:rPr lang="ru-RU" sz="2000" dirty="0" smtClean="0"/>
-              <a:t> </a:t>
-            </a:r>
-            <a:r>
-              <a:rPr lang="ru-RU" sz="2000" dirty="0" err="1" smtClean="0"/>
-              <a:t>дійсної</a:t>
-            </a:r>
-            <a:r>
-              <a:rPr lang="ru-RU" sz="2000" dirty="0" smtClean="0"/>
-              <a:t> </a:t>
-            </a:r>
-            <a:r>
-              <a:rPr lang="ru-RU" sz="2000" dirty="0" err="1" smtClean="0"/>
-              <a:t>частини</a:t>
-            </a:r>
-            <a:r>
-              <a:rPr lang="ru-RU" sz="2000" dirty="0" smtClean="0"/>
-              <a:t> </a:t>
-            </a:r>
-            <a:r>
-              <a:rPr lang="ru-RU" sz="2000" dirty="0" err="1" smtClean="0"/>
-              <a:t>проаналізуємо</a:t>
-            </a:r>
-            <a:r>
-              <a:rPr lang="ru-RU" sz="2000" dirty="0" smtClean="0"/>
-              <a:t> </a:t>
-            </a:r>
-            <a:r>
-              <a:rPr lang="ru-RU" sz="2000" dirty="0" err="1" smtClean="0"/>
-              <a:t>коефіцієнти</a:t>
-            </a:r>
-            <a:endParaRPr lang="ru-RU" sz="2000" dirty="0" smtClean="0"/>
-          </a:p>
-          <a:p>
-            <a:pPr marL="0" indent="0">
-              <a:buNone/>
-            </a:pPr>
-            <a:r>
-              <a:rPr lang="ru-RU" sz="2000" dirty="0" smtClean="0"/>
-              <a:t>для </a:t>
-            </a:r>
-            <a:r>
-              <a:rPr lang="ru-RU" sz="2000" dirty="0" err="1" smtClean="0"/>
-              <a:t>першої</a:t>
-            </a:r>
-            <a:r>
-              <a:rPr lang="ru-RU" sz="2000" dirty="0" smtClean="0"/>
-              <a:t> </a:t>
-            </a:r>
-            <a:r>
-              <a:rPr lang="ru-RU" sz="2000" dirty="0" err="1" smtClean="0"/>
-              <a:t>квадратичної</a:t>
-            </a:r>
-            <a:r>
-              <a:rPr lang="ru-RU" sz="2000" dirty="0" smtClean="0"/>
-              <a:t> </a:t>
-            </a:r>
-            <a:r>
-              <a:rPr lang="ru-RU" sz="2000" dirty="0" err="1" smtClean="0"/>
-              <a:t>форми</a:t>
-            </a:r>
-            <a:r>
-              <a:rPr lang="ru-RU" sz="2000" dirty="0" smtClean="0"/>
-              <a:t>.</a:t>
-            </a:r>
-          </a:p>
-          <a:p>
-            <a:pPr marL="0" indent="0">
-              <a:buNone/>
-            </a:pPr>
-            <a:endParaRPr lang="uk-UA" sz="2000" dirty="0"/>
-          </a:p>
-          <a:p>
-            <a:pPr marL="0" indent="0">
-              <a:buNone/>
-            </a:pPr>
-            <a:endParaRPr lang="uk-UA" sz="2000" dirty="0" smtClean="0"/>
-          </a:p>
-          <a:p>
-            <a:pPr marL="0" indent="0">
-              <a:buNone/>
-            </a:pPr>
-            <a:endParaRPr lang="uk-UA" sz="2000" dirty="0"/>
-          </a:p>
-          <a:p>
-            <a:pPr marL="0" indent="0">
-              <a:buNone/>
-            </a:pPr>
-            <a:r>
-              <a:rPr lang="ru-RU" sz="2000" dirty="0" smtClean="0"/>
-              <a:t/>
-            </a:r>
-            <a:br>
-              <a:rPr lang="ru-RU" sz="2000" dirty="0" smtClean="0"/>
-            </a:br>
-            <a:r>
-              <a:rPr lang="ru-RU" sz="2000" dirty="0"/>
-              <a:t>З </a:t>
-            </a:r>
-            <a:r>
-              <a:rPr lang="ru-RU" sz="2000" dirty="0" err="1"/>
-              <a:t>рівняння</a:t>
-            </a:r>
-            <a:r>
-              <a:rPr lang="ru-RU" sz="2000" dirty="0"/>
-              <a:t> видно, </a:t>
-            </a:r>
-            <a:r>
-              <a:rPr lang="ru-RU" sz="2000" dirty="0" err="1" smtClean="0"/>
-              <a:t>що</a:t>
-            </a:r>
-            <a:r>
-              <a:rPr lang="ru-RU" sz="2000" dirty="0" smtClean="0"/>
-              <a:t>                  а</a:t>
-            </a:r>
-            <a:endParaRPr lang="ru-RU" sz="2000" dirty="0"/>
-          </a:p>
-        </p:txBody>
-      </p:sp>
-      <p:graphicFrame>
-        <p:nvGraphicFramePr>
-          <p:cNvPr id="5" name="Object 6"/>
-          <p:cNvGraphicFramePr>
-            <a:graphicFrameLocks noChangeAspect="1"/>
-          </p:cNvGraphicFramePr>
-          <p:nvPr>
-            <p:extLst>
-              <p:ext uri="{D42A27DB-BD31-4B8C-83A1-F6EECF244321}">
-                <p14:modId xmlns:p14="http://schemas.microsoft.com/office/powerpoint/2010/main" val="3203695707"/>
-              </p:ext>
-            </p:extLst>
-          </p:nvPr>
-        </p:nvGraphicFramePr>
-        <p:xfrm>
-          <a:off x="798956" y="3189665"/>
-          <a:ext cx="6985000" cy="385763"/>
-        </p:xfrm>
-        <a:graphic>
-          <a:graphicData uri="http://schemas.openxmlformats.org/presentationml/2006/ole">
-            <mc:AlternateContent xmlns:mc="http://schemas.openxmlformats.org/markup-compatibility/2006">
-              <mc:Choice xmlns:v="urn:schemas-microsoft-com:vml" Requires="v">
-                <p:oleObj spid="_x0000_s7200" name="Microsoft Equation 3.0" r:id="rId3" imgW="4660900" imgH="228600" progId="Equation.3">
-                  <p:embed/>
-                </p:oleObj>
-              </mc:Choice>
-              <mc:Fallback>
-                <p:oleObj name="Microsoft Equation 3.0" r:id="rId3" imgW="4660900" imgH="228600" progId="Equation.3">
-                  <p:embed/>
-                  <p:pic>
-                    <p:nvPicPr>
-                      <p:cNvPr id="0" name=""/>
-                      <p:cNvPicPr>
-                        <a:picLocks noChangeAspect="1" noChangeArrowheads="1"/>
-                      </p:cNvPicPr>
-                      <p:nvPr/>
-                    </p:nvPicPr>
-                    <p:blipFill>
-                      <a:blip r:embed="rId4">
-                        <a:extLst>
-                          <a:ext uri="{28A0092B-C50C-407E-A947-70E740481C1C}">
-                            <a14:useLocalDpi xmlns:a14="http://schemas.microsoft.com/office/drawing/2010/main" val="0"/>
-                          </a:ext>
-                        </a:extLst>
-                      </a:blip>
-                      <a:srcRect/>
-                      <a:stretch>
-                        <a:fillRect/>
-                      </a:stretch>
-                    </p:blipFill>
-                    <p:spPr bwMode="auto">
-                      <a:xfrm>
-                        <a:off x="798956" y="3189665"/>
-                        <a:ext cx="6985000" cy="385763"/>
-                      </a:xfrm>
-                      <a:prstGeom prst="rect">
-                        <a:avLst/>
-                      </a:prstGeom>
-                      <a:noFill/>
-                      <a:extLst>
-                        <a:ext uri="{909E8E84-426E-40DD-AFC4-6F175D3DCCD1}">
-                          <a14:hiddenFill xmlns:a14="http://schemas.microsoft.com/office/drawing/2010/main">
-                            <a:solidFill>
-                              <a:srgbClr val="FFFFFF"/>
-                            </a:solidFill>
-                          </a14:hiddenFill>
-                        </a:ext>
-                      </a:extLst>
-                    </p:spPr>
-                  </p:pic>
-                </p:oleObj>
-              </mc:Fallback>
-            </mc:AlternateContent>
-          </a:graphicData>
-        </a:graphic>
-      </p:graphicFrame>
-      <p:graphicFrame>
-        <p:nvGraphicFramePr>
-          <p:cNvPr id="6" name="Object 5"/>
-          <p:cNvGraphicFramePr>
-            <a:graphicFrameLocks noChangeAspect="1"/>
-          </p:cNvGraphicFramePr>
-          <p:nvPr>
-            <p:extLst>
-              <p:ext uri="{D42A27DB-BD31-4B8C-83A1-F6EECF244321}">
-                <p14:modId xmlns:p14="http://schemas.microsoft.com/office/powerpoint/2010/main" val="3916546179"/>
-              </p:ext>
-            </p:extLst>
-          </p:nvPr>
-        </p:nvGraphicFramePr>
-        <p:xfrm>
-          <a:off x="798956" y="3715188"/>
-          <a:ext cx="4176712" cy="412750"/>
-        </p:xfrm>
-        <a:graphic>
-          <a:graphicData uri="http://schemas.openxmlformats.org/presentationml/2006/ole">
-            <mc:AlternateContent xmlns:mc="http://schemas.openxmlformats.org/markup-compatibility/2006">
-              <mc:Choice xmlns:v="urn:schemas-microsoft-com:vml" Requires="v">
-                <p:oleObj spid="_x0000_s7201" name="Microsoft Equation 3.0" r:id="rId5" imgW="2933700" imgH="266700" progId="Equation.3">
-                  <p:embed/>
-                </p:oleObj>
-              </mc:Choice>
-              <mc:Fallback>
-                <p:oleObj name="Microsoft Equation 3.0" r:id="rId5" imgW="2933700" imgH="266700" progId="Equation.3">
-                  <p:embed/>
-                  <p:pic>
-                    <p:nvPicPr>
-                      <p:cNvPr id="0" name=""/>
-                      <p:cNvPicPr>
-                        <a:picLocks noChangeAspect="1" noChangeArrowheads="1"/>
-                      </p:cNvPicPr>
-                      <p:nvPr/>
-                    </p:nvPicPr>
-                    <p:blipFill>
-                      <a:blip r:embed="rId6">
-                        <a:extLst>
-                          <a:ext uri="{28A0092B-C50C-407E-A947-70E740481C1C}">
-                            <a14:useLocalDpi xmlns:a14="http://schemas.microsoft.com/office/drawing/2010/main" val="0"/>
-                          </a:ext>
-                        </a:extLst>
-                      </a:blip>
-                      <a:srcRect/>
-                      <a:stretch>
-                        <a:fillRect/>
-                      </a:stretch>
-                    </p:blipFill>
-                    <p:spPr bwMode="auto">
-                      <a:xfrm>
-                        <a:off x="798956" y="3715188"/>
-                        <a:ext cx="4176712" cy="412750"/>
-                      </a:xfrm>
-                      <a:prstGeom prst="rect">
-                        <a:avLst/>
-                      </a:prstGeom>
-                      <a:noFill/>
-                      <a:extLst>
-                        <a:ext uri="{909E8E84-426E-40DD-AFC4-6F175D3DCCD1}">
-                          <a14:hiddenFill xmlns:a14="http://schemas.microsoft.com/office/drawing/2010/main">
-                            <a:solidFill>
-                              <a:srgbClr val="FFFFFF"/>
-                            </a:solidFill>
-                          </a14:hiddenFill>
-                        </a:ext>
-                      </a:extLst>
-                    </p:spPr>
-                  </p:pic>
-                </p:oleObj>
-              </mc:Fallback>
-            </mc:AlternateContent>
-          </a:graphicData>
-        </a:graphic>
-      </p:graphicFrame>
-      <p:graphicFrame>
-        <p:nvGraphicFramePr>
-          <p:cNvPr id="7" name="Object 4"/>
-          <p:cNvGraphicFramePr>
-            <a:graphicFrameLocks noChangeAspect="1"/>
-          </p:cNvGraphicFramePr>
-          <p:nvPr>
-            <p:extLst>
-              <p:ext uri="{D42A27DB-BD31-4B8C-83A1-F6EECF244321}">
-                <p14:modId xmlns:p14="http://schemas.microsoft.com/office/powerpoint/2010/main" val="3963029526"/>
-              </p:ext>
-            </p:extLst>
-          </p:nvPr>
-        </p:nvGraphicFramePr>
-        <p:xfrm>
-          <a:off x="838200" y="4175657"/>
-          <a:ext cx="4392612" cy="414337"/>
-        </p:xfrm>
-        <a:graphic>
-          <a:graphicData uri="http://schemas.openxmlformats.org/presentationml/2006/ole">
-            <mc:AlternateContent xmlns:mc="http://schemas.openxmlformats.org/markup-compatibility/2006">
-              <mc:Choice xmlns:v="urn:schemas-microsoft-com:vml" Requires="v">
-                <p:oleObj spid="_x0000_s7202" name="Microsoft Equation 3.0" r:id="rId7" imgW="2959100" imgH="266700" progId="Equation.3">
-                  <p:embed/>
-                </p:oleObj>
-              </mc:Choice>
-              <mc:Fallback>
-                <p:oleObj name="Microsoft Equation 3.0" r:id="rId7" imgW="2959100" imgH="266700" progId="Equation.3">
-                  <p:embed/>
-                  <p:pic>
-                    <p:nvPicPr>
-                      <p:cNvPr id="0" name=""/>
-                      <p:cNvPicPr>
-                        <a:picLocks noChangeAspect="1" noChangeArrowheads="1"/>
-                      </p:cNvPicPr>
-                      <p:nvPr/>
-                    </p:nvPicPr>
-                    <p:blipFill>
-                      <a:blip r:embed="rId8">
-                        <a:extLst>
-                          <a:ext uri="{28A0092B-C50C-407E-A947-70E740481C1C}">
-                            <a14:useLocalDpi xmlns:a14="http://schemas.microsoft.com/office/drawing/2010/main" val="0"/>
-                          </a:ext>
-                        </a:extLst>
-                      </a:blip>
-                      <a:srcRect/>
-                      <a:stretch>
-                        <a:fillRect/>
-                      </a:stretch>
-                    </p:blipFill>
-                    <p:spPr bwMode="auto">
-                      <a:xfrm>
-                        <a:off x="838200" y="4175657"/>
-                        <a:ext cx="4392612" cy="414337"/>
-                      </a:xfrm>
-                      <a:prstGeom prst="rect">
-                        <a:avLst/>
-                      </a:prstGeom>
-                      <a:noFill/>
-                      <a:extLst>
-                        <a:ext uri="{909E8E84-426E-40DD-AFC4-6F175D3DCCD1}">
-                          <a14:hiddenFill xmlns:a14="http://schemas.microsoft.com/office/drawing/2010/main">
-                            <a:solidFill>
-                              <a:srgbClr val="FFFFFF"/>
-                            </a:solidFill>
-                          </a14:hiddenFill>
-                        </a:ext>
-                      </a:extLst>
-                    </p:spPr>
-                  </p:pic>
-                </p:oleObj>
-              </mc:Fallback>
-            </mc:AlternateContent>
-          </a:graphicData>
-        </a:graphic>
-      </p:graphicFrame>
-      <p:graphicFrame>
-        <p:nvGraphicFramePr>
-          <p:cNvPr id="8" name="Object 24"/>
-          <p:cNvGraphicFramePr>
-            <a:graphicFrameLocks noChangeAspect="1"/>
-          </p:cNvGraphicFramePr>
-          <p:nvPr>
-            <p:extLst>
-              <p:ext uri="{D42A27DB-BD31-4B8C-83A1-F6EECF244321}">
-                <p14:modId xmlns:p14="http://schemas.microsoft.com/office/powerpoint/2010/main" val="4145466855"/>
-              </p:ext>
-            </p:extLst>
-          </p:nvPr>
-        </p:nvGraphicFramePr>
-        <p:xfrm>
-          <a:off x="3664528" y="4688658"/>
-          <a:ext cx="801688" cy="366712"/>
-        </p:xfrm>
-        <a:graphic>
-          <a:graphicData uri="http://schemas.openxmlformats.org/presentationml/2006/ole">
-            <mc:AlternateContent xmlns:mc="http://schemas.openxmlformats.org/markup-compatibility/2006">
-              <mc:Choice xmlns:v="urn:schemas-microsoft-com:vml" Requires="v">
-                <p:oleObj spid="_x0000_s7203" name="Microsoft Equation 3.0" r:id="rId9" imgW="508000" imgH="228600" progId="Equation.3">
-                  <p:embed/>
-                </p:oleObj>
-              </mc:Choice>
-              <mc:Fallback>
-                <p:oleObj name="Microsoft Equation 3.0" r:id="rId9" imgW="508000" imgH="228600" progId="Equation.3">
-                  <p:embed/>
-                  <p:pic>
-                    <p:nvPicPr>
-                      <p:cNvPr id="0" name=""/>
-                      <p:cNvPicPr>
-                        <a:picLocks noChangeAspect="1" noChangeArrowheads="1"/>
-                      </p:cNvPicPr>
-                      <p:nvPr/>
-                    </p:nvPicPr>
-                    <p:blipFill>
-                      <a:blip r:embed="rId10">
-                        <a:extLst>
-                          <a:ext uri="{28A0092B-C50C-407E-A947-70E740481C1C}">
-                            <a14:useLocalDpi xmlns:a14="http://schemas.microsoft.com/office/drawing/2010/main" val="0"/>
-                          </a:ext>
-                        </a:extLst>
-                      </a:blip>
-                      <a:srcRect/>
-                      <a:stretch>
-                        <a:fillRect/>
-                      </a:stretch>
-                    </p:blipFill>
-                    <p:spPr bwMode="auto">
-                      <a:xfrm>
-                        <a:off x="3664528" y="4688658"/>
-                        <a:ext cx="801688" cy="366712"/>
-                      </a:xfrm>
-                      <a:prstGeom prst="rect">
-                        <a:avLst/>
-                      </a:prstGeom>
-                      <a:noFill/>
-                      <a:extLst>
-                        <a:ext uri="{909E8E84-426E-40DD-AFC4-6F175D3DCCD1}">
-                          <a14:hiddenFill xmlns:a14="http://schemas.microsoft.com/office/drawing/2010/main">
-                            <a:solidFill>
-                              <a:srgbClr val="FFFFFF"/>
-                            </a:solidFill>
-                          </a14:hiddenFill>
-                        </a:ext>
-                      </a:extLst>
-                    </p:spPr>
-                  </p:pic>
-                </p:oleObj>
-              </mc:Fallback>
-            </mc:AlternateContent>
-          </a:graphicData>
-        </a:graphic>
-      </p:graphicFrame>
-      <p:graphicFrame>
-        <p:nvGraphicFramePr>
-          <p:cNvPr id="9" name="Object 23"/>
-          <p:cNvGraphicFramePr>
-            <a:graphicFrameLocks noChangeAspect="1"/>
-          </p:cNvGraphicFramePr>
-          <p:nvPr>
-            <p:extLst>
-              <p:ext uri="{D42A27DB-BD31-4B8C-83A1-F6EECF244321}">
-                <p14:modId xmlns:p14="http://schemas.microsoft.com/office/powerpoint/2010/main" val="3749985663"/>
-              </p:ext>
-            </p:extLst>
-          </p:nvPr>
-        </p:nvGraphicFramePr>
-        <p:xfrm>
-          <a:off x="5014912" y="4670161"/>
-          <a:ext cx="649288" cy="371475"/>
-        </p:xfrm>
-        <a:graphic>
-          <a:graphicData uri="http://schemas.openxmlformats.org/presentationml/2006/ole">
-            <mc:AlternateContent xmlns:mc="http://schemas.openxmlformats.org/markup-compatibility/2006">
-              <mc:Choice xmlns:v="urn:schemas-microsoft-com:vml" Requires="v">
-                <p:oleObj spid="_x0000_s7204" name="Microsoft Equation 3.0" r:id="rId11" imgW="406224" imgH="228501" progId="Equation.3">
-                  <p:embed/>
-                </p:oleObj>
-              </mc:Choice>
-              <mc:Fallback>
-                <p:oleObj name="Microsoft Equation 3.0" r:id="rId11" imgW="406224" imgH="228501" progId="Equation.3">
-                  <p:embed/>
-                  <p:pic>
-                    <p:nvPicPr>
-                      <p:cNvPr id="0" name=""/>
-                      <p:cNvPicPr>
-                        <a:picLocks noChangeAspect="1" noChangeArrowheads="1"/>
-                      </p:cNvPicPr>
-                      <p:nvPr/>
-                    </p:nvPicPr>
-                    <p:blipFill>
-                      <a:blip r:embed="rId12">
-                        <a:extLst>
-                          <a:ext uri="{28A0092B-C50C-407E-A947-70E740481C1C}">
-                            <a14:useLocalDpi xmlns:a14="http://schemas.microsoft.com/office/drawing/2010/main" val="0"/>
-                          </a:ext>
-                        </a:extLst>
-                      </a:blip>
-                      <a:srcRect/>
-                      <a:stretch>
-                        <a:fillRect/>
-                      </a:stretch>
-                    </p:blipFill>
-                    <p:spPr bwMode="auto">
-                      <a:xfrm>
-                        <a:off x="5014912" y="4670161"/>
-                        <a:ext cx="649288" cy="371475"/>
-                      </a:xfrm>
-                      <a:prstGeom prst="rect">
-                        <a:avLst/>
-                      </a:prstGeom>
-                      <a:noFill/>
-                      <a:extLst>
-                        <a:ext uri="{909E8E84-426E-40DD-AFC4-6F175D3DCCD1}">
-                          <a14:hiddenFill xmlns:a14="http://schemas.microsoft.com/office/drawing/2010/main">
-                            <a:solidFill>
-                              <a:srgbClr val="FFFFFF"/>
-                            </a:solidFill>
-                          </a14:hiddenFill>
-                        </a:ext>
-                      </a:extLst>
-                    </p:spPr>
-                  </p:pic>
-                </p:oleObj>
-              </mc:Fallback>
-            </mc:AlternateContent>
-          </a:graphicData>
-        </a:graphic>
-      </p:graphicFrame>
-    </p:spTree>
-    <p:extLst>
-      <p:ext uri="{BB962C8B-B14F-4D97-AF65-F5344CB8AC3E}">
-        <p14:creationId xmlns:p14="http://schemas.microsoft.com/office/powerpoint/2010/main" val="3323654266"/>
-      </p:ext>
-    </p:extLst>
-  </p:cSld>
-  <p:clrMapOvr>
-    <a:masterClrMapping/>
-  </p:clrMapOvr>
-</p:sld>
-</file>
-
-<file path=ppt/slides/slide9.xml><?xml version="1.0" encoding="utf-8"?>
 <p:sld xmlns:a="http://schemas.openxmlformats.org/drawingml/2006/main" xmlns:r="http://schemas.openxmlformats.org/officeDocument/2006/relationships" xmlns:p="http://schemas.openxmlformats.org/presentationml/2006/main">
   <p:cSld>
     <p:spTree>
@@ -11073,6 +6935,4279 @@
 </p:sld>
 </file>
 
+<file path=ppt/slides/slide11.xml><?xml version="1.0" encoding="utf-8"?>
+<p:sld xmlns:a="http://schemas.openxmlformats.org/drawingml/2006/main" xmlns:r="http://schemas.openxmlformats.org/officeDocument/2006/relationships" xmlns:p="http://schemas.openxmlformats.org/presentationml/2006/main">
+  <p:cSld>
+    <p:spTree>
+      <p:nvGrpSpPr>
+        <p:cNvPr id="1" name=""/>
+        <p:cNvGrpSpPr/>
+        <p:nvPr/>
+      </p:nvGrpSpPr>
+      <p:grpSpPr>
+        <a:xfrm>
+          <a:off x="0" y="0"/>
+          <a:ext cx="0" cy="0"/>
+          <a:chOff x="0" y="0"/>
+          <a:chExt cx="0" cy="0"/>
+        </a:xfrm>
+      </p:grpSpPr>
+      <p:sp>
+        <p:nvSpPr>
+          <p:cNvPr id="2" name="Заголовок 1"/>
+          <p:cNvSpPr>
+            <a:spLocks noGrp="1"/>
+          </p:cNvSpPr>
+          <p:nvPr>
+            <p:ph type="title"/>
+          </p:nvPr>
+        </p:nvSpPr>
+        <p:spPr/>
+        <p:txBody>
+          <a:bodyPr>
+            <a:normAutofit fontScale="90000"/>
+          </a:bodyPr>
+          <a:lstStyle/>
+          <a:p>
+            <a:r>
+              <a:rPr lang="ru-RU" dirty="0" smtClean="0"/>
+              <a:t>ПРИКЛАД</a:t>
+            </a:r>
+            <a:r>
+              <a:rPr lang="en-US" dirty="0" smtClean="0"/>
+              <a:t> </a:t>
+            </a:r>
+            <a:r>
+              <a:rPr lang="uk-UA" dirty="0" smtClean="0"/>
+              <a:t>ОРТОГОНАЛЬНОЇ ІЗОМЕТРИЧНОЇ</a:t>
+            </a:r>
+            <a:r>
+              <a:rPr lang="ru-RU" dirty="0" smtClean="0"/>
+              <a:t/>
+            </a:r>
+            <a:br>
+              <a:rPr lang="ru-RU" dirty="0" smtClean="0"/>
+            </a:br>
+            <a:r>
+              <a:rPr lang="ru-RU" dirty="0" smtClean="0"/>
+              <a:t>ПЛОСКОЇ СІТКИ</a:t>
+            </a:r>
+            <a:endParaRPr lang="ru-RU" dirty="0"/>
+          </a:p>
+        </p:txBody>
+      </p:sp>
+      <p:pic>
+        <p:nvPicPr>
+          <p:cNvPr id="6" name="Рисунок 5"/>
+          <p:cNvPicPr>
+            <a:picLocks noChangeAspect="1"/>
+          </p:cNvPicPr>
+          <p:nvPr/>
+        </p:nvPicPr>
+        <p:blipFill>
+          <a:blip r:embed="rId2"/>
+          <a:stretch>
+            <a:fillRect/>
+          </a:stretch>
+        </p:blipFill>
+        <p:spPr>
+          <a:xfrm>
+            <a:off x="703119" y="1690688"/>
+            <a:ext cx="4333875" cy="4076700"/>
+          </a:xfrm>
+          <a:prstGeom prst="rect">
+            <a:avLst/>
+          </a:prstGeom>
+        </p:spPr>
+      </p:pic>
+      <p:pic>
+        <p:nvPicPr>
+          <p:cNvPr id="7" name="Рисунок 6"/>
+          <p:cNvPicPr>
+            <a:picLocks noChangeAspect="1"/>
+          </p:cNvPicPr>
+          <p:nvPr/>
+        </p:nvPicPr>
+        <p:blipFill>
+          <a:blip r:embed="rId3"/>
+          <a:stretch>
+            <a:fillRect/>
+          </a:stretch>
+        </p:blipFill>
+        <p:spPr>
+          <a:xfrm>
+            <a:off x="6948449" y="1690688"/>
+            <a:ext cx="4405351" cy="3953309"/>
+          </a:xfrm>
+          <a:prstGeom prst="rect">
+            <a:avLst/>
+          </a:prstGeom>
+        </p:spPr>
+      </p:pic>
+      <p:sp>
+        <p:nvSpPr>
+          <p:cNvPr id="8" name="Прямоугольник 7"/>
+          <p:cNvSpPr/>
+          <p:nvPr/>
+        </p:nvSpPr>
+        <p:spPr>
+          <a:xfrm>
+            <a:off x="1102358" y="5850235"/>
+            <a:ext cx="3698242" cy="923330"/>
+          </a:xfrm>
+          <a:prstGeom prst="rect">
+            <a:avLst/>
+          </a:prstGeom>
+        </p:spPr>
+        <p:txBody>
+          <a:bodyPr wrap="square">
+            <a:spAutoFit/>
+          </a:bodyPr>
+          <a:lstStyle/>
+          <a:p>
+            <a:r>
+              <a:rPr lang="ru-RU" dirty="0" smtClean="0"/>
+              <a:t>Ортогональна </a:t>
+            </a:r>
+            <a:r>
+              <a:rPr lang="ru-RU" dirty="0"/>
+              <a:t>изотермическая плоска </a:t>
+            </a:r>
+            <a:r>
+              <a:rPr lang="ru-RU" dirty="0" err="1"/>
+              <a:t>сітка</a:t>
+            </a:r>
+            <a:r>
+              <a:rPr lang="ru-RU" dirty="0"/>
+              <a:t> на </a:t>
+            </a:r>
+            <a:r>
+              <a:rPr lang="ru-RU" dirty="0" err="1"/>
+              <a:t>основі</a:t>
+            </a:r>
+            <a:r>
+              <a:rPr lang="ru-RU" dirty="0"/>
+              <a:t> </a:t>
+            </a:r>
+            <a:r>
+              <a:rPr lang="ru-RU" dirty="0" err="1"/>
+              <a:t>кривої</a:t>
+            </a:r>
+            <a:r>
+              <a:rPr lang="ru-RU" dirty="0"/>
+              <a:t> В- сплайна (сегмент, де j = 2)</a:t>
+            </a:r>
+          </a:p>
+        </p:txBody>
+      </p:sp>
+      <p:sp>
+        <p:nvSpPr>
+          <p:cNvPr id="9" name="Прямоугольник 8"/>
+          <p:cNvSpPr/>
+          <p:nvPr/>
+        </p:nvSpPr>
+        <p:spPr>
+          <a:xfrm>
+            <a:off x="7555112" y="5767388"/>
+            <a:ext cx="3698242" cy="923330"/>
+          </a:xfrm>
+          <a:prstGeom prst="rect">
+            <a:avLst/>
+          </a:prstGeom>
+        </p:spPr>
+        <p:txBody>
+          <a:bodyPr wrap="square">
+            <a:spAutoFit/>
+          </a:bodyPr>
+          <a:lstStyle/>
+          <a:p>
+            <a:r>
+              <a:rPr lang="ru-RU" dirty="0" smtClean="0"/>
+              <a:t>Ортогональна </a:t>
+            </a:r>
+            <a:r>
+              <a:rPr lang="ru-RU" dirty="0"/>
+              <a:t>изотермическая плоска </a:t>
+            </a:r>
+            <a:r>
+              <a:rPr lang="ru-RU" dirty="0" err="1"/>
+              <a:t>сітка</a:t>
+            </a:r>
+            <a:r>
+              <a:rPr lang="ru-RU" dirty="0"/>
+              <a:t> на </a:t>
+            </a:r>
+            <a:r>
+              <a:rPr lang="ru-RU" dirty="0" err="1"/>
+              <a:t>основі</a:t>
+            </a:r>
+            <a:r>
+              <a:rPr lang="ru-RU" dirty="0"/>
+              <a:t> </a:t>
+            </a:r>
+            <a:r>
+              <a:rPr lang="ru-RU" dirty="0" err="1"/>
+              <a:t>кривої</a:t>
+            </a:r>
+            <a:r>
+              <a:rPr lang="ru-RU" dirty="0"/>
+              <a:t> В- сплайна (сегмент, де j = </a:t>
+            </a:r>
+            <a:r>
+              <a:rPr lang="en-US" dirty="0" smtClean="0"/>
+              <a:t>3</a:t>
+            </a:r>
+            <a:r>
+              <a:rPr lang="ru-RU" dirty="0" smtClean="0"/>
+              <a:t>)</a:t>
+            </a:r>
+            <a:endParaRPr lang="ru-RU" dirty="0"/>
+          </a:p>
+        </p:txBody>
+      </p:sp>
+    </p:spTree>
+    <p:extLst>
+      <p:ext uri="{BB962C8B-B14F-4D97-AF65-F5344CB8AC3E}">
+        <p14:creationId xmlns:p14="http://schemas.microsoft.com/office/powerpoint/2010/main" val="163677518"/>
+      </p:ext>
+    </p:extLst>
+  </p:cSld>
+  <p:clrMapOvr>
+    <a:masterClrMapping/>
+  </p:clrMapOvr>
+</p:sld>
+</file>
+
+<file path=ppt/slides/slide12.xml><?xml version="1.0" encoding="utf-8"?>
+<p:sld xmlns:a="http://schemas.openxmlformats.org/drawingml/2006/main" xmlns:r="http://schemas.openxmlformats.org/officeDocument/2006/relationships" xmlns:p="http://schemas.openxmlformats.org/presentationml/2006/main">
+  <p:cSld>
+    <p:spTree>
+      <p:nvGrpSpPr>
+        <p:cNvPr id="1" name=""/>
+        <p:cNvGrpSpPr/>
+        <p:nvPr/>
+      </p:nvGrpSpPr>
+      <p:grpSpPr>
+        <a:xfrm>
+          <a:off x="0" y="0"/>
+          <a:ext cx="0" cy="0"/>
+          <a:chOff x="0" y="0"/>
+          <a:chExt cx="0" cy="0"/>
+        </a:xfrm>
+      </p:grpSpPr>
+      <p:sp>
+        <p:nvSpPr>
+          <p:cNvPr id="2" name="Заголовок 1"/>
+          <p:cNvSpPr>
+            <a:spLocks noGrp="1"/>
+          </p:cNvSpPr>
+          <p:nvPr>
+            <p:ph type="title"/>
+          </p:nvPr>
+        </p:nvSpPr>
+        <p:spPr>
+          <a:xfrm>
+            <a:off x="900545" y="2422525"/>
+            <a:ext cx="10515600" cy="1325563"/>
+          </a:xfrm>
+        </p:spPr>
+        <p:txBody>
+          <a:bodyPr/>
+          <a:lstStyle/>
+          <a:p>
+            <a:pPr algn="ctr"/>
+            <a:r>
+              <a:rPr lang="uk-UA" dirty="0" smtClean="0"/>
+              <a:t>ДЯКУЮ ЗА УВАГУ</a:t>
+            </a:r>
+            <a:endParaRPr lang="ru-RU" dirty="0"/>
+          </a:p>
+        </p:txBody>
+      </p:sp>
+    </p:spTree>
+    <p:extLst>
+      <p:ext uri="{BB962C8B-B14F-4D97-AF65-F5344CB8AC3E}">
+        <p14:creationId xmlns:p14="http://schemas.microsoft.com/office/powerpoint/2010/main" val="2022707455"/>
+      </p:ext>
+    </p:extLst>
+  </p:cSld>
+  <p:clrMapOvr>
+    <a:masterClrMapping/>
+  </p:clrMapOvr>
+</p:sld>
+</file>
+
+<file path=ppt/slides/slide2.xml><?xml version="1.0" encoding="utf-8"?>
+<p:sld xmlns:a="http://schemas.openxmlformats.org/drawingml/2006/main" xmlns:r="http://schemas.openxmlformats.org/officeDocument/2006/relationships" xmlns:p="http://schemas.openxmlformats.org/presentationml/2006/main">
+  <p:cSld>
+    <p:spTree>
+      <p:nvGrpSpPr>
+        <p:cNvPr id="1" name=""/>
+        <p:cNvGrpSpPr/>
+        <p:nvPr/>
+      </p:nvGrpSpPr>
+      <p:grpSpPr>
+        <a:xfrm>
+          <a:off x="0" y="0"/>
+          <a:ext cx="0" cy="0"/>
+          <a:chOff x="0" y="0"/>
+          <a:chExt cx="0" cy="0"/>
+        </a:xfrm>
+      </p:grpSpPr>
+      <p:sp>
+        <p:nvSpPr>
+          <p:cNvPr id="2" name="Заголовок 1"/>
+          <p:cNvSpPr>
+            <a:spLocks noGrp="1"/>
+          </p:cNvSpPr>
+          <p:nvPr>
+            <p:ph type="title"/>
+          </p:nvPr>
+        </p:nvSpPr>
+        <p:spPr/>
+        <p:txBody>
+          <a:bodyPr/>
+          <a:lstStyle/>
+          <a:p>
+            <a:r>
+              <a:rPr lang="uk-UA" dirty="0" smtClean="0"/>
+              <a:t>ПРОГРАМНА РЕАЛІЗАЦІЯ </a:t>
+            </a:r>
+            <a:endParaRPr lang="ru-RU" dirty="0"/>
+          </a:p>
+        </p:txBody>
+      </p:sp>
+      <p:sp>
+        <p:nvSpPr>
+          <p:cNvPr id="3" name="Объект 2"/>
+          <p:cNvSpPr>
+            <a:spLocks noGrp="1"/>
+          </p:cNvSpPr>
+          <p:nvPr>
+            <p:ph idx="1"/>
+          </p:nvPr>
+        </p:nvSpPr>
+        <p:spPr/>
+        <p:txBody>
+          <a:bodyPr/>
+          <a:lstStyle/>
+          <a:p>
+            <a:r>
+              <a:rPr lang="uk-UA" dirty="0"/>
+              <a:t>Для реалізації системи було використано мову програмування </a:t>
+            </a:r>
+            <a:r>
+              <a:rPr lang="en-US" smtClean="0"/>
+              <a:t>EcmaScript6 </a:t>
+            </a:r>
+            <a:r>
+              <a:rPr lang="uk-UA" dirty="0" smtClean="0"/>
+              <a:t>та </a:t>
+            </a:r>
+            <a:r>
+              <a:rPr lang="uk-UA" dirty="0" err="1" smtClean="0"/>
+              <a:t>фреймворк</a:t>
+            </a:r>
+            <a:r>
+              <a:rPr lang="en-US" dirty="0" smtClean="0"/>
+              <a:t> Vue.js 2.0 </a:t>
+            </a:r>
+            <a:r>
+              <a:rPr lang="uk-UA" dirty="0" smtClean="0"/>
+              <a:t>.</a:t>
+            </a:r>
+            <a:endParaRPr lang="uk-UA" dirty="0"/>
+          </a:p>
+          <a:p>
+            <a:r>
+              <a:rPr lang="uk-UA" dirty="0"/>
+              <a:t>Були використані наступні бібліотеки:</a:t>
+            </a:r>
+          </a:p>
+          <a:p>
+            <a:pPr lvl="1"/>
+            <a:r>
+              <a:rPr lang="uk-UA" dirty="0"/>
+              <a:t>для роботи з графіками була використана бібліотека </a:t>
+            </a:r>
+            <a:r>
+              <a:rPr lang="en-US" dirty="0"/>
+              <a:t>Plotly.js</a:t>
+            </a:r>
+            <a:endParaRPr lang="uk-UA" dirty="0"/>
+          </a:p>
+          <a:p>
+            <a:pPr lvl="1"/>
+            <a:r>
+              <a:rPr lang="uk-UA" dirty="0"/>
+              <a:t>для роботи з комплексними числами була використана бібліотека </a:t>
+            </a:r>
+            <a:r>
+              <a:rPr lang="en-US" dirty="0" smtClean="0"/>
+              <a:t>Math.js</a:t>
+            </a:r>
+            <a:endParaRPr lang="uk-UA" dirty="0" smtClean="0"/>
+          </a:p>
+          <a:p>
+            <a:pPr marL="457200" lvl="1" indent="0">
+              <a:buNone/>
+            </a:pPr>
+            <a:endParaRPr lang="uk-UA" dirty="0"/>
+          </a:p>
+          <a:p>
+            <a:r>
+              <a:rPr lang="uk-UA" dirty="0"/>
+              <a:t>Поєднання цих технологій дало змогу </a:t>
+            </a:r>
+            <a:r>
+              <a:rPr lang="uk-UA" dirty="0" smtClean="0"/>
+              <a:t>створити</a:t>
+            </a:r>
+            <a:r>
+              <a:rPr lang="en-US" dirty="0" smtClean="0"/>
+              <a:t> web</a:t>
+            </a:r>
+            <a:r>
+              <a:rPr lang="uk-UA" dirty="0" smtClean="0"/>
+              <a:t>-</a:t>
+            </a:r>
+            <a:r>
+              <a:rPr lang="uk-UA" dirty="0" err="1" smtClean="0"/>
+              <a:t>оріентований</a:t>
+            </a:r>
+            <a:r>
+              <a:rPr lang="uk-UA" dirty="0" smtClean="0"/>
+              <a:t> </a:t>
+            </a:r>
+            <a:r>
+              <a:rPr lang="uk-UA" dirty="0" err="1"/>
+              <a:t>кросплатоформний</a:t>
+            </a:r>
+            <a:r>
+              <a:rPr lang="uk-UA" dirty="0"/>
+              <a:t> </a:t>
+            </a:r>
+            <a:r>
+              <a:rPr lang="uk-UA" dirty="0" smtClean="0"/>
+              <a:t>додаток.</a:t>
+            </a:r>
+            <a:endParaRPr lang="uk-UA" dirty="0"/>
+          </a:p>
+          <a:p>
+            <a:endParaRPr lang="ru-RU" dirty="0"/>
+          </a:p>
+        </p:txBody>
+      </p:sp>
+      <p:pic>
+        <p:nvPicPr>
+          <p:cNvPr id="4" name="Рисунок 3"/>
+          <p:cNvPicPr>
+            <a:picLocks noChangeAspect="1"/>
+          </p:cNvPicPr>
+          <p:nvPr/>
+        </p:nvPicPr>
+        <p:blipFill>
+          <a:blip r:embed="rId2" cstate="print">
+            <a:extLst>
+              <a:ext uri="{28A0092B-C50C-407E-A947-70E740481C1C}">
+                <a14:useLocalDpi xmlns:a14="http://schemas.microsoft.com/office/drawing/2010/main" val="0"/>
+              </a:ext>
+            </a:extLst>
+          </a:blip>
+          <a:stretch>
+            <a:fillRect/>
+          </a:stretch>
+        </p:blipFill>
+        <p:spPr>
+          <a:xfrm>
+            <a:off x="7811654" y="5015841"/>
+            <a:ext cx="1462348" cy="1478477"/>
+          </a:xfrm>
+          <a:prstGeom prst="rect">
+            <a:avLst/>
+          </a:prstGeom>
+        </p:spPr>
+      </p:pic>
+      <p:pic>
+        <p:nvPicPr>
+          <p:cNvPr id="5" name="Рисунок 4"/>
+          <p:cNvPicPr>
+            <a:picLocks noChangeAspect="1"/>
+          </p:cNvPicPr>
+          <p:nvPr/>
+        </p:nvPicPr>
+        <p:blipFill>
+          <a:blip r:embed="rId3" cstate="print">
+            <a:extLst>
+              <a:ext uri="{28A0092B-C50C-407E-A947-70E740481C1C}">
+                <a14:useLocalDpi xmlns:a14="http://schemas.microsoft.com/office/drawing/2010/main" val="0"/>
+              </a:ext>
+            </a:extLst>
+          </a:blip>
+          <a:stretch>
+            <a:fillRect/>
+          </a:stretch>
+        </p:blipFill>
+        <p:spPr>
+          <a:xfrm>
+            <a:off x="928255" y="5164529"/>
+            <a:ext cx="1181100" cy="1181100"/>
+          </a:xfrm>
+          <a:prstGeom prst="rect">
+            <a:avLst/>
+          </a:prstGeom>
+        </p:spPr>
+      </p:pic>
+    </p:spTree>
+    <p:extLst>
+      <p:ext uri="{BB962C8B-B14F-4D97-AF65-F5344CB8AC3E}">
+        <p14:creationId xmlns:p14="http://schemas.microsoft.com/office/powerpoint/2010/main" val="351976023"/>
+      </p:ext>
+    </p:extLst>
+  </p:cSld>
+  <p:clrMapOvr>
+    <a:masterClrMapping/>
+  </p:clrMapOvr>
+</p:sld>
+</file>
+
+<file path=ppt/slides/slide3.xml><?xml version="1.0" encoding="utf-8"?>
+<p:sld xmlns:a="http://schemas.openxmlformats.org/drawingml/2006/main" xmlns:r="http://schemas.openxmlformats.org/officeDocument/2006/relationships" xmlns:p="http://schemas.openxmlformats.org/presentationml/2006/main">
+  <p:cSld>
+    <p:spTree>
+      <p:nvGrpSpPr>
+        <p:cNvPr id="1" name=""/>
+        <p:cNvGrpSpPr/>
+        <p:nvPr/>
+      </p:nvGrpSpPr>
+      <p:grpSpPr>
+        <a:xfrm>
+          <a:off x="0" y="0"/>
+          <a:ext cx="0" cy="0"/>
+          <a:chOff x="0" y="0"/>
+          <a:chExt cx="0" cy="0"/>
+        </a:xfrm>
+      </p:grpSpPr>
+      <p:sp>
+        <p:nvSpPr>
+          <p:cNvPr id="2" name="Заголовок 1"/>
+          <p:cNvSpPr>
+            <a:spLocks noGrp="1"/>
+          </p:cNvSpPr>
+          <p:nvPr>
+            <p:ph type="title"/>
+          </p:nvPr>
+        </p:nvSpPr>
+        <p:spPr/>
+        <p:txBody>
+          <a:bodyPr/>
+          <a:lstStyle/>
+          <a:p>
+            <a:r>
+              <a:rPr lang="uk-UA" dirty="0" smtClean="0"/>
+              <a:t>Класифікація </a:t>
+            </a:r>
+            <a:r>
+              <a:rPr lang="uk-UA" dirty="0" smtClean="0"/>
+              <a:t>В-</a:t>
+            </a:r>
+            <a:r>
+              <a:rPr lang="uk-UA" dirty="0" err="1" smtClean="0"/>
+              <a:t>сплайн</a:t>
+            </a:r>
+            <a:endParaRPr lang="ru-RU" dirty="0"/>
+          </a:p>
+        </p:txBody>
+      </p:sp>
+      <p:sp>
+        <p:nvSpPr>
+          <p:cNvPr id="3" name="Объект 2"/>
+          <p:cNvSpPr>
+            <a:spLocks noGrp="1"/>
+          </p:cNvSpPr>
+          <p:nvPr>
+            <p:ph idx="1"/>
+          </p:nvPr>
+        </p:nvSpPr>
+        <p:spPr>
+          <a:xfrm>
+            <a:off x="606136" y="1472334"/>
+            <a:ext cx="10515600" cy="4351338"/>
+          </a:xfrm>
+        </p:spPr>
+        <p:txBody>
+          <a:bodyPr/>
+          <a:lstStyle/>
+          <a:p>
+            <a:pPr marL="0" indent="0">
+              <a:buNone/>
+            </a:pPr>
+            <a:endParaRPr lang="ru-RU" dirty="0"/>
+          </a:p>
+        </p:txBody>
+      </p:sp>
+      <p:sp>
+        <p:nvSpPr>
+          <p:cNvPr id="7" name="Прямоугольник 6"/>
+          <p:cNvSpPr/>
+          <p:nvPr/>
+        </p:nvSpPr>
+        <p:spPr>
+          <a:xfrm>
+            <a:off x="4630881" y="2541443"/>
+            <a:ext cx="2119746" cy="810491"/>
+          </a:xfrm>
+          <a:prstGeom prst="rect">
+            <a:avLst/>
+          </a:prstGeom>
+        </p:spPr>
+        <p:style>
+          <a:lnRef idx="2">
+            <a:schemeClr val="accent1">
+              <a:shade val="50000"/>
+            </a:schemeClr>
+          </a:lnRef>
+          <a:fillRef idx="1">
+            <a:schemeClr val="accent1"/>
+          </a:fillRef>
+          <a:effectRef idx="0">
+            <a:schemeClr val="accent1"/>
+          </a:effectRef>
+          <a:fontRef idx="minor">
+            <a:schemeClr val="lt1"/>
+          </a:fontRef>
+        </p:style>
+        <p:txBody>
+          <a:bodyPr rtlCol="0" anchor="ctr"/>
+          <a:lstStyle/>
+          <a:p>
+            <a:pPr algn="ctr"/>
+            <a:r>
+              <a:rPr lang="uk-UA" dirty="0" smtClean="0"/>
+              <a:t>В-</a:t>
+            </a:r>
+            <a:r>
+              <a:rPr lang="uk-UA" dirty="0" err="1" smtClean="0"/>
+              <a:t>сплайн</a:t>
+            </a:r>
+            <a:endParaRPr lang="ru-RU" dirty="0"/>
+          </a:p>
+        </p:txBody>
+      </p:sp>
+      <p:sp>
+        <p:nvSpPr>
+          <p:cNvPr id="10" name="Прямоугольник 9"/>
+          <p:cNvSpPr/>
+          <p:nvPr/>
+        </p:nvSpPr>
+        <p:spPr>
+          <a:xfrm>
+            <a:off x="2452255" y="3648652"/>
+            <a:ext cx="2119746" cy="810491"/>
+          </a:xfrm>
+          <a:prstGeom prst="rect">
+            <a:avLst/>
+          </a:prstGeom>
+        </p:spPr>
+        <p:style>
+          <a:lnRef idx="2">
+            <a:schemeClr val="accent1">
+              <a:shade val="50000"/>
+            </a:schemeClr>
+          </a:lnRef>
+          <a:fillRef idx="1">
+            <a:schemeClr val="accent1"/>
+          </a:fillRef>
+          <a:effectRef idx="0">
+            <a:schemeClr val="accent1"/>
+          </a:effectRef>
+          <a:fontRef idx="minor">
+            <a:schemeClr val="lt1"/>
+          </a:fontRef>
+        </p:style>
+        <p:txBody>
+          <a:bodyPr rtlCol="0" anchor="ctr"/>
+          <a:lstStyle/>
+          <a:p>
+            <a:pPr algn="ctr"/>
+            <a:r>
+              <a:rPr lang="uk-UA" dirty="0" smtClean="0"/>
+              <a:t>Періодичні</a:t>
+            </a:r>
+            <a:endParaRPr lang="ru-RU" dirty="0"/>
+          </a:p>
+        </p:txBody>
+      </p:sp>
+      <p:sp>
+        <p:nvSpPr>
+          <p:cNvPr id="11" name="Прямоугольник 10"/>
+          <p:cNvSpPr/>
+          <p:nvPr/>
+        </p:nvSpPr>
+        <p:spPr>
+          <a:xfrm>
+            <a:off x="606136" y="5418426"/>
+            <a:ext cx="2119746" cy="810491"/>
+          </a:xfrm>
+          <a:prstGeom prst="rect">
+            <a:avLst/>
+          </a:prstGeom>
+        </p:spPr>
+        <p:style>
+          <a:lnRef idx="2">
+            <a:schemeClr val="accent1">
+              <a:shade val="50000"/>
+            </a:schemeClr>
+          </a:lnRef>
+          <a:fillRef idx="1">
+            <a:schemeClr val="accent1"/>
+          </a:fillRef>
+          <a:effectRef idx="0">
+            <a:schemeClr val="accent1"/>
+          </a:effectRef>
+          <a:fontRef idx="minor">
+            <a:schemeClr val="lt1"/>
+          </a:fontRef>
+        </p:style>
+        <p:txBody>
+          <a:bodyPr rtlCol="0" anchor="ctr"/>
+          <a:lstStyle/>
+          <a:p>
+            <a:pPr algn="ctr"/>
+            <a:r>
+              <a:rPr lang="uk-UA" dirty="0" err="1" smtClean="0"/>
+              <a:t>Нормолізованні</a:t>
+            </a:r>
+            <a:r>
+              <a:rPr lang="uk-UA" dirty="0" smtClean="0"/>
+              <a:t> на інтервалі</a:t>
+            </a:r>
+            <a:endParaRPr lang="ru-RU" dirty="0"/>
+          </a:p>
+        </p:txBody>
+      </p:sp>
+      <p:sp>
+        <p:nvSpPr>
+          <p:cNvPr id="12" name="Прямоугольник 11"/>
+          <p:cNvSpPr/>
+          <p:nvPr/>
+        </p:nvSpPr>
+        <p:spPr>
+          <a:xfrm>
+            <a:off x="6786995" y="3642374"/>
+            <a:ext cx="2119746" cy="810491"/>
+          </a:xfrm>
+          <a:prstGeom prst="rect">
+            <a:avLst/>
+          </a:prstGeom>
+        </p:spPr>
+        <p:style>
+          <a:lnRef idx="2">
+            <a:schemeClr val="accent1">
+              <a:shade val="50000"/>
+            </a:schemeClr>
+          </a:lnRef>
+          <a:fillRef idx="1">
+            <a:schemeClr val="accent1"/>
+          </a:fillRef>
+          <a:effectRef idx="0">
+            <a:schemeClr val="accent1"/>
+          </a:effectRef>
+          <a:fontRef idx="minor">
+            <a:schemeClr val="lt1"/>
+          </a:fontRef>
+        </p:style>
+        <p:txBody>
+          <a:bodyPr rtlCol="0" anchor="ctr"/>
+          <a:lstStyle/>
+          <a:p>
+            <a:pPr algn="ctr"/>
+            <a:r>
+              <a:rPr lang="uk-UA" dirty="0" smtClean="0"/>
+              <a:t>Відкриті</a:t>
+            </a:r>
+            <a:endParaRPr lang="ru-RU" dirty="0"/>
+          </a:p>
+        </p:txBody>
+      </p:sp>
+      <p:sp>
+        <p:nvSpPr>
+          <p:cNvPr id="13" name="Прямоугольник 12"/>
+          <p:cNvSpPr/>
+          <p:nvPr/>
+        </p:nvSpPr>
+        <p:spPr>
+          <a:xfrm>
+            <a:off x="3536372" y="5427734"/>
+            <a:ext cx="2119746" cy="810491"/>
+          </a:xfrm>
+          <a:prstGeom prst="rect">
+            <a:avLst/>
+          </a:prstGeom>
+        </p:spPr>
+        <p:style>
+          <a:lnRef idx="2">
+            <a:schemeClr val="accent1">
+              <a:shade val="50000"/>
+            </a:schemeClr>
+          </a:lnRef>
+          <a:fillRef idx="1">
+            <a:schemeClr val="accent1"/>
+          </a:fillRef>
+          <a:effectRef idx="0">
+            <a:schemeClr val="accent1"/>
+          </a:effectRef>
+          <a:fontRef idx="minor">
+            <a:schemeClr val="lt1"/>
+          </a:fontRef>
+        </p:style>
+        <p:txBody>
+          <a:bodyPr rtlCol="0" anchor="ctr"/>
+          <a:lstStyle/>
+          <a:p>
+            <a:pPr algn="ctr"/>
+            <a:r>
+              <a:rPr lang="uk-UA" dirty="0" err="1" smtClean="0"/>
+              <a:t>Ненормалізованні</a:t>
+            </a:r>
+            <a:r>
+              <a:rPr lang="uk-UA" dirty="0" smtClean="0"/>
+              <a:t> на інтервалі </a:t>
+            </a:r>
+            <a:endParaRPr lang="ru-RU" dirty="0"/>
+          </a:p>
+        </p:txBody>
+      </p:sp>
+      <p:sp>
+        <p:nvSpPr>
+          <p:cNvPr id="14" name="Прямоугольник 13"/>
+          <p:cNvSpPr/>
+          <p:nvPr/>
+        </p:nvSpPr>
+        <p:spPr>
+          <a:xfrm>
+            <a:off x="5988626" y="5427734"/>
+            <a:ext cx="2119746" cy="810491"/>
+          </a:xfrm>
+          <a:prstGeom prst="rect">
+            <a:avLst/>
+          </a:prstGeom>
+        </p:spPr>
+        <p:style>
+          <a:lnRef idx="2">
+            <a:schemeClr val="accent1">
+              <a:shade val="50000"/>
+            </a:schemeClr>
+          </a:lnRef>
+          <a:fillRef idx="1">
+            <a:schemeClr val="accent1"/>
+          </a:fillRef>
+          <a:effectRef idx="0">
+            <a:schemeClr val="accent1"/>
+          </a:effectRef>
+          <a:fontRef idx="minor">
+            <a:schemeClr val="lt1"/>
+          </a:fontRef>
+        </p:style>
+        <p:txBody>
+          <a:bodyPr rtlCol="0" anchor="ctr"/>
+          <a:lstStyle/>
+          <a:p>
+            <a:pPr algn="ctr"/>
+            <a:r>
+              <a:rPr lang="uk-UA" dirty="0" err="1" smtClean="0"/>
+              <a:t>Равномірная</a:t>
+            </a:r>
+            <a:r>
+              <a:rPr lang="uk-UA" dirty="0" smtClean="0"/>
+              <a:t> параметризація</a:t>
+            </a:r>
+            <a:endParaRPr lang="ru-RU" dirty="0"/>
+          </a:p>
+        </p:txBody>
+      </p:sp>
+      <p:sp>
+        <p:nvSpPr>
+          <p:cNvPr id="15" name="Прямоугольник 14"/>
+          <p:cNvSpPr/>
+          <p:nvPr/>
+        </p:nvSpPr>
+        <p:spPr>
+          <a:xfrm>
+            <a:off x="9001990" y="5418425"/>
+            <a:ext cx="2119746" cy="810491"/>
+          </a:xfrm>
+          <a:prstGeom prst="rect">
+            <a:avLst/>
+          </a:prstGeom>
+        </p:spPr>
+        <p:style>
+          <a:lnRef idx="2">
+            <a:schemeClr val="accent1">
+              <a:shade val="50000"/>
+            </a:schemeClr>
+          </a:lnRef>
+          <a:fillRef idx="1">
+            <a:schemeClr val="accent1"/>
+          </a:fillRef>
+          <a:effectRef idx="0">
+            <a:schemeClr val="accent1"/>
+          </a:effectRef>
+          <a:fontRef idx="minor">
+            <a:schemeClr val="lt1"/>
+          </a:fontRef>
+        </p:style>
+        <p:txBody>
+          <a:bodyPr rtlCol="0" anchor="ctr"/>
+          <a:lstStyle/>
+          <a:p>
+            <a:pPr algn="ctr"/>
+            <a:r>
+              <a:rPr lang="uk-UA" dirty="0" err="1" smtClean="0"/>
+              <a:t>Неравномірная</a:t>
+            </a:r>
+            <a:r>
+              <a:rPr lang="uk-UA" dirty="0" smtClean="0"/>
+              <a:t> </a:t>
+            </a:r>
+            <a:r>
+              <a:rPr lang="uk-UA" dirty="0" smtClean="0"/>
+              <a:t>параметризація</a:t>
+            </a:r>
+            <a:endParaRPr lang="ru-RU" dirty="0" smtClean="0"/>
+          </a:p>
+        </p:txBody>
+      </p:sp>
+      <p:cxnSp>
+        <p:nvCxnSpPr>
+          <p:cNvPr id="17" name="Прямая со стрелкой 16"/>
+          <p:cNvCxnSpPr>
+            <a:stCxn id="7" idx="1"/>
+            <a:endCxn id="10" idx="0"/>
+          </p:cNvCxnSpPr>
+          <p:nvPr/>
+        </p:nvCxnSpPr>
+        <p:spPr>
+          <a:xfrm flipH="1">
+            <a:off x="3512128" y="2946689"/>
+            <a:ext cx="1118753" cy="701963"/>
+          </a:xfrm>
+          <a:prstGeom prst="straightConnector1">
+            <a:avLst/>
+          </a:prstGeom>
+          <a:ln>
+            <a:tailEnd type="triangle"/>
+          </a:ln>
+        </p:spPr>
+        <p:style>
+          <a:lnRef idx="1">
+            <a:schemeClr val="accent1"/>
+          </a:lnRef>
+          <a:fillRef idx="0">
+            <a:schemeClr val="accent1"/>
+          </a:fillRef>
+          <a:effectRef idx="0">
+            <a:schemeClr val="accent1"/>
+          </a:effectRef>
+          <a:fontRef idx="minor">
+            <a:schemeClr val="tx1"/>
+          </a:fontRef>
+        </p:style>
+      </p:cxnSp>
+      <p:cxnSp>
+        <p:nvCxnSpPr>
+          <p:cNvPr id="19" name="Прямая со стрелкой 18"/>
+          <p:cNvCxnSpPr>
+            <a:stCxn id="10" idx="2"/>
+            <a:endCxn id="11" idx="0"/>
+          </p:cNvCxnSpPr>
+          <p:nvPr/>
+        </p:nvCxnSpPr>
+        <p:spPr>
+          <a:xfrm flipH="1">
+            <a:off x="1666009" y="4459143"/>
+            <a:ext cx="1846119" cy="959283"/>
+          </a:xfrm>
+          <a:prstGeom prst="straightConnector1">
+            <a:avLst/>
+          </a:prstGeom>
+          <a:ln>
+            <a:tailEnd type="triangle"/>
+          </a:ln>
+        </p:spPr>
+        <p:style>
+          <a:lnRef idx="1">
+            <a:schemeClr val="accent1"/>
+          </a:lnRef>
+          <a:fillRef idx="0">
+            <a:schemeClr val="accent1"/>
+          </a:fillRef>
+          <a:effectRef idx="0">
+            <a:schemeClr val="accent1"/>
+          </a:effectRef>
+          <a:fontRef idx="minor">
+            <a:schemeClr val="tx1"/>
+          </a:fontRef>
+        </p:style>
+      </p:cxnSp>
+      <p:cxnSp>
+        <p:nvCxnSpPr>
+          <p:cNvPr id="21" name="Прямая со стрелкой 20"/>
+          <p:cNvCxnSpPr>
+            <a:stCxn id="10" idx="2"/>
+            <a:endCxn id="13" idx="0"/>
+          </p:cNvCxnSpPr>
+          <p:nvPr/>
+        </p:nvCxnSpPr>
+        <p:spPr>
+          <a:xfrm>
+            <a:off x="3512128" y="4459143"/>
+            <a:ext cx="1084117" cy="968591"/>
+          </a:xfrm>
+          <a:prstGeom prst="straightConnector1">
+            <a:avLst/>
+          </a:prstGeom>
+          <a:ln>
+            <a:tailEnd type="triangle"/>
+          </a:ln>
+        </p:spPr>
+        <p:style>
+          <a:lnRef idx="1">
+            <a:schemeClr val="accent1"/>
+          </a:lnRef>
+          <a:fillRef idx="0">
+            <a:schemeClr val="accent1"/>
+          </a:fillRef>
+          <a:effectRef idx="0">
+            <a:schemeClr val="accent1"/>
+          </a:effectRef>
+          <a:fontRef idx="minor">
+            <a:schemeClr val="tx1"/>
+          </a:fontRef>
+        </p:style>
+      </p:cxnSp>
+      <p:cxnSp>
+        <p:nvCxnSpPr>
+          <p:cNvPr id="23" name="Прямая со стрелкой 22"/>
+          <p:cNvCxnSpPr>
+            <a:stCxn id="12" idx="2"/>
+            <a:endCxn id="14" idx="0"/>
+          </p:cNvCxnSpPr>
+          <p:nvPr/>
+        </p:nvCxnSpPr>
+        <p:spPr>
+          <a:xfrm flipH="1">
+            <a:off x="7048499" y="4452865"/>
+            <a:ext cx="798369" cy="974869"/>
+          </a:xfrm>
+          <a:prstGeom prst="straightConnector1">
+            <a:avLst/>
+          </a:prstGeom>
+          <a:ln>
+            <a:tailEnd type="triangle"/>
+          </a:ln>
+        </p:spPr>
+        <p:style>
+          <a:lnRef idx="1">
+            <a:schemeClr val="accent1"/>
+          </a:lnRef>
+          <a:fillRef idx="0">
+            <a:schemeClr val="accent1"/>
+          </a:fillRef>
+          <a:effectRef idx="0">
+            <a:schemeClr val="accent1"/>
+          </a:effectRef>
+          <a:fontRef idx="minor">
+            <a:schemeClr val="tx1"/>
+          </a:fontRef>
+        </p:style>
+      </p:cxnSp>
+      <p:cxnSp>
+        <p:nvCxnSpPr>
+          <p:cNvPr id="25" name="Прямая со стрелкой 24"/>
+          <p:cNvCxnSpPr>
+            <a:stCxn id="12" idx="2"/>
+            <a:endCxn id="15" idx="0"/>
+          </p:cNvCxnSpPr>
+          <p:nvPr/>
+        </p:nvCxnSpPr>
+        <p:spPr>
+          <a:xfrm>
+            <a:off x="7846868" y="4452865"/>
+            <a:ext cx="2214995" cy="965560"/>
+          </a:xfrm>
+          <a:prstGeom prst="straightConnector1">
+            <a:avLst/>
+          </a:prstGeom>
+          <a:ln>
+            <a:tailEnd type="triangle"/>
+          </a:ln>
+        </p:spPr>
+        <p:style>
+          <a:lnRef idx="1">
+            <a:schemeClr val="accent1"/>
+          </a:lnRef>
+          <a:fillRef idx="0">
+            <a:schemeClr val="accent1"/>
+          </a:fillRef>
+          <a:effectRef idx="0">
+            <a:schemeClr val="accent1"/>
+          </a:effectRef>
+          <a:fontRef idx="minor">
+            <a:schemeClr val="tx1"/>
+          </a:fontRef>
+        </p:style>
+      </p:cxnSp>
+      <p:cxnSp>
+        <p:nvCxnSpPr>
+          <p:cNvPr id="27" name="Прямая со стрелкой 26"/>
+          <p:cNvCxnSpPr>
+            <a:stCxn id="7" idx="3"/>
+            <a:endCxn id="12" idx="0"/>
+          </p:cNvCxnSpPr>
+          <p:nvPr/>
+        </p:nvCxnSpPr>
+        <p:spPr>
+          <a:xfrm>
+            <a:off x="6750627" y="2946689"/>
+            <a:ext cx="1096241" cy="695685"/>
+          </a:xfrm>
+          <a:prstGeom prst="straightConnector1">
+            <a:avLst/>
+          </a:prstGeom>
+          <a:ln>
+            <a:tailEnd type="triangle"/>
+          </a:ln>
+        </p:spPr>
+        <p:style>
+          <a:lnRef idx="1">
+            <a:schemeClr val="accent1"/>
+          </a:lnRef>
+          <a:fillRef idx="0">
+            <a:schemeClr val="accent1"/>
+          </a:fillRef>
+          <a:effectRef idx="0">
+            <a:schemeClr val="accent1"/>
+          </a:effectRef>
+          <a:fontRef idx="minor">
+            <a:schemeClr val="tx1"/>
+          </a:fontRef>
+        </p:style>
+      </p:cxnSp>
+    </p:spTree>
+    <p:extLst>
+      <p:ext uri="{BB962C8B-B14F-4D97-AF65-F5344CB8AC3E}">
+        <p14:creationId xmlns:p14="http://schemas.microsoft.com/office/powerpoint/2010/main" val="2146676761"/>
+      </p:ext>
+    </p:extLst>
+  </p:cSld>
+  <p:clrMapOvr>
+    <a:masterClrMapping/>
+  </p:clrMapOvr>
+</p:sld>
+</file>
+
+<file path=ppt/slides/slide4.xml><?xml version="1.0" encoding="utf-8"?>
+<p:sld xmlns:a="http://schemas.openxmlformats.org/drawingml/2006/main" xmlns:r="http://schemas.openxmlformats.org/officeDocument/2006/relationships" xmlns:p="http://schemas.openxmlformats.org/presentationml/2006/main">
+  <p:cSld>
+    <p:spTree>
+      <p:nvGrpSpPr>
+        <p:cNvPr id="1" name=""/>
+        <p:cNvGrpSpPr/>
+        <p:nvPr/>
+      </p:nvGrpSpPr>
+      <p:grpSpPr>
+        <a:xfrm>
+          <a:off x="0" y="0"/>
+          <a:ext cx="0" cy="0"/>
+          <a:chOff x="0" y="0"/>
+          <a:chExt cx="0" cy="0"/>
+        </a:xfrm>
+      </p:grpSpPr>
+      <p:sp>
+        <p:nvSpPr>
+          <p:cNvPr id="2" name="Заголовок 1"/>
+          <p:cNvSpPr>
+            <a:spLocks noGrp="1"/>
+          </p:cNvSpPr>
+          <p:nvPr>
+            <p:ph type="title"/>
+          </p:nvPr>
+        </p:nvSpPr>
+        <p:spPr/>
+        <p:txBody>
+          <a:bodyPr/>
+          <a:lstStyle/>
+          <a:p>
+            <a:r>
+              <a:rPr lang="uk-UA" dirty="0" smtClean="0"/>
+              <a:t>Періодичний В-</a:t>
+            </a:r>
+            <a:r>
+              <a:rPr lang="uk-UA" dirty="0" err="1" smtClean="0"/>
+              <a:t>сплайн</a:t>
+            </a:r>
+            <a:r>
+              <a:rPr lang="uk-UA" dirty="0" smtClean="0"/>
+              <a:t> </a:t>
+            </a:r>
+            <a:endParaRPr lang="ru-RU" dirty="0"/>
+          </a:p>
+        </p:txBody>
+      </p:sp>
+      <p:sp>
+        <p:nvSpPr>
+          <p:cNvPr id="3" name="Объект 2"/>
+          <p:cNvSpPr>
+            <a:spLocks noGrp="1"/>
+          </p:cNvSpPr>
+          <p:nvPr>
+            <p:ph idx="1"/>
+          </p:nvPr>
+        </p:nvSpPr>
+        <p:spPr>
+          <a:xfrm>
+            <a:off x="677334" y="1443616"/>
+            <a:ext cx="8596668" cy="3880773"/>
+          </a:xfrm>
+        </p:spPr>
+        <p:txBody>
+          <a:bodyPr>
+            <a:normAutofit/>
+          </a:bodyPr>
+          <a:lstStyle/>
+          <a:p>
+            <a:pPr marL="0" indent="0">
+              <a:buNone/>
+            </a:pPr>
+            <a:r>
+              <a:rPr lang="ru-RU" sz="2000" dirty="0" err="1" smtClean="0"/>
+              <a:t>Базисні</a:t>
+            </a:r>
+            <a:r>
+              <a:rPr lang="ru-RU" sz="2000" dirty="0" smtClean="0"/>
+              <a:t> </a:t>
+            </a:r>
+            <a:r>
+              <a:rPr lang="ru-RU" sz="2000" dirty="0" err="1" smtClean="0"/>
+              <a:t>функції</a:t>
+            </a:r>
+            <a:r>
+              <a:rPr lang="ru-RU" sz="2000" dirty="0" smtClean="0"/>
+              <a:t> </a:t>
+            </a:r>
+            <a:r>
+              <a:rPr lang="ru-RU" sz="2000" dirty="0" err="1" smtClean="0"/>
+              <a:t>періодичного</a:t>
+            </a:r>
+            <a:r>
+              <a:rPr lang="ru-RU" sz="2000" dirty="0" smtClean="0"/>
+              <a:t> В-сплайна є </a:t>
+            </a:r>
+            <a:r>
+              <a:rPr lang="ru-RU" sz="2000" dirty="0" err="1" smtClean="0"/>
+              <a:t>паралельним</a:t>
+            </a:r>
+            <a:r>
+              <a:rPr lang="ru-RU" sz="2000" dirty="0" smtClean="0"/>
+              <a:t> переносом один одного і </a:t>
+            </a:r>
+            <a:r>
+              <a:rPr lang="ru-RU" sz="2000" dirty="0" err="1" smtClean="0"/>
+              <a:t>впливу</a:t>
+            </a:r>
+            <a:r>
+              <a:rPr lang="ru-RU" sz="2000" dirty="0" smtClean="0"/>
+              <a:t> </a:t>
+            </a:r>
+            <a:r>
+              <a:rPr lang="ru-RU" sz="2000" dirty="0" err="1" smtClean="0"/>
+              <a:t>кожної</a:t>
+            </a:r>
+            <a:r>
+              <a:rPr lang="ru-RU" sz="2000" dirty="0" smtClean="0"/>
+              <a:t> </a:t>
+            </a:r>
+            <a:r>
+              <a:rPr lang="ru-RU" sz="2000" dirty="0" err="1" smtClean="0"/>
+              <a:t>функції</a:t>
+            </a:r>
+            <a:r>
+              <a:rPr lang="ru-RU" sz="2000" dirty="0" smtClean="0"/>
+              <a:t> </a:t>
+            </a:r>
+            <a:r>
+              <a:rPr lang="ru-RU" sz="2000" dirty="0" err="1" smtClean="0"/>
+              <a:t>поширюються</a:t>
+            </a:r>
+            <a:r>
+              <a:rPr lang="ru-RU" sz="2000" dirty="0" smtClean="0"/>
+              <a:t> на </a:t>
+            </a:r>
+            <a:r>
+              <a:rPr lang="en-US" sz="2000" dirty="0" smtClean="0"/>
+              <a:t>k-</a:t>
+            </a:r>
+            <a:r>
+              <a:rPr lang="ru-RU" sz="2000" dirty="0" err="1" smtClean="0"/>
+              <a:t>му</a:t>
+            </a:r>
+            <a:r>
+              <a:rPr lang="ru-RU" sz="2000" dirty="0" smtClean="0"/>
+              <a:t> </a:t>
+            </a:r>
+            <a:r>
+              <a:rPr lang="ru-RU" sz="2000" dirty="0" err="1" smtClean="0"/>
+              <a:t>інтервалі</a:t>
+            </a:r>
+            <a:r>
+              <a:rPr lang="ru-RU" sz="2000" dirty="0" smtClean="0"/>
+              <a:t>. Для </a:t>
+            </a:r>
+            <a:r>
+              <a:rPr lang="ru-RU" sz="2000" dirty="0" err="1" smtClean="0"/>
+              <a:t>цілих</a:t>
+            </a:r>
+            <a:r>
+              <a:rPr lang="ru-RU" sz="2000" dirty="0" smtClean="0"/>
+              <a:t> </a:t>
+            </a:r>
+            <a:r>
+              <a:rPr lang="ru-RU" sz="2000" dirty="0" err="1" smtClean="0"/>
+              <a:t>вузлових</a:t>
+            </a:r>
+            <a:r>
+              <a:rPr lang="ru-RU" sz="2000" dirty="0" smtClean="0"/>
+              <a:t> </a:t>
+            </a:r>
+            <a:r>
+              <a:rPr lang="ru-RU" sz="2000" dirty="0" err="1" smtClean="0"/>
+              <a:t>значень</a:t>
+            </a:r>
+            <a:r>
+              <a:rPr lang="ru-RU" sz="2000" dirty="0" smtClean="0"/>
+              <a:t> </a:t>
+            </a:r>
+            <a:r>
+              <a:rPr lang="ru-RU" sz="2000" dirty="0" err="1" smtClean="0"/>
+              <a:t>всі</a:t>
+            </a:r>
+            <a:r>
+              <a:rPr lang="ru-RU" sz="2000" dirty="0" smtClean="0"/>
+              <a:t> </a:t>
+            </a:r>
+            <a:r>
+              <a:rPr lang="ru-RU" sz="2000" dirty="0" err="1" smtClean="0"/>
+              <a:t>базисні</a:t>
+            </a:r>
+            <a:r>
+              <a:rPr lang="ru-RU" sz="2000" dirty="0" smtClean="0"/>
+              <a:t> </a:t>
+            </a:r>
+            <a:r>
+              <a:rPr lang="ru-RU" sz="2000" dirty="0" err="1" smtClean="0"/>
+              <a:t>функції</a:t>
+            </a:r>
+            <a:r>
+              <a:rPr lang="ru-RU" sz="2000" dirty="0" smtClean="0"/>
+              <a:t> на </a:t>
+            </a:r>
+            <a:r>
+              <a:rPr lang="ru-RU" sz="2000" dirty="0" err="1" smtClean="0"/>
+              <a:t>одиничному</a:t>
+            </a:r>
+            <a:r>
+              <a:rPr lang="ru-RU" sz="2000" dirty="0" smtClean="0"/>
+              <a:t> </a:t>
+            </a:r>
+            <a:r>
+              <a:rPr lang="ru-RU" sz="2000" dirty="0" err="1" smtClean="0"/>
+              <a:t>інтервалі</a:t>
+            </a:r>
+            <a:r>
+              <a:rPr lang="ru-RU" sz="2000" dirty="0" smtClean="0"/>
+              <a:t> 0 &lt;</a:t>
+            </a:r>
+            <a:r>
+              <a:rPr lang="en-US" sz="2000" dirty="0" smtClean="0"/>
+              <a:t>t &lt;1 </a:t>
+            </a:r>
+            <a:r>
+              <a:rPr lang="ru-RU" sz="2000" dirty="0" err="1" smtClean="0"/>
+              <a:t>мають</a:t>
+            </a:r>
+            <a:r>
+              <a:rPr lang="ru-RU" sz="2000" dirty="0" smtClean="0"/>
+              <a:t> один і той же вид.</a:t>
+            </a:r>
+          </a:p>
+          <a:p>
+            <a:pPr marL="0" indent="0">
+              <a:buNone/>
+            </a:pPr>
+            <a:endParaRPr lang="uk-UA" sz="2000" dirty="0"/>
+          </a:p>
+          <a:p>
+            <a:pPr marL="0" indent="0">
+              <a:buNone/>
+            </a:pPr>
+            <a:endParaRPr lang="uk-UA" sz="2000" dirty="0" smtClean="0"/>
+          </a:p>
+          <a:p>
+            <a:pPr marL="0" indent="0">
+              <a:buNone/>
+            </a:pPr>
+            <a:endParaRPr lang="uk-UA" sz="2000" dirty="0"/>
+          </a:p>
+          <a:p>
+            <a:pPr marL="0" indent="0">
+              <a:buNone/>
+            </a:pPr>
+            <a:endParaRPr lang="uk-UA" sz="2000" dirty="0" smtClean="0"/>
+          </a:p>
+          <a:p>
+            <a:pPr marL="0" indent="0">
+              <a:buNone/>
+            </a:pPr>
+            <a:endParaRPr lang="uk-UA" sz="2000" dirty="0"/>
+          </a:p>
+          <a:p>
+            <a:pPr marL="0" indent="0">
+              <a:buNone/>
+            </a:pPr>
+            <a:endParaRPr lang="uk-UA" sz="2000" dirty="0" smtClean="0"/>
+          </a:p>
+          <a:p>
+            <a:pPr marL="0" indent="0">
+              <a:buNone/>
+            </a:pPr>
+            <a:endParaRPr lang="uk-UA" sz="2000" dirty="0"/>
+          </a:p>
+        </p:txBody>
+      </p:sp>
+      <p:pic>
+        <p:nvPicPr>
+          <p:cNvPr id="7" name="Рисунок 6"/>
+          <p:cNvPicPr>
+            <a:picLocks noChangeAspect="1"/>
+          </p:cNvPicPr>
+          <p:nvPr/>
+        </p:nvPicPr>
+        <p:blipFill>
+          <a:blip r:embed="rId2"/>
+          <a:stretch>
+            <a:fillRect/>
+          </a:stretch>
+        </p:blipFill>
+        <p:spPr>
+          <a:xfrm>
+            <a:off x="252845" y="2764416"/>
+            <a:ext cx="9947564" cy="2772500"/>
+          </a:xfrm>
+          <a:prstGeom prst="rect">
+            <a:avLst/>
+          </a:prstGeom>
+        </p:spPr>
+      </p:pic>
+    </p:spTree>
+    <p:extLst>
+      <p:ext uri="{BB962C8B-B14F-4D97-AF65-F5344CB8AC3E}">
+        <p14:creationId xmlns:p14="http://schemas.microsoft.com/office/powerpoint/2010/main" val="1393406457"/>
+      </p:ext>
+    </p:extLst>
+  </p:cSld>
+  <p:clrMapOvr>
+    <a:masterClrMapping/>
+  </p:clrMapOvr>
+</p:sld>
+</file>
+
+<file path=ppt/slides/slide5.xml><?xml version="1.0" encoding="utf-8"?>
+<p:sld xmlns:a="http://schemas.openxmlformats.org/drawingml/2006/main" xmlns:r="http://schemas.openxmlformats.org/officeDocument/2006/relationships" xmlns:p="http://schemas.openxmlformats.org/presentationml/2006/main">
+  <p:cSld>
+    <p:spTree>
+      <p:nvGrpSpPr>
+        <p:cNvPr id="1" name=""/>
+        <p:cNvGrpSpPr/>
+        <p:nvPr/>
+      </p:nvGrpSpPr>
+      <p:grpSpPr>
+        <a:xfrm>
+          <a:off x="0" y="0"/>
+          <a:ext cx="0" cy="0"/>
+          <a:chOff x="0" y="0"/>
+          <a:chExt cx="0" cy="0"/>
+        </a:xfrm>
+      </p:grpSpPr>
+      <p:sp>
+        <p:nvSpPr>
+          <p:cNvPr id="2" name="Заголовок 1"/>
+          <p:cNvSpPr>
+            <a:spLocks noGrp="1"/>
+          </p:cNvSpPr>
+          <p:nvPr>
+            <p:ph type="title"/>
+          </p:nvPr>
+        </p:nvSpPr>
+        <p:spPr/>
+        <p:txBody>
+          <a:bodyPr>
+            <a:normAutofit/>
+          </a:bodyPr>
+          <a:lstStyle/>
+          <a:p>
+            <a:pPr algn="ctr"/>
+            <a:r>
+              <a:rPr lang="ru-RU" dirty="0" smtClean="0"/>
+              <a:t>Пер</a:t>
+            </a:r>
+            <a:r>
+              <a:rPr lang="uk-UA" dirty="0" err="1" smtClean="0"/>
+              <a:t>іодичний</a:t>
+            </a:r>
+            <a:r>
+              <a:rPr lang="uk-UA" dirty="0" smtClean="0"/>
+              <a:t> В-</a:t>
+            </a:r>
+            <a:r>
+              <a:rPr lang="uk-UA" dirty="0" err="1" smtClean="0"/>
+              <a:t>сплайн</a:t>
+            </a:r>
+            <a:r>
+              <a:rPr lang="uk-UA" dirty="0" smtClean="0"/>
+              <a:t> з </a:t>
+            </a:r>
+            <a:r>
+              <a:rPr lang="uk-UA" dirty="0" err="1" smtClean="0"/>
+              <a:t>нормалізованною</a:t>
+            </a:r>
+            <a:r>
+              <a:rPr lang="uk-UA" dirty="0" smtClean="0"/>
+              <a:t> </a:t>
+            </a:r>
+            <a:r>
+              <a:rPr lang="uk-UA" dirty="0" err="1" smtClean="0"/>
+              <a:t>параметризаціює</a:t>
+            </a:r>
+            <a:endParaRPr lang="ru-RU" dirty="0"/>
+          </a:p>
+        </p:txBody>
+      </p:sp>
+      <p:sp>
+        <p:nvSpPr>
+          <p:cNvPr id="3" name="Объект 2"/>
+          <p:cNvSpPr>
+            <a:spLocks noGrp="1"/>
+          </p:cNvSpPr>
+          <p:nvPr>
+            <p:ph idx="1"/>
+          </p:nvPr>
+        </p:nvSpPr>
+        <p:spPr/>
+        <p:txBody>
+          <a:bodyPr>
+            <a:normAutofit fontScale="92500" lnSpcReduction="10000"/>
+          </a:bodyPr>
+          <a:lstStyle/>
+          <a:p>
+            <a:pPr marL="0" indent="0">
+              <a:buNone/>
+            </a:pPr>
+            <a:endParaRPr lang="uk-UA" sz="1800" dirty="0" smtClean="0"/>
+          </a:p>
+          <a:p>
+            <a:pPr marL="0" indent="0">
+              <a:buNone/>
+            </a:pPr>
+            <a:endParaRPr lang="uk-UA" sz="1800" dirty="0" smtClean="0"/>
+          </a:p>
+          <a:p>
+            <a:pPr marL="0" indent="0">
+              <a:buNone/>
+            </a:pPr>
+            <a:endParaRPr lang="uk-UA" sz="1800" dirty="0"/>
+          </a:p>
+          <a:p>
+            <a:pPr marL="0" indent="0">
+              <a:buNone/>
+            </a:pPr>
+            <a:endParaRPr lang="uk-UA" sz="1800" dirty="0" smtClean="0"/>
+          </a:p>
+          <a:p>
+            <a:pPr marL="0" indent="0">
+              <a:buNone/>
+            </a:pPr>
+            <a:endParaRPr lang="uk-UA" sz="1800" dirty="0"/>
+          </a:p>
+          <a:p>
+            <a:pPr marL="0" indent="0">
+              <a:buNone/>
+            </a:pPr>
+            <a:r>
+              <a:rPr lang="ru-RU" sz="1800" dirty="0" err="1" smtClean="0"/>
+              <a:t>Типовий</a:t>
+            </a:r>
+            <a:r>
+              <a:rPr lang="ru-RU" sz="1800" dirty="0" smtClean="0"/>
+              <a:t> сегмент </a:t>
+            </a:r>
+            <a:r>
+              <a:rPr lang="ru-RU" sz="1800" dirty="0" err="1" smtClean="0"/>
+              <a:t>кривої</a:t>
+            </a:r>
+            <a:r>
+              <a:rPr lang="ru-RU" sz="1800" dirty="0" smtClean="0"/>
+              <a:t> </a:t>
+            </a:r>
+            <a:r>
+              <a:rPr lang="ru-RU" sz="1800" dirty="0" err="1" smtClean="0"/>
+              <a:t>періодичного</a:t>
+            </a:r>
+            <a:r>
+              <a:rPr lang="ru-RU" sz="1800" dirty="0" smtClean="0"/>
+              <a:t> В-сплайну </a:t>
+            </a:r>
+            <a:r>
+              <a:rPr lang="en-US" sz="1800" dirty="0" smtClean="0"/>
+              <a:t>4-</a:t>
+            </a:r>
+            <a:r>
+              <a:rPr lang="uk-UA" sz="1800" dirty="0" smtClean="0"/>
+              <a:t>го </a:t>
+            </a:r>
+            <a:r>
+              <a:rPr lang="ru-RU" sz="1800" dirty="0" smtClean="0"/>
+              <a:t>порядку з </a:t>
+            </a:r>
+            <a:r>
+              <a:rPr lang="ru-RU" sz="1800" dirty="0" err="1" smtClean="0"/>
+              <a:t>нормалізованою</a:t>
+            </a:r>
+            <a:r>
+              <a:rPr lang="ru-RU" sz="1800" dirty="0" smtClean="0"/>
+              <a:t> </a:t>
+            </a:r>
+            <a:r>
+              <a:rPr lang="ru-RU" sz="1800" dirty="0" err="1" smtClean="0"/>
+              <a:t>параметризацією</a:t>
+            </a:r>
+            <a:r>
+              <a:rPr lang="ru-RU" sz="1800" dirty="0" smtClean="0"/>
+              <a:t> в </a:t>
+            </a:r>
+            <a:r>
+              <a:rPr lang="ru-RU" sz="1800" dirty="0" err="1" smtClean="0"/>
+              <a:t>алгебройчнії</a:t>
+            </a:r>
+            <a:r>
+              <a:rPr lang="ru-RU" sz="1800" dirty="0" smtClean="0"/>
+              <a:t> </a:t>
+            </a:r>
+            <a:r>
+              <a:rPr lang="ru-RU" sz="1800" dirty="0" err="1" smtClean="0"/>
+              <a:t>формі</a:t>
+            </a:r>
+            <a:r>
+              <a:rPr lang="ru-RU" sz="1800" dirty="0" smtClean="0"/>
+              <a:t> </a:t>
+            </a:r>
+            <a:r>
+              <a:rPr lang="ru-RU" sz="1800" dirty="0" err="1" smtClean="0"/>
+              <a:t>має</a:t>
+            </a:r>
+            <a:r>
+              <a:rPr lang="ru-RU" sz="1800" dirty="0" smtClean="0"/>
+              <a:t> </a:t>
+            </a:r>
+            <a:r>
+              <a:rPr lang="ru-RU" sz="1800" dirty="0" err="1" smtClean="0"/>
+              <a:t>вигляд</a:t>
+            </a:r>
+            <a:r>
+              <a:rPr lang="ru-RU" sz="1800" dirty="0" smtClean="0"/>
+              <a:t>. </a:t>
+            </a:r>
+          </a:p>
+          <a:p>
+            <a:pPr marL="0" indent="0">
+              <a:buNone/>
+            </a:pPr>
+            <a:endParaRPr lang="en-US" sz="1800" dirty="0" smtClean="0"/>
+          </a:p>
+          <a:p>
+            <a:pPr marL="0" indent="0">
+              <a:buNone/>
+            </a:pPr>
+            <a:endParaRPr lang="en-US" sz="1800" dirty="0"/>
+          </a:p>
+          <a:p>
+            <a:pPr marL="0" indent="0">
+              <a:buNone/>
+            </a:pPr>
+            <a:r>
+              <a:rPr lang="uk-UA" sz="1800" dirty="0"/>
+              <a:t>Будемо задавати координати точок  характеристичного </a:t>
+            </a:r>
+            <a:r>
+              <a:rPr lang="uk-UA" sz="1800" dirty="0" err="1"/>
+              <a:t>чотирикутникау</a:t>
+            </a:r>
+            <a:r>
+              <a:rPr lang="uk-UA" sz="1800" dirty="0"/>
+              <a:t>  комплексному вигляді: </a:t>
+            </a:r>
+            <a:endParaRPr lang="ru-RU" sz="1800" dirty="0"/>
+          </a:p>
+          <a:p>
+            <a:pPr marL="0" indent="0">
+              <a:buNone/>
+            </a:pPr>
+            <a:endParaRPr lang="ru-RU" sz="1800" dirty="0"/>
+          </a:p>
+        </p:txBody>
+      </p:sp>
+      <p:graphicFrame>
+        <p:nvGraphicFramePr>
+          <p:cNvPr id="38" name="Object 4"/>
+          <p:cNvGraphicFramePr>
+            <a:graphicFrameLocks noChangeAspect="1"/>
+          </p:cNvGraphicFramePr>
+          <p:nvPr>
+            <p:extLst>
+              <p:ext uri="{D42A27DB-BD31-4B8C-83A1-F6EECF244321}">
+                <p14:modId xmlns:p14="http://schemas.microsoft.com/office/powerpoint/2010/main" val="966414962"/>
+              </p:ext>
+            </p:extLst>
+          </p:nvPr>
+        </p:nvGraphicFramePr>
+        <p:xfrm>
+          <a:off x="2603341" y="2160589"/>
+          <a:ext cx="4752975" cy="1579562"/>
+        </p:xfrm>
+        <a:graphic>
+          <a:graphicData uri="http://schemas.openxmlformats.org/presentationml/2006/ole">
+            <mc:AlternateContent xmlns:mc="http://schemas.openxmlformats.org/markup-compatibility/2006">
+              <mc:Choice xmlns:v="urn:schemas-microsoft-com:vml" Requires="v">
+                <p:oleObj spid="_x0000_s2128" name="Формула" r:id="rId3" imgW="2844720" imgH="939600" progId="Equation.3">
+                  <p:embed/>
+                </p:oleObj>
+              </mc:Choice>
+              <mc:Fallback>
+                <p:oleObj name="Формула" r:id="rId3" imgW="2844720" imgH="939600" progId="Equation.3">
+                  <p:embed/>
+                  <p:pic>
+                    <p:nvPicPr>
+                      <p:cNvPr id="0" name=""/>
+                      <p:cNvPicPr>
+                        <a:picLocks noChangeAspect="1" noChangeArrowheads="1"/>
+                      </p:cNvPicPr>
+                      <p:nvPr/>
+                    </p:nvPicPr>
+                    <p:blipFill>
+                      <a:blip r:embed="rId4">
+                        <a:extLst>
+                          <a:ext uri="{28A0092B-C50C-407E-A947-70E740481C1C}">
+                            <a14:useLocalDpi xmlns:a14="http://schemas.microsoft.com/office/drawing/2010/main" val="0"/>
+                          </a:ext>
+                        </a:extLst>
+                      </a:blip>
+                      <a:srcRect/>
+                      <a:stretch>
+                        <a:fillRect/>
+                      </a:stretch>
+                    </p:blipFill>
+                    <p:spPr bwMode="auto">
+                      <a:xfrm>
+                        <a:off x="2603341" y="2160589"/>
+                        <a:ext cx="4752975" cy="1579562"/>
+                      </a:xfrm>
+                      <a:prstGeom prst="rect">
+                        <a:avLst/>
+                      </a:prstGeom>
+                      <a:noFill/>
+                      <a:extLst>
+                        <a:ext uri="{909E8E84-426E-40DD-AFC4-6F175D3DCCD1}">
+                          <a14:hiddenFill xmlns:a14="http://schemas.microsoft.com/office/drawing/2010/main">
+                            <a:solidFill>
+                              <a:srgbClr val="FFFFFF"/>
+                            </a:solidFill>
+                          </a14:hiddenFill>
+                        </a:ext>
+                      </a:extLst>
+                    </p:spPr>
+                  </p:pic>
+                </p:oleObj>
+              </mc:Fallback>
+            </mc:AlternateContent>
+          </a:graphicData>
+        </a:graphic>
+      </p:graphicFrame>
+      <p:graphicFrame>
+        <p:nvGraphicFramePr>
+          <p:cNvPr id="57" name="Object 6"/>
+          <p:cNvGraphicFramePr>
+            <a:graphicFrameLocks noChangeAspect="1"/>
+          </p:cNvGraphicFramePr>
+          <p:nvPr>
+            <p:extLst>
+              <p:ext uri="{D42A27DB-BD31-4B8C-83A1-F6EECF244321}">
+                <p14:modId xmlns:p14="http://schemas.microsoft.com/office/powerpoint/2010/main" val="130431037"/>
+              </p:ext>
+            </p:extLst>
+          </p:nvPr>
+        </p:nvGraphicFramePr>
+        <p:xfrm>
+          <a:off x="1948440" y="4554941"/>
+          <a:ext cx="7775575" cy="647700"/>
+        </p:xfrm>
+        <a:graphic>
+          <a:graphicData uri="http://schemas.openxmlformats.org/presentationml/2006/ole">
+            <mc:AlternateContent xmlns:mc="http://schemas.openxmlformats.org/markup-compatibility/2006">
+              <mc:Choice xmlns:v="urn:schemas-microsoft-com:vml" Requires="v">
+                <p:oleObj spid="_x0000_s2129" name="Microsoft Equation 3.0" r:id="rId5" imgW="5143500" imgH="368300" progId="Equation.3">
+                  <p:embed/>
+                </p:oleObj>
+              </mc:Choice>
+              <mc:Fallback>
+                <p:oleObj name="Microsoft Equation 3.0" r:id="rId5" imgW="5143500" imgH="368300" progId="Equation.3">
+                  <p:embed/>
+                  <p:pic>
+                    <p:nvPicPr>
+                      <p:cNvPr id="0" name=""/>
+                      <p:cNvPicPr>
+                        <a:picLocks noChangeAspect="1" noChangeArrowheads="1"/>
+                      </p:cNvPicPr>
+                      <p:nvPr/>
+                    </p:nvPicPr>
+                    <p:blipFill>
+                      <a:blip r:embed="rId6">
+                        <a:extLst>
+                          <a:ext uri="{28A0092B-C50C-407E-A947-70E740481C1C}">
+                            <a14:useLocalDpi xmlns:a14="http://schemas.microsoft.com/office/drawing/2010/main" val="0"/>
+                          </a:ext>
+                        </a:extLst>
+                      </a:blip>
+                      <a:srcRect/>
+                      <a:stretch>
+                        <a:fillRect/>
+                      </a:stretch>
+                    </p:blipFill>
+                    <p:spPr bwMode="auto">
+                      <a:xfrm>
+                        <a:off x="1948440" y="4554941"/>
+                        <a:ext cx="7775575" cy="647700"/>
+                      </a:xfrm>
+                      <a:prstGeom prst="rect">
+                        <a:avLst/>
+                      </a:prstGeom>
+                      <a:noFill/>
+                      <a:extLst>
+                        <a:ext uri="{909E8E84-426E-40DD-AFC4-6F175D3DCCD1}">
+                          <a14:hiddenFill xmlns:a14="http://schemas.microsoft.com/office/drawing/2010/main">
+                            <a:solidFill>
+                              <a:srgbClr val="FFFFFF"/>
+                            </a:solidFill>
+                          </a14:hiddenFill>
+                        </a:ext>
+                      </a:extLst>
+                    </p:spPr>
+                  </p:pic>
+                </p:oleObj>
+              </mc:Fallback>
+            </mc:AlternateContent>
+          </a:graphicData>
+        </a:graphic>
+      </p:graphicFrame>
+      <mc:AlternateContent xmlns:mc="http://schemas.openxmlformats.org/markup-compatibility/2006">
+        <mc:Choice xmlns:a14="http://schemas.microsoft.com/office/drawing/2010/main" Requires="a14">
+          <p:sp>
+            <p:nvSpPr>
+              <p:cNvPr id="60" name="TextBox 59"/>
+              <p:cNvSpPr txBox="1"/>
+              <p:nvPr/>
+            </p:nvSpPr>
+            <p:spPr>
+              <a:xfrm>
+                <a:off x="1948440" y="5881831"/>
+                <a:ext cx="6393872" cy="319062"/>
+              </a:xfrm>
+              <a:prstGeom prst="rect">
+                <a:avLst/>
+              </a:prstGeom>
+              <a:noFill/>
+            </p:spPr>
+            <p:txBody>
+              <a:bodyPr wrap="square" lIns="0" tIns="0" rIns="0" bIns="0" rtlCol="0">
+                <a:spAutoFit/>
+              </a:bodyPr>
+              <a:lstStyle/>
+              <a:p>
+                <a:pPr/>
+                <a14:m>
+                  <m:oMathPara xmlns:m="http://schemas.openxmlformats.org/officeDocument/2006/math">
+                    <m:oMathParaPr>
+                      <m:jc m:val="centerGroup"/>
+                    </m:oMathParaPr>
+                    <m:oMath xmlns:m="http://schemas.openxmlformats.org/officeDocument/2006/math">
+                      <m:sSub>
+                        <m:sSubPr>
+                          <m:ctrlPr>
+                            <a:rPr lang="pt-BR" i="1" smtClean="0">
+                              <a:latin typeface="Cambria Math" panose="02040503050406030204" pitchFamily="18" charset="0"/>
+                            </a:rPr>
+                          </m:ctrlPr>
+                        </m:sSubPr>
+                        <m:e>
+                          <m:r>
+                            <a:rPr lang="en-US" b="0" i="1" smtClean="0">
+                              <a:latin typeface="Cambria Math" panose="02040503050406030204" pitchFamily="18" charset="0"/>
+                            </a:rPr>
+                            <m:t>𝑟</m:t>
+                          </m:r>
+                        </m:e>
+                        <m:sub>
+                          <m:r>
+                            <a:rPr lang="en-US" b="0" i="1" smtClean="0">
+                              <a:latin typeface="Cambria Math" panose="02040503050406030204" pitchFamily="18" charset="0"/>
+                            </a:rPr>
+                            <m:t>𝑗</m:t>
+                          </m:r>
+                          <m:r>
+                            <a:rPr lang="en-US" b="0" i="1" smtClean="0">
+                              <a:latin typeface="Cambria Math" panose="02040503050406030204" pitchFamily="18" charset="0"/>
+                            </a:rPr>
+                            <m:t>+1</m:t>
+                          </m:r>
+                        </m:sub>
+                      </m:sSub>
+                      <m:r>
+                        <a:rPr lang="pt-BR" i="1" smtClean="0">
+                          <a:latin typeface="Cambria Math" panose="02040503050406030204" pitchFamily="18" charset="0"/>
+                        </a:rPr>
+                        <m:t>=</m:t>
+                      </m:r>
+                      <m:r>
+                        <a:rPr lang="en-US" b="0" i="1" smtClean="0">
+                          <a:latin typeface="Cambria Math" panose="02040503050406030204" pitchFamily="18" charset="0"/>
+                        </a:rPr>
+                        <m:t>[</m:t>
+                      </m:r>
+                      <m:r>
+                        <a:rPr lang="en-US" b="0" i="1" smtClean="0">
+                          <a:latin typeface="Cambria Math" panose="02040503050406030204" pitchFamily="18" charset="0"/>
+                        </a:rPr>
+                        <m:t>𝑅𝑒</m:t>
+                      </m:r>
+                      <m:d>
+                        <m:dPr>
+                          <m:ctrlPr>
+                            <a:rPr lang="en-US" b="0" i="1" smtClean="0">
+                              <a:latin typeface="Cambria Math" panose="02040503050406030204" pitchFamily="18" charset="0"/>
+                            </a:rPr>
+                          </m:ctrlPr>
+                        </m:dPr>
+                        <m:e>
+                          <m:sSub>
+                            <m:sSubPr>
+                              <m:ctrlPr>
+                                <a:rPr lang="en-US" b="0" i="1" smtClean="0">
+                                  <a:latin typeface="Cambria Math" panose="02040503050406030204" pitchFamily="18" charset="0"/>
+                                </a:rPr>
+                              </m:ctrlPr>
+                            </m:sSubPr>
+                            <m:e>
+                              <m:r>
+                                <a:rPr lang="en-US" b="0" i="1" smtClean="0">
+                                  <a:latin typeface="Cambria Math" panose="02040503050406030204" pitchFamily="18" charset="0"/>
+                                </a:rPr>
+                                <m:t>𝑥</m:t>
+                              </m:r>
+                            </m:e>
+                            <m:sub>
+                              <m:r>
+                                <a:rPr lang="en-US" b="0" i="1" smtClean="0">
+                                  <a:latin typeface="Cambria Math" panose="02040503050406030204" pitchFamily="18" charset="0"/>
+                                </a:rPr>
+                                <m:t>𝑗</m:t>
+                              </m:r>
+                              <m:r>
+                                <a:rPr lang="en-US" b="0" i="1" smtClean="0">
+                                  <a:latin typeface="Cambria Math" panose="02040503050406030204" pitchFamily="18" charset="0"/>
+                                </a:rPr>
+                                <m:t>+1</m:t>
+                              </m:r>
+                            </m:sub>
+                          </m:sSub>
+                        </m:e>
+                      </m:d>
+                      <m:r>
+                        <a:rPr lang="en-US" b="0" i="1" smtClean="0">
+                          <a:latin typeface="Cambria Math" panose="02040503050406030204" pitchFamily="18" charset="0"/>
+                          <a:ea typeface="Cambria Math" panose="02040503050406030204" pitchFamily="18" charset="0"/>
+                        </a:rPr>
+                        <m:t>±</m:t>
+                      </m:r>
+                      <m:r>
+                        <a:rPr lang="en-US" b="0" i="1" smtClean="0">
+                          <a:latin typeface="Cambria Math" panose="02040503050406030204" pitchFamily="18" charset="0"/>
+                          <a:ea typeface="Cambria Math" panose="02040503050406030204" pitchFamily="18" charset="0"/>
+                        </a:rPr>
+                        <m:t>𝑖𝐼𝑚</m:t>
+                      </m:r>
+                      <m:d>
+                        <m:dPr>
+                          <m:ctrlPr>
+                            <a:rPr lang="en-US" b="0" i="1" smtClean="0">
+                              <a:latin typeface="Cambria Math" panose="02040503050406030204" pitchFamily="18" charset="0"/>
+                              <a:ea typeface="Cambria Math" panose="02040503050406030204" pitchFamily="18" charset="0"/>
+                            </a:rPr>
+                          </m:ctrlPr>
+                        </m:dPr>
+                        <m:e>
+                          <m:sSub>
+                            <m:sSubPr>
+                              <m:ctrlPr>
+                                <a:rPr lang="en-US" b="0" i="1" smtClean="0">
+                                  <a:latin typeface="Cambria Math" panose="02040503050406030204" pitchFamily="18" charset="0"/>
+                                  <a:ea typeface="Cambria Math" panose="02040503050406030204" pitchFamily="18" charset="0"/>
+                                </a:rPr>
+                              </m:ctrlPr>
+                            </m:sSubPr>
+                            <m:e>
+                              <m:r>
+                                <a:rPr lang="en-US" b="0" i="1" smtClean="0">
+                                  <a:latin typeface="Cambria Math" panose="02040503050406030204" pitchFamily="18" charset="0"/>
+                                  <a:ea typeface="Cambria Math" panose="02040503050406030204" pitchFamily="18" charset="0"/>
+                                </a:rPr>
+                                <m:t>𝑥</m:t>
+                              </m:r>
+                            </m:e>
+                            <m:sub>
+                              <m:r>
+                                <a:rPr lang="en-US" b="0" i="1" smtClean="0">
+                                  <a:latin typeface="Cambria Math" panose="02040503050406030204" pitchFamily="18" charset="0"/>
+                                  <a:ea typeface="Cambria Math" panose="02040503050406030204" pitchFamily="18" charset="0"/>
+                                </a:rPr>
+                                <m:t>𝑗</m:t>
+                              </m:r>
+                              <m:r>
+                                <a:rPr lang="en-US" b="0" i="1" smtClean="0">
+                                  <a:latin typeface="Cambria Math" panose="02040503050406030204" pitchFamily="18" charset="0"/>
+                                  <a:ea typeface="Cambria Math" panose="02040503050406030204" pitchFamily="18" charset="0"/>
+                                </a:rPr>
+                                <m:t>+1</m:t>
+                              </m:r>
+                            </m:sub>
+                          </m:sSub>
+                        </m:e>
+                      </m:d>
+                      <m:r>
+                        <a:rPr lang="en-US" b="0" i="1" smtClean="0">
+                          <a:latin typeface="Cambria Math" panose="02040503050406030204" pitchFamily="18" charset="0"/>
+                          <a:ea typeface="Cambria Math" panose="02040503050406030204" pitchFamily="18" charset="0"/>
+                        </a:rPr>
+                        <m:t> </m:t>
+                      </m:r>
+                      <m:r>
+                        <a:rPr lang="uk-UA" b="0" i="1" smtClean="0">
+                          <a:latin typeface="Cambria Math" panose="02040503050406030204" pitchFamily="18" charset="0"/>
+                          <a:ea typeface="Cambria Math" panose="02040503050406030204" pitchFamily="18" charset="0"/>
+                        </a:rPr>
+                        <m:t>     </m:t>
+                      </m:r>
+                      <m:r>
+                        <a:rPr lang="en-US" b="0" i="1" smtClean="0">
+                          <a:latin typeface="Cambria Math" panose="02040503050406030204" pitchFamily="18" charset="0"/>
+                          <a:ea typeface="Cambria Math" panose="02040503050406030204" pitchFamily="18" charset="0"/>
+                        </a:rPr>
+                        <m:t>𝑅𝑒</m:t>
+                      </m:r>
+                      <m:r>
+                        <a:rPr lang="en-US" b="0" i="1" smtClean="0">
+                          <a:latin typeface="Cambria Math" panose="02040503050406030204" pitchFamily="18" charset="0"/>
+                          <a:ea typeface="Cambria Math" panose="02040503050406030204" pitchFamily="18" charset="0"/>
+                        </a:rPr>
+                        <m:t>(</m:t>
+                      </m:r>
+                      <m:sSub>
+                        <m:sSubPr>
+                          <m:ctrlPr>
+                            <a:rPr lang="en-US" b="0" i="1" smtClean="0">
+                              <a:latin typeface="Cambria Math" panose="02040503050406030204" pitchFamily="18" charset="0"/>
+                              <a:ea typeface="Cambria Math" panose="02040503050406030204" pitchFamily="18" charset="0"/>
+                            </a:rPr>
+                          </m:ctrlPr>
+                        </m:sSubPr>
+                        <m:e>
+                          <m:r>
+                            <a:rPr lang="en-US" b="0" i="1" smtClean="0">
+                              <a:latin typeface="Cambria Math" panose="02040503050406030204" pitchFamily="18" charset="0"/>
+                              <a:ea typeface="Cambria Math" panose="02040503050406030204" pitchFamily="18" charset="0"/>
+                            </a:rPr>
+                            <m:t>𝑦</m:t>
+                          </m:r>
+                        </m:e>
+                        <m:sub>
+                          <m:r>
+                            <a:rPr lang="en-US" b="0" i="1" smtClean="0">
+                              <a:latin typeface="Cambria Math" panose="02040503050406030204" pitchFamily="18" charset="0"/>
+                              <a:ea typeface="Cambria Math" panose="02040503050406030204" pitchFamily="18" charset="0"/>
+                            </a:rPr>
+                            <m:t>𝑗</m:t>
+                          </m:r>
+                          <m:r>
+                            <a:rPr lang="en-US" b="0" i="1" smtClean="0">
+                              <a:latin typeface="Cambria Math" panose="02040503050406030204" pitchFamily="18" charset="0"/>
+                              <a:ea typeface="Cambria Math" panose="02040503050406030204" pitchFamily="18" charset="0"/>
+                            </a:rPr>
+                            <m:t>+1</m:t>
+                          </m:r>
+                        </m:sub>
+                      </m:sSub>
+                      <m:r>
+                        <a:rPr lang="en-US" b="0" i="1" smtClean="0">
+                          <a:latin typeface="Cambria Math" panose="02040503050406030204" pitchFamily="18" charset="0"/>
+                          <a:ea typeface="Cambria Math" panose="02040503050406030204" pitchFamily="18" charset="0"/>
+                        </a:rPr>
+                        <m:t>)±</m:t>
+                      </m:r>
+                      <m:r>
+                        <a:rPr lang="en-US" b="0" i="1" smtClean="0">
+                          <a:latin typeface="Cambria Math" panose="02040503050406030204" pitchFamily="18" charset="0"/>
+                          <a:ea typeface="Cambria Math" panose="02040503050406030204" pitchFamily="18" charset="0"/>
+                        </a:rPr>
+                        <m:t>𝑖𝐼𝑚</m:t>
+                      </m:r>
+                      <m:r>
+                        <a:rPr lang="en-US" b="0" i="1" smtClean="0">
+                          <a:latin typeface="Cambria Math" panose="02040503050406030204" pitchFamily="18" charset="0"/>
+                          <a:ea typeface="Cambria Math" panose="02040503050406030204" pitchFamily="18" charset="0"/>
+                        </a:rPr>
+                        <m:t>(</m:t>
+                      </m:r>
+                      <m:sSub>
+                        <m:sSubPr>
+                          <m:ctrlPr>
+                            <a:rPr lang="en-US" b="0" i="1" smtClean="0">
+                              <a:latin typeface="Cambria Math" panose="02040503050406030204" pitchFamily="18" charset="0"/>
+                              <a:ea typeface="Cambria Math" panose="02040503050406030204" pitchFamily="18" charset="0"/>
+                            </a:rPr>
+                          </m:ctrlPr>
+                        </m:sSubPr>
+                        <m:e>
+                          <m:r>
+                            <a:rPr lang="en-US" b="0" i="1" smtClean="0">
+                              <a:latin typeface="Cambria Math" panose="02040503050406030204" pitchFamily="18" charset="0"/>
+                              <a:ea typeface="Cambria Math" panose="02040503050406030204" pitchFamily="18" charset="0"/>
+                            </a:rPr>
+                            <m:t>𝑦</m:t>
+                          </m:r>
+                        </m:e>
+                        <m:sub>
+                          <m:r>
+                            <a:rPr lang="en-US" b="0" i="1" smtClean="0">
+                              <a:latin typeface="Cambria Math" panose="02040503050406030204" pitchFamily="18" charset="0"/>
+                              <a:ea typeface="Cambria Math" panose="02040503050406030204" pitchFamily="18" charset="0"/>
+                            </a:rPr>
+                            <m:t>𝑗</m:t>
+                          </m:r>
+                          <m:r>
+                            <a:rPr lang="en-US" b="0" i="1" smtClean="0">
+                              <a:latin typeface="Cambria Math" panose="02040503050406030204" pitchFamily="18" charset="0"/>
+                              <a:ea typeface="Cambria Math" panose="02040503050406030204" pitchFamily="18" charset="0"/>
+                            </a:rPr>
+                            <m:t>+1</m:t>
+                          </m:r>
+                        </m:sub>
+                      </m:sSub>
+                      <m:r>
+                        <a:rPr lang="en-US" b="0" i="1" smtClean="0">
+                          <a:latin typeface="Cambria Math" panose="02040503050406030204" pitchFamily="18" charset="0"/>
+                          <a:ea typeface="Cambria Math" panose="02040503050406030204" pitchFamily="18" charset="0"/>
+                        </a:rPr>
+                        <m:t>)]</m:t>
+                      </m:r>
+                    </m:oMath>
+                  </m:oMathPara>
+                </a14:m>
+                <a:endParaRPr lang="ru-RU" dirty="0"/>
+              </a:p>
+            </p:txBody>
+          </p:sp>
+        </mc:Choice>
+        <mc:Fallback>
+          <p:sp>
+            <p:nvSpPr>
+              <p:cNvPr id="60" name="TextBox 59"/>
+              <p:cNvSpPr txBox="1">
+                <a:spLocks noRot="1" noChangeAspect="1" noMove="1" noResize="1" noEditPoints="1" noAdjustHandles="1" noChangeArrowheads="1" noChangeShapeType="1" noTextEdit="1"/>
+              </p:cNvSpPr>
+              <p:nvPr/>
+            </p:nvSpPr>
+            <p:spPr>
+              <a:xfrm>
+                <a:off x="1948440" y="5881831"/>
+                <a:ext cx="6393872" cy="319062"/>
+              </a:xfrm>
+              <a:prstGeom prst="rect">
+                <a:avLst/>
+              </a:prstGeom>
+              <a:blipFill rotWithShape="0">
+                <a:blip r:embed="rId7"/>
+                <a:stretch>
+                  <a:fillRect b="-26923"/>
+                </a:stretch>
+              </a:blipFill>
+            </p:spPr>
+            <p:txBody>
+              <a:bodyPr/>
+              <a:lstStyle/>
+              <a:p>
+                <a:r>
+                  <a:rPr lang="ru-RU">
+                    <a:noFill/>
+                  </a:rPr>
+                  <a:t> </a:t>
+                </a:r>
+              </a:p>
+            </p:txBody>
+          </p:sp>
+        </mc:Fallback>
+      </mc:AlternateContent>
+    </p:spTree>
+    <p:extLst>
+      <p:ext uri="{BB962C8B-B14F-4D97-AF65-F5344CB8AC3E}">
+        <p14:creationId xmlns:p14="http://schemas.microsoft.com/office/powerpoint/2010/main" val="3142859641"/>
+      </p:ext>
+    </p:extLst>
+  </p:cSld>
+  <p:clrMapOvr>
+    <a:masterClrMapping/>
+  </p:clrMapOvr>
+</p:sld>
+</file>
+
+<file path=ppt/slides/slide6.xml><?xml version="1.0" encoding="utf-8"?>
+<p:sld xmlns:a="http://schemas.openxmlformats.org/drawingml/2006/main" xmlns:r="http://schemas.openxmlformats.org/officeDocument/2006/relationships" xmlns:p="http://schemas.openxmlformats.org/presentationml/2006/main">
+  <p:cSld>
+    <p:spTree>
+      <p:nvGrpSpPr>
+        <p:cNvPr id="1" name=""/>
+        <p:cNvGrpSpPr/>
+        <p:nvPr/>
+      </p:nvGrpSpPr>
+      <p:grpSpPr>
+        <a:xfrm>
+          <a:off x="0" y="0"/>
+          <a:ext cx="0" cy="0"/>
+          <a:chOff x="0" y="0"/>
+          <a:chExt cx="0" cy="0"/>
+        </a:xfrm>
+      </p:grpSpPr>
+      <p:sp>
+        <p:nvSpPr>
+          <p:cNvPr id="2" name="Заголовок 1"/>
+          <p:cNvSpPr>
+            <a:spLocks noGrp="1"/>
+          </p:cNvSpPr>
+          <p:nvPr>
+            <p:ph type="title"/>
+          </p:nvPr>
+        </p:nvSpPr>
+        <p:spPr>
+          <a:xfrm>
+            <a:off x="838200" y="365126"/>
+            <a:ext cx="10515600" cy="788266"/>
+          </a:xfrm>
+        </p:spPr>
+        <p:txBody>
+          <a:bodyPr>
+            <a:noAutofit/>
+          </a:bodyPr>
+          <a:lstStyle/>
+          <a:p>
+            <a:pPr algn="ctr"/>
+            <a:r>
+              <a:rPr lang="ru-RU" sz="3600" dirty="0" smtClean="0"/>
+              <a:t>МОДЕЛЮВАННЯ </a:t>
+            </a:r>
+            <a:r>
+              <a:rPr lang="ru-RU" sz="3600" dirty="0"/>
+              <a:t>ІЗОТРОПНИХ МОДИФІКОВАНОГО СЕГМЕНТУ </a:t>
+            </a:r>
+            <a:r>
+              <a:rPr lang="uk-UA" sz="3600" dirty="0" smtClean="0"/>
+              <a:t>ПЕРІОДИЧНОГО</a:t>
+            </a:r>
+            <a:r>
+              <a:rPr lang="ru-RU" sz="3600" dirty="0" smtClean="0"/>
+              <a:t> </a:t>
+            </a:r>
+            <a:r>
+              <a:rPr lang="ru-RU" sz="3600" dirty="0"/>
+              <a:t>B-</a:t>
+            </a:r>
+            <a:r>
+              <a:rPr lang="ru-RU" sz="3600" dirty="0" err="1"/>
+              <a:t>сплайнів</a:t>
+            </a:r>
+            <a:endParaRPr lang="ru-RU" sz="3600" dirty="0"/>
+          </a:p>
+        </p:txBody>
+      </p:sp>
+      <p:sp>
+        <p:nvSpPr>
+          <p:cNvPr id="3" name="Объект 2"/>
+          <p:cNvSpPr>
+            <a:spLocks noGrp="1"/>
+          </p:cNvSpPr>
+          <p:nvPr>
+            <p:ph idx="1"/>
+          </p:nvPr>
+        </p:nvSpPr>
+        <p:spPr>
+          <a:xfrm>
+            <a:off x="635578" y="1825625"/>
+            <a:ext cx="10515600" cy="4351338"/>
+          </a:xfrm>
+        </p:spPr>
+        <p:txBody>
+          <a:bodyPr>
+            <a:normAutofit/>
+          </a:bodyPr>
+          <a:lstStyle/>
+          <a:p>
+            <a:pPr marL="0" indent="0">
+              <a:buNone/>
+            </a:pPr>
+            <a:r>
+              <a:rPr lang="ru-RU" sz="2000" dirty="0" smtClean="0"/>
+              <a:t>Для </a:t>
+            </a:r>
+            <a:r>
+              <a:rPr lang="ru-RU" sz="2000" dirty="0" err="1" smtClean="0"/>
+              <a:t>моделювання</a:t>
+            </a:r>
+            <a:r>
+              <a:rPr lang="ru-RU" sz="2000" dirty="0" smtClean="0"/>
+              <a:t> </a:t>
+            </a:r>
+            <a:r>
+              <a:rPr lang="ru-RU" sz="2000" dirty="0" err="1" smtClean="0"/>
+              <a:t>ізотропних</a:t>
+            </a:r>
+            <a:r>
+              <a:rPr lang="ru-RU" sz="2000" dirty="0" smtClean="0"/>
+              <a:t> </a:t>
+            </a:r>
+            <a:r>
+              <a:rPr lang="ru-RU" sz="2000" dirty="0" err="1" smtClean="0"/>
+              <a:t>сегментів</a:t>
+            </a:r>
+            <a:r>
+              <a:rPr lang="ru-RU" sz="2000" dirty="0" smtClean="0"/>
+              <a:t> В-сплайна </a:t>
+            </a:r>
+            <a:r>
+              <a:rPr lang="ru-RU" sz="2000" dirty="0" err="1" smtClean="0"/>
+              <a:t>необхідно</a:t>
+            </a:r>
+            <a:r>
+              <a:rPr lang="ru-RU" sz="2000" dirty="0"/>
+              <a:t> </a:t>
+            </a:r>
+            <a:r>
+              <a:rPr lang="ru-RU" sz="2000" dirty="0" err="1" smtClean="0"/>
+              <a:t>щоб</a:t>
+            </a:r>
+            <a:r>
+              <a:rPr lang="ru-RU" sz="2000" dirty="0" smtClean="0"/>
+              <a:t> </a:t>
+            </a:r>
+            <a:r>
+              <a:rPr lang="ru-RU" sz="2000" dirty="0" err="1" smtClean="0"/>
+              <a:t>дотримувалася</a:t>
+            </a:r>
+            <a:r>
+              <a:rPr lang="ru-RU" sz="2000" dirty="0" smtClean="0"/>
+              <a:t> </a:t>
+            </a:r>
+            <a:r>
+              <a:rPr lang="ru-RU" sz="2000" dirty="0" err="1" smtClean="0"/>
+              <a:t>умова</a:t>
+            </a:r>
+            <a:r>
+              <a:rPr lang="ru-RU" sz="2000" dirty="0" smtClean="0"/>
+              <a:t> </a:t>
+            </a:r>
+            <a:r>
+              <a:rPr lang="ru-RU" sz="2000" dirty="0" err="1" smtClean="0"/>
+              <a:t>ізотропності</a:t>
+            </a:r>
+            <a:r>
+              <a:rPr lang="ru-RU" sz="2000" dirty="0" smtClean="0"/>
+              <a:t>:</a:t>
+            </a:r>
+          </a:p>
+          <a:p>
+            <a:pPr marL="0" indent="0">
+              <a:buNone/>
+            </a:pPr>
+            <a:r>
+              <a:rPr lang="ru-RU" sz="2000" dirty="0" err="1" smtClean="0"/>
+              <a:t>Умова</a:t>
+            </a:r>
+            <a:r>
+              <a:rPr lang="ru-RU" sz="2000" dirty="0" smtClean="0"/>
+              <a:t> </a:t>
+            </a:r>
+            <a:r>
+              <a:rPr lang="ru-RU" sz="2000" dirty="0" err="1" smtClean="0"/>
+              <a:t>изотропности</a:t>
+            </a:r>
+            <a:r>
+              <a:rPr lang="ru-RU" sz="2000" dirty="0" smtClean="0"/>
+              <a:t> для сегмента </a:t>
+            </a:r>
+            <a:r>
+              <a:rPr lang="ru-RU" sz="2000" dirty="0" err="1" smtClean="0"/>
+              <a:t>періодичного</a:t>
+            </a:r>
+            <a:r>
+              <a:rPr lang="ru-RU" sz="2000" dirty="0" smtClean="0"/>
+              <a:t> В-сплайна:</a:t>
+            </a:r>
+          </a:p>
+          <a:p>
+            <a:pPr marL="0" indent="0">
+              <a:buNone/>
+            </a:pPr>
+            <a:endParaRPr lang="uk-UA" sz="2000" dirty="0"/>
+          </a:p>
+          <a:p>
+            <a:pPr marL="0" indent="0">
+              <a:buNone/>
+            </a:pPr>
+            <a:endParaRPr lang="uk-UA" sz="2000" dirty="0" smtClean="0"/>
+          </a:p>
+          <a:p>
+            <a:pPr marL="0" indent="0">
+              <a:buNone/>
+            </a:pPr>
+            <a:r>
+              <a:rPr lang="ru-RU" sz="2000" dirty="0" err="1" smtClean="0"/>
+              <a:t>Умова</a:t>
+            </a:r>
+            <a:r>
+              <a:rPr lang="ru-RU" sz="2000" dirty="0" smtClean="0"/>
+              <a:t> </a:t>
+            </a:r>
+            <a:r>
+              <a:rPr lang="ru-RU" sz="2000" dirty="0" err="1" smtClean="0"/>
+              <a:t>ізотропності</a:t>
+            </a:r>
+            <a:r>
+              <a:rPr lang="ru-RU" sz="2000" dirty="0" smtClean="0"/>
+              <a:t> буде </a:t>
+            </a:r>
+            <a:r>
+              <a:rPr lang="ru-RU" sz="2000" dirty="0" err="1" smtClean="0"/>
+              <a:t>виконуватись</a:t>
+            </a:r>
+            <a:r>
+              <a:rPr lang="ru-RU" sz="2000" dirty="0" smtClean="0"/>
+              <a:t> та не </a:t>
+            </a:r>
+            <a:r>
+              <a:rPr lang="ru-RU" sz="2000" dirty="0" err="1" smtClean="0"/>
+              <a:t>залежати</a:t>
+            </a:r>
+            <a:r>
+              <a:rPr lang="ru-RU" sz="2000" dirty="0" smtClean="0"/>
+              <a:t> </a:t>
+            </a:r>
+            <a:r>
+              <a:rPr lang="ru-RU" sz="2000" dirty="0" err="1" smtClean="0"/>
+              <a:t>від</a:t>
+            </a:r>
+            <a:r>
+              <a:rPr lang="ru-RU" sz="2000" dirty="0" smtClean="0"/>
+              <a:t> </a:t>
+            </a:r>
+            <a:r>
+              <a:rPr lang="ru-RU" sz="2000" dirty="0" err="1" smtClean="0"/>
+              <a:t>значення</a:t>
+            </a:r>
+            <a:r>
+              <a:rPr lang="ru-RU" sz="2000" dirty="0" smtClean="0"/>
+              <a:t> параметра, </a:t>
+            </a:r>
+            <a:r>
+              <a:rPr lang="ru-RU" sz="2000" dirty="0" err="1" smtClean="0"/>
+              <a:t>якщо</a:t>
+            </a:r>
+            <a:r>
+              <a:rPr lang="ru-RU" sz="2000" dirty="0" smtClean="0"/>
+              <a:t> </a:t>
+            </a:r>
+            <a:r>
+              <a:rPr lang="ru-RU" sz="2000" dirty="0" err="1" smtClean="0"/>
+              <a:t>коефіцієнти</a:t>
+            </a:r>
+            <a:r>
+              <a:rPr lang="ru-RU" sz="2000" dirty="0" smtClean="0"/>
+              <a:t> при </a:t>
+            </a:r>
+            <a:r>
+              <a:rPr lang="ru-RU" sz="2000" dirty="0" err="1" smtClean="0"/>
+              <a:t>всіх</a:t>
+            </a:r>
+            <a:r>
+              <a:rPr lang="ru-RU" sz="2000" dirty="0" smtClean="0"/>
+              <a:t> степенях   </a:t>
+            </a:r>
+            <a:r>
+              <a:rPr lang="ru-RU" sz="2000" dirty="0" err="1" smtClean="0"/>
+              <a:t>дорівнюють</a:t>
+            </a:r>
+            <a:r>
+              <a:rPr lang="ru-RU" sz="2000" dirty="0" smtClean="0"/>
+              <a:t> 0.  </a:t>
+            </a:r>
+            <a:r>
+              <a:rPr lang="ru-RU" sz="2000" dirty="0" err="1" smtClean="0"/>
+              <a:t>Тобто</a:t>
+            </a:r>
+            <a:r>
+              <a:rPr lang="ru-RU" sz="2000" dirty="0" smtClean="0"/>
+              <a:t> одержимо </a:t>
+            </a:r>
+            <a:r>
+              <a:rPr lang="ru-RU" sz="2000" dirty="0" err="1" smtClean="0"/>
+              <a:t>рівняння</a:t>
+            </a:r>
+            <a:r>
+              <a:rPr lang="ru-RU" sz="2000" dirty="0" smtClean="0"/>
+              <a:t>:</a:t>
+            </a:r>
+          </a:p>
+          <a:p>
+            <a:pPr marL="0" indent="0">
+              <a:buNone/>
+            </a:pPr>
+            <a:endParaRPr lang="uk-UA" sz="2000" dirty="0"/>
+          </a:p>
+          <a:p>
+            <a:pPr marL="0" indent="0">
+              <a:buNone/>
+            </a:pPr>
+            <a:endParaRPr lang="ru-RU" sz="2000" dirty="0"/>
+          </a:p>
+        </p:txBody>
+      </p:sp>
+      <p:graphicFrame>
+        <p:nvGraphicFramePr>
+          <p:cNvPr id="5" name="Object 18"/>
+          <p:cNvGraphicFramePr>
+            <a:graphicFrameLocks noChangeAspect="1"/>
+          </p:cNvGraphicFramePr>
+          <p:nvPr>
+            <p:extLst>
+              <p:ext uri="{D42A27DB-BD31-4B8C-83A1-F6EECF244321}">
+                <p14:modId xmlns:p14="http://schemas.microsoft.com/office/powerpoint/2010/main" val="8289574"/>
+              </p:ext>
+            </p:extLst>
+          </p:nvPr>
+        </p:nvGraphicFramePr>
+        <p:xfrm>
+          <a:off x="2417329" y="2074718"/>
+          <a:ext cx="1744663" cy="401638"/>
+        </p:xfrm>
+        <a:graphic>
+          <a:graphicData uri="http://schemas.openxmlformats.org/presentationml/2006/ole">
+            <mc:AlternateContent xmlns:mc="http://schemas.openxmlformats.org/markup-compatibility/2006">
+              <mc:Choice xmlns:v="urn:schemas-microsoft-com:vml" Requires="v">
+                <p:oleObj spid="_x0000_s4139" name="Формула" r:id="rId3" imgW="1104840" imgH="253800" progId="Equation.3">
+                  <p:embed/>
+                </p:oleObj>
+              </mc:Choice>
+              <mc:Fallback>
+                <p:oleObj name="Формула" r:id="rId3" imgW="1104840" imgH="253800" progId="Equation.3">
+                  <p:embed/>
+                  <p:pic>
+                    <p:nvPicPr>
+                      <p:cNvPr id="0" name=""/>
+                      <p:cNvPicPr>
+                        <a:picLocks noChangeAspect="1" noChangeArrowheads="1"/>
+                      </p:cNvPicPr>
+                      <p:nvPr/>
+                    </p:nvPicPr>
+                    <p:blipFill>
+                      <a:blip r:embed="rId4">
+                        <a:extLst>
+                          <a:ext uri="{28A0092B-C50C-407E-A947-70E740481C1C}">
+                            <a14:useLocalDpi xmlns:a14="http://schemas.microsoft.com/office/drawing/2010/main" val="0"/>
+                          </a:ext>
+                        </a:extLst>
+                      </a:blip>
+                      <a:srcRect/>
+                      <a:stretch>
+                        <a:fillRect/>
+                      </a:stretch>
+                    </p:blipFill>
+                    <p:spPr bwMode="auto">
+                      <a:xfrm>
+                        <a:off x="2417329" y="2074718"/>
+                        <a:ext cx="1744663" cy="401638"/>
+                      </a:xfrm>
+                      <a:prstGeom prst="rect">
+                        <a:avLst/>
+                      </a:prstGeom>
+                      <a:noFill/>
+                      <a:extLst>
+                        <a:ext uri="{909E8E84-426E-40DD-AFC4-6F175D3DCCD1}">
+                          <a14:hiddenFill xmlns:a14="http://schemas.microsoft.com/office/drawing/2010/main">
+                            <a:solidFill>
+                              <a:srgbClr val="FFFFFF"/>
+                            </a:solidFill>
+                          </a14:hiddenFill>
+                        </a:ext>
+                      </a:extLst>
+                    </p:spPr>
+                  </p:pic>
+                </p:oleObj>
+              </mc:Fallback>
+            </mc:AlternateContent>
+          </a:graphicData>
+        </a:graphic>
+      </p:graphicFrame>
+      <p:graphicFrame>
+        <p:nvGraphicFramePr>
+          <p:cNvPr id="8" name="Object 7"/>
+          <p:cNvGraphicFramePr>
+            <a:graphicFrameLocks noChangeAspect="1"/>
+          </p:cNvGraphicFramePr>
+          <p:nvPr>
+            <p:extLst>
+              <p:ext uri="{D42A27DB-BD31-4B8C-83A1-F6EECF244321}">
+                <p14:modId xmlns:p14="http://schemas.microsoft.com/office/powerpoint/2010/main" val="709975187"/>
+              </p:ext>
+            </p:extLst>
+          </p:nvPr>
+        </p:nvGraphicFramePr>
+        <p:xfrm>
+          <a:off x="2040516" y="3033351"/>
+          <a:ext cx="7705725" cy="646113"/>
+        </p:xfrm>
+        <a:graphic>
+          <a:graphicData uri="http://schemas.openxmlformats.org/presentationml/2006/ole">
+            <mc:AlternateContent xmlns:mc="http://schemas.openxmlformats.org/markup-compatibility/2006">
+              <mc:Choice xmlns:v="urn:schemas-microsoft-com:vml" Requires="v">
+                <p:oleObj spid="_x0000_s4140" name="Microsoft Equation 3.0" r:id="rId5" imgW="5067300" imgH="444500" progId="Equation.3">
+                  <p:embed/>
+                </p:oleObj>
+              </mc:Choice>
+              <mc:Fallback>
+                <p:oleObj name="Microsoft Equation 3.0" r:id="rId5" imgW="5067300" imgH="444500" progId="Equation.3">
+                  <p:embed/>
+                  <p:pic>
+                    <p:nvPicPr>
+                      <p:cNvPr id="0" name=""/>
+                      <p:cNvPicPr>
+                        <a:picLocks noChangeAspect="1" noChangeArrowheads="1"/>
+                      </p:cNvPicPr>
+                      <p:nvPr/>
+                    </p:nvPicPr>
+                    <p:blipFill>
+                      <a:blip r:embed="rId6">
+                        <a:extLst>
+                          <a:ext uri="{28A0092B-C50C-407E-A947-70E740481C1C}">
+                            <a14:useLocalDpi xmlns:a14="http://schemas.microsoft.com/office/drawing/2010/main" val="0"/>
+                          </a:ext>
+                        </a:extLst>
+                      </a:blip>
+                      <a:srcRect/>
+                      <a:stretch>
+                        <a:fillRect/>
+                      </a:stretch>
+                    </p:blipFill>
+                    <p:spPr bwMode="auto">
+                      <a:xfrm>
+                        <a:off x="2040516" y="3033351"/>
+                        <a:ext cx="7705725" cy="646113"/>
+                      </a:xfrm>
+                      <a:prstGeom prst="rect">
+                        <a:avLst/>
+                      </a:prstGeom>
+                      <a:noFill/>
+                      <a:extLst>
+                        <a:ext uri="{909E8E84-426E-40DD-AFC4-6F175D3DCCD1}">
+                          <a14:hiddenFill xmlns:a14="http://schemas.microsoft.com/office/drawing/2010/main">
+                            <a:solidFill>
+                              <a:srgbClr val="FFFFFF"/>
+                            </a:solidFill>
+                          </a14:hiddenFill>
+                        </a:ext>
+                      </a:extLst>
+                    </p:spPr>
+                  </p:pic>
+                </p:oleObj>
+              </mc:Fallback>
+            </mc:AlternateContent>
+          </a:graphicData>
+        </a:graphic>
+      </p:graphicFrame>
+      <p:graphicFrame>
+        <p:nvGraphicFramePr>
+          <p:cNvPr id="13" name="Object 4"/>
+          <p:cNvGraphicFramePr>
+            <a:graphicFrameLocks noChangeAspect="1"/>
+          </p:cNvGraphicFramePr>
+          <p:nvPr>
+            <p:extLst>
+              <p:ext uri="{D42A27DB-BD31-4B8C-83A1-F6EECF244321}">
+                <p14:modId xmlns:p14="http://schemas.microsoft.com/office/powerpoint/2010/main" val="590115468"/>
+              </p:ext>
+            </p:extLst>
+          </p:nvPr>
+        </p:nvGraphicFramePr>
+        <p:xfrm>
+          <a:off x="4067031" y="4460876"/>
+          <a:ext cx="3262312" cy="1716087"/>
+        </p:xfrm>
+        <a:graphic>
+          <a:graphicData uri="http://schemas.openxmlformats.org/presentationml/2006/ole">
+            <mc:AlternateContent xmlns:mc="http://schemas.openxmlformats.org/markup-compatibility/2006">
+              <mc:Choice xmlns:v="urn:schemas-microsoft-com:vml" Requires="v">
+                <p:oleObj spid="_x0000_s4141" name="Формула" r:id="rId7" imgW="2184120" imgH="1168200" progId="Equation.3">
+                  <p:embed/>
+                </p:oleObj>
+              </mc:Choice>
+              <mc:Fallback>
+                <p:oleObj name="Формула" r:id="rId7" imgW="2184120" imgH="1168200" progId="Equation.3">
+                  <p:embed/>
+                  <p:pic>
+                    <p:nvPicPr>
+                      <p:cNvPr id="0" name=""/>
+                      <p:cNvPicPr>
+                        <a:picLocks noChangeAspect="1" noChangeArrowheads="1"/>
+                      </p:cNvPicPr>
+                      <p:nvPr/>
+                    </p:nvPicPr>
+                    <p:blipFill>
+                      <a:blip r:embed="rId8">
+                        <a:extLst>
+                          <a:ext uri="{28A0092B-C50C-407E-A947-70E740481C1C}">
+                            <a14:useLocalDpi xmlns:a14="http://schemas.microsoft.com/office/drawing/2010/main" val="0"/>
+                          </a:ext>
+                        </a:extLst>
+                      </a:blip>
+                      <a:srcRect/>
+                      <a:stretch>
+                        <a:fillRect/>
+                      </a:stretch>
+                    </p:blipFill>
+                    <p:spPr bwMode="auto">
+                      <a:xfrm>
+                        <a:off x="4067031" y="4460876"/>
+                        <a:ext cx="3262312" cy="1716087"/>
+                      </a:xfrm>
+                      <a:prstGeom prst="rect">
+                        <a:avLst/>
+                      </a:prstGeom>
+                      <a:noFill/>
+                      <a:extLst>
+                        <a:ext uri="{909E8E84-426E-40DD-AFC4-6F175D3DCCD1}">
+                          <a14:hiddenFill xmlns:a14="http://schemas.microsoft.com/office/drawing/2010/main">
+                            <a:solidFill>
+                              <a:srgbClr val="FFFFFF"/>
+                            </a:solidFill>
+                          </a14:hiddenFill>
+                        </a:ext>
+                      </a:extLst>
+                    </p:spPr>
+                  </p:pic>
+                </p:oleObj>
+              </mc:Fallback>
+            </mc:AlternateContent>
+          </a:graphicData>
+        </a:graphic>
+      </p:graphicFrame>
+    </p:spTree>
+    <p:extLst>
+      <p:ext uri="{BB962C8B-B14F-4D97-AF65-F5344CB8AC3E}">
+        <p14:creationId xmlns:p14="http://schemas.microsoft.com/office/powerpoint/2010/main" val="2472483441"/>
+      </p:ext>
+    </p:extLst>
+  </p:cSld>
+  <p:clrMapOvr>
+    <a:masterClrMapping/>
+  </p:clrMapOvr>
+</p:sld>
+</file>
+
+<file path=ppt/slides/slide7.xml><?xml version="1.0" encoding="utf-8"?>
+<p:sld xmlns:a="http://schemas.openxmlformats.org/drawingml/2006/main" xmlns:r="http://schemas.openxmlformats.org/officeDocument/2006/relationships" xmlns:p="http://schemas.openxmlformats.org/presentationml/2006/main">
+  <p:cSld>
+    <p:spTree>
+      <p:nvGrpSpPr>
+        <p:cNvPr id="1" name=""/>
+        <p:cNvGrpSpPr/>
+        <p:nvPr/>
+      </p:nvGrpSpPr>
+      <p:grpSpPr>
+        <a:xfrm>
+          <a:off x="0" y="0"/>
+          <a:ext cx="0" cy="0"/>
+          <a:chOff x="0" y="0"/>
+          <a:chExt cx="0" cy="0"/>
+        </a:xfrm>
+      </p:grpSpPr>
+      <p:sp>
+        <p:nvSpPr>
+          <p:cNvPr id="2" name="Заголовок 1"/>
+          <p:cNvSpPr>
+            <a:spLocks noGrp="1"/>
+          </p:cNvSpPr>
+          <p:nvPr>
+            <p:ph type="title"/>
+          </p:nvPr>
+        </p:nvSpPr>
+        <p:spPr/>
+        <p:txBody>
+          <a:bodyPr>
+            <a:normAutofit fontScale="90000"/>
+          </a:bodyPr>
+          <a:lstStyle/>
+          <a:p>
+            <a:r>
+              <a:rPr lang="ru-RU" dirty="0" smtClean="0"/>
+              <a:t>МОДЕЛЮВАННЯ ІЗОТРОПНИХ МОДИФІКОВАНОГО СЕГМЕНТУ B-</a:t>
+            </a:r>
+            <a:r>
+              <a:rPr lang="ru-RU" dirty="0" err="1" smtClean="0"/>
+              <a:t>сплайнів</a:t>
+            </a:r>
+            <a:r>
+              <a:rPr lang="ru-RU" dirty="0" smtClean="0"/>
+              <a:t> ДЛЯ ПЛОСКОГО ВИПАДКУ</a:t>
+            </a:r>
+            <a:endParaRPr lang="ru-RU" dirty="0"/>
+          </a:p>
+        </p:txBody>
+      </p:sp>
+      <p:sp>
+        <p:nvSpPr>
+          <p:cNvPr id="3" name="Объект 2"/>
+          <p:cNvSpPr>
+            <a:spLocks noGrp="1"/>
+          </p:cNvSpPr>
+          <p:nvPr>
+            <p:ph idx="1"/>
+          </p:nvPr>
+        </p:nvSpPr>
+        <p:spPr/>
+        <p:txBody>
+          <a:bodyPr/>
+          <a:lstStyle/>
+          <a:p>
+            <a:pPr marL="0" indent="0">
+              <a:buNone/>
+            </a:pPr>
+            <a:r>
+              <a:rPr lang="uk-UA" dirty="0" smtClean="0"/>
+              <a:t> </a:t>
+            </a:r>
+            <a:r>
+              <a:rPr lang="uk-UA" sz="2000" dirty="0"/>
+              <a:t>З урахуванням виразів  </a:t>
+            </a:r>
+            <a:r>
+              <a:rPr lang="uk-UA" sz="2000" dirty="0" smtClean="0"/>
+              <a:t>умови ізотропності </a:t>
+            </a:r>
+            <a:r>
+              <a:rPr lang="uk-UA" sz="2000" dirty="0"/>
+              <a:t>ординати реперних точок будуть визначатися наступним </a:t>
+            </a:r>
+            <a:r>
+              <a:rPr lang="uk-UA" sz="2000" dirty="0" smtClean="0"/>
+              <a:t>чином:</a:t>
+            </a:r>
+          </a:p>
+          <a:p>
+            <a:pPr marL="0" indent="0">
+              <a:buNone/>
+            </a:pPr>
+            <a:endParaRPr lang="uk-UA" sz="2000" dirty="0"/>
+          </a:p>
+          <a:p>
+            <a:pPr marL="0" indent="0">
+              <a:buNone/>
+            </a:pPr>
+            <a:endParaRPr lang="uk-UA" sz="2000" dirty="0" smtClean="0"/>
+          </a:p>
+          <a:p>
+            <a:pPr marL="0" indent="0">
+              <a:buNone/>
+            </a:pPr>
+            <a:endParaRPr lang="uk-UA" sz="2000" dirty="0"/>
+          </a:p>
+          <a:p>
+            <a:pPr marL="0" indent="0">
+              <a:buNone/>
+            </a:pPr>
+            <a:r>
+              <a:rPr lang="ru-RU" sz="2000" dirty="0" err="1" smtClean="0"/>
+              <a:t>Виділимо</a:t>
+            </a:r>
+            <a:r>
+              <a:rPr lang="ru-RU" sz="2000" dirty="0" smtClean="0"/>
+              <a:t> </a:t>
+            </a:r>
+            <a:r>
+              <a:rPr lang="ru-RU" sz="2000" dirty="0" err="1" smtClean="0"/>
+              <a:t>окремо</a:t>
+            </a:r>
+            <a:r>
+              <a:rPr lang="ru-RU" sz="2000" dirty="0" smtClean="0"/>
+              <a:t> </a:t>
+            </a:r>
+            <a:r>
+              <a:rPr lang="ru-RU" sz="2000" dirty="0" err="1" smtClean="0"/>
+              <a:t>дійсну</a:t>
+            </a:r>
+            <a:r>
+              <a:rPr lang="ru-RU" sz="2000" dirty="0" smtClean="0"/>
+              <a:t>  </a:t>
+            </a:r>
+            <a:r>
+              <a:rPr lang="en-US" sz="2000" dirty="0" smtClean="0"/>
+              <a:t>Re(y)</a:t>
+            </a:r>
+            <a:r>
+              <a:rPr lang="ru-RU" sz="2000" dirty="0" smtClean="0"/>
+              <a:t>  та </a:t>
+            </a:r>
+            <a:r>
+              <a:rPr lang="ru-RU" sz="2000" dirty="0" err="1" smtClean="0"/>
+              <a:t>уявну</a:t>
+            </a:r>
+            <a:r>
+              <a:rPr lang="ru-RU" sz="2000" dirty="0" smtClean="0"/>
+              <a:t> </a:t>
+            </a:r>
+            <a:r>
+              <a:rPr lang="en-US" sz="2000" dirty="0" err="1" smtClean="0"/>
+              <a:t>Im</a:t>
+            </a:r>
+            <a:r>
+              <a:rPr lang="en-US" sz="2000" dirty="0" smtClean="0"/>
+              <a:t>(y)</a:t>
+            </a:r>
+            <a:r>
+              <a:rPr lang="ru-RU" sz="2000" dirty="0" smtClean="0"/>
+              <a:t>  </a:t>
+            </a:r>
+            <a:r>
+              <a:rPr lang="ru-RU" sz="2000" dirty="0" err="1" smtClean="0"/>
+              <a:t>частини</a:t>
+            </a:r>
+            <a:r>
+              <a:rPr lang="ru-RU" sz="2000" dirty="0" smtClean="0"/>
+              <a:t> та </a:t>
+            </a:r>
+            <a:r>
+              <a:rPr lang="ru-RU" sz="2000" dirty="0" err="1" smtClean="0"/>
+              <a:t>будемо</a:t>
+            </a:r>
+            <a:r>
+              <a:rPr lang="ru-RU" sz="2000" dirty="0" smtClean="0"/>
+              <a:t> </a:t>
+            </a:r>
+            <a:r>
+              <a:rPr lang="ru-RU" sz="2000" dirty="0" err="1" smtClean="0"/>
+              <a:t>задавати</a:t>
+            </a:r>
+            <a:r>
+              <a:rPr lang="ru-RU" sz="2000" dirty="0" smtClean="0"/>
+              <a:t> на </a:t>
+            </a:r>
+            <a:r>
+              <a:rPr lang="ru-RU" sz="2000" dirty="0" err="1" smtClean="0"/>
+              <a:t>площині</a:t>
+            </a:r>
+            <a:r>
+              <a:rPr lang="ru-RU" sz="2000" dirty="0" smtClean="0"/>
+              <a:t> </a:t>
+            </a:r>
+            <a:r>
+              <a:rPr lang="ru-RU" sz="2000" dirty="0" err="1" smtClean="0"/>
+              <a:t>плоску</a:t>
+            </a:r>
+            <a:r>
+              <a:rPr lang="ru-RU" sz="2000" dirty="0" smtClean="0"/>
+              <a:t> </a:t>
+            </a:r>
+            <a:r>
+              <a:rPr lang="ru-RU" sz="2000" dirty="0" err="1" smtClean="0"/>
+              <a:t>дійсну</a:t>
+            </a:r>
+            <a:r>
+              <a:rPr lang="ru-RU" sz="2000" dirty="0" smtClean="0"/>
+              <a:t> </a:t>
+            </a:r>
+            <a:r>
+              <a:rPr lang="ru-RU" sz="2000" dirty="0" err="1" smtClean="0"/>
+              <a:t>криву</a:t>
+            </a:r>
+            <a:r>
+              <a:rPr lang="en-US" sz="2000" dirty="0" smtClean="0"/>
+              <a:t>.</a:t>
+            </a:r>
+            <a:r>
+              <a:rPr lang="uk-UA" sz="2000" dirty="0"/>
+              <a:t> В результаті одержимо: </a:t>
+            </a:r>
+            <a:endParaRPr lang="en-US" sz="2000" dirty="0" smtClean="0"/>
+          </a:p>
+          <a:p>
+            <a:pPr marL="0" indent="0">
+              <a:buNone/>
+            </a:pPr>
+            <a:endParaRPr lang="uk-UA" sz="2000" dirty="0" smtClean="0"/>
+          </a:p>
+          <a:p>
+            <a:pPr marL="0" indent="0">
+              <a:buNone/>
+            </a:pPr>
+            <a:endParaRPr lang="uk-UA" sz="2000" dirty="0"/>
+          </a:p>
+          <a:p>
+            <a:pPr marL="0" indent="0">
+              <a:buNone/>
+            </a:pPr>
+            <a:endParaRPr lang="uk-UA" sz="2000" dirty="0" smtClean="0"/>
+          </a:p>
+          <a:p>
+            <a:pPr marL="0" indent="0">
+              <a:buNone/>
+            </a:pPr>
+            <a:endParaRPr lang="ru-RU" sz="2000" dirty="0"/>
+          </a:p>
+        </p:txBody>
+      </p:sp>
+      <p:graphicFrame>
+        <p:nvGraphicFramePr>
+          <p:cNvPr id="5" name="Object 4"/>
+          <p:cNvGraphicFramePr>
+            <a:graphicFrameLocks noChangeAspect="1"/>
+          </p:cNvGraphicFramePr>
+          <p:nvPr>
+            <p:extLst>
+              <p:ext uri="{D42A27DB-BD31-4B8C-83A1-F6EECF244321}">
+                <p14:modId xmlns:p14="http://schemas.microsoft.com/office/powerpoint/2010/main" val="1377007876"/>
+              </p:ext>
+            </p:extLst>
+          </p:nvPr>
+        </p:nvGraphicFramePr>
+        <p:xfrm>
+          <a:off x="4495800" y="2643620"/>
+          <a:ext cx="2305050" cy="1071563"/>
+        </p:xfrm>
+        <a:graphic>
+          <a:graphicData uri="http://schemas.openxmlformats.org/presentationml/2006/ole">
+            <mc:AlternateContent xmlns:mc="http://schemas.openxmlformats.org/markup-compatibility/2006">
+              <mc:Choice xmlns:v="urn:schemas-microsoft-com:vml" Requires="v">
+                <p:oleObj spid="_x0000_s5147" name="Microsoft Equation 3.0" r:id="rId3" imgW="1511300" imgH="711200" progId="Equation.3">
+                  <p:embed/>
+                </p:oleObj>
+              </mc:Choice>
+              <mc:Fallback>
+                <p:oleObj name="Microsoft Equation 3.0" r:id="rId3" imgW="1511300" imgH="711200" progId="Equation.3">
+                  <p:embed/>
+                  <p:pic>
+                    <p:nvPicPr>
+                      <p:cNvPr id="0" name=""/>
+                      <p:cNvPicPr>
+                        <a:picLocks noChangeAspect="1" noChangeArrowheads="1"/>
+                      </p:cNvPicPr>
+                      <p:nvPr/>
+                    </p:nvPicPr>
+                    <p:blipFill>
+                      <a:blip r:embed="rId4">
+                        <a:extLst>
+                          <a:ext uri="{28A0092B-C50C-407E-A947-70E740481C1C}">
+                            <a14:useLocalDpi xmlns:a14="http://schemas.microsoft.com/office/drawing/2010/main" val="0"/>
+                          </a:ext>
+                        </a:extLst>
+                      </a:blip>
+                      <a:srcRect/>
+                      <a:stretch>
+                        <a:fillRect/>
+                      </a:stretch>
+                    </p:blipFill>
+                    <p:spPr bwMode="auto">
+                      <a:xfrm>
+                        <a:off x="4495800" y="2643620"/>
+                        <a:ext cx="2305050" cy="1071563"/>
+                      </a:xfrm>
+                      <a:prstGeom prst="rect">
+                        <a:avLst/>
+                      </a:prstGeom>
+                      <a:noFill/>
+                      <a:extLst>
+                        <a:ext uri="{909E8E84-426E-40DD-AFC4-6F175D3DCCD1}">
+                          <a14:hiddenFill xmlns:a14="http://schemas.microsoft.com/office/drawing/2010/main">
+                            <a:solidFill>
+                              <a:srgbClr val="FFFFFF"/>
+                            </a:solidFill>
+                          </a14:hiddenFill>
+                        </a:ext>
+                      </a:extLst>
+                    </p:spPr>
+                  </p:pic>
+                </p:oleObj>
+              </mc:Fallback>
+            </mc:AlternateContent>
+          </a:graphicData>
+        </a:graphic>
+      </p:graphicFrame>
+      <p:graphicFrame>
+        <p:nvGraphicFramePr>
+          <p:cNvPr id="11" name="Object 10"/>
+          <p:cNvGraphicFramePr>
+            <a:graphicFrameLocks noChangeAspect="1"/>
+          </p:cNvGraphicFramePr>
+          <p:nvPr>
+            <p:extLst>
+              <p:ext uri="{D42A27DB-BD31-4B8C-83A1-F6EECF244321}">
+                <p14:modId xmlns:p14="http://schemas.microsoft.com/office/powerpoint/2010/main" val="1642795303"/>
+              </p:ext>
+            </p:extLst>
+          </p:nvPr>
+        </p:nvGraphicFramePr>
+        <p:xfrm>
+          <a:off x="4346575" y="4624821"/>
+          <a:ext cx="3071813" cy="1800225"/>
+        </p:xfrm>
+        <a:graphic>
+          <a:graphicData uri="http://schemas.openxmlformats.org/presentationml/2006/ole">
+            <mc:AlternateContent xmlns:mc="http://schemas.openxmlformats.org/markup-compatibility/2006">
+              <mc:Choice xmlns:v="urn:schemas-microsoft-com:vml" Requires="v">
+                <p:oleObj spid="_x0000_s5148" name="Формула" r:id="rId5" imgW="2514600" imgH="1473120" progId="Equation.3">
+                  <p:embed/>
+                </p:oleObj>
+              </mc:Choice>
+              <mc:Fallback>
+                <p:oleObj name="Формула" r:id="rId5" imgW="2514600" imgH="1473120" progId="Equation.3">
+                  <p:embed/>
+                  <p:pic>
+                    <p:nvPicPr>
+                      <p:cNvPr id="0" name=""/>
+                      <p:cNvPicPr>
+                        <a:picLocks noChangeAspect="1" noChangeArrowheads="1"/>
+                      </p:cNvPicPr>
+                      <p:nvPr/>
+                    </p:nvPicPr>
+                    <p:blipFill>
+                      <a:blip r:embed="rId6">
+                        <a:extLst>
+                          <a:ext uri="{28A0092B-C50C-407E-A947-70E740481C1C}">
+                            <a14:useLocalDpi xmlns:a14="http://schemas.microsoft.com/office/drawing/2010/main" val="0"/>
+                          </a:ext>
+                        </a:extLst>
+                      </a:blip>
+                      <a:srcRect/>
+                      <a:stretch>
+                        <a:fillRect/>
+                      </a:stretch>
+                    </p:blipFill>
+                    <p:spPr bwMode="auto">
+                      <a:xfrm>
+                        <a:off x="4346575" y="4624821"/>
+                        <a:ext cx="3071813" cy="1800225"/>
+                      </a:xfrm>
+                      <a:prstGeom prst="rect">
+                        <a:avLst/>
+                      </a:prstGeom>
+                      <a:noFill/>
+                      <a:extLst>
+                        <a:ext uri="{909E8E84-426E-40DD-AFC4-6F175D3DCCD1}">
+                          <a14:hiddenFill xmlns:a14="http://schemas.microsoft.com/office/drawing/2010/main">
+                            <a:solidFill>
+                              <a:srgbClr val="FFFFFF"/>
+                            </a:solidFill>
+                          </a14:hiddenFill>
+                        </a:ext>
+                      </a:extLst>
+                    </p:spPr>
+                  </p:pic>
+                </p:oleObj>
+              </mc:Fallback>
+            </mc:AlternateContent>
+          </a:graphicData>
+        </a:graphic>
+      </p:graphicFrame>
+    </p:spTree>
+    <p:extLst>
+      <p:ext uri="{BB962C8B-B14F-4D97-AF65-F5344CB8AC3E}">
+        <p14:creationId xmlns:p14="http://schemas.microsoft.com/office/powerpoint/2010/main" val="209504848"/>
+      </p:ext>
+    </p:extLst>
+  </p:cSld>
+  <p:clrMapOvr>
+    <a:masterClrMapping/>
+  </p:clrMapOvr>
+</p:sld>
+</file>
+
+<file path=ppt/slides/slide8.xml><?xml version="1.0" encoding="utf-8"?>
+<p:sld xmlns:a="http://schemas.openxmlformats.org/drawingml/2006/main" xmlns:r="http://schemas.openxmlformats.org/officeDocument/2006/relationships" xmlns:p="http://schemas.openxmlformats.org/presentationml/2006/main">
+  <p:cSld>
+    <p:spTree>
+      <p:nvGrpSpPr>
+        <p:cNvPr id="1" name=""/>
+        <p:cNvGrpSpPr/>
+        <p:nvPr/>
+      </p:nvGrpSpPr>
+      <p:grpSpPr>
+        <a:xfrm>
+          <a:off x="0" y="0"/>
+          <a:ext cx="0" cy="0"/>
+          <a:chOff x="0" y="0"/>
+          <a:chExt cx="0" cy="0"/>
+        </a:xfrm>
+      </p:grpSpPr>
+      <p:sp>
+        <p:nvSpPr>
+          <p:cNvPr id="2" name="Заголовок 1"/>
+          <p:cNvSpPr>
+            <a:spLocks noGrp="1"/>
+          </p:cNvSpPr>
+          <p:nvPr>
+            <p:ph type="title"/>
+          </p:nvPr>
+        </p:nvSpPr>
+        <p:spPr/>
+        <p:txBody>
+          <a:bodyPr>
+            <a:normAutofit fontScale="90000"/>
+          </a:bodyPr>
+          <a:lstStyle/>
+          <a:p>
+            <a:r>
+              <a:rPr lang="ru-RU" dirty="0" smtClean="0"/>
+              <a:t>МОДЕЛЮВАННЯ</a:t>
+            </a:r>
+            <a:r>
+              <a:rPr lang="en-US" dirty="0"/>
+              <a:t> </a:t>
+            </a:r>
+            <a:r>
+              <a:rPr lang="uk-UA" dirty="0" smtClean="0"/>
+              <a:t>ІЗОТЕРМІЧНОЇ</a:t>
+            </a:r>
+            <a:r>
+              <a:rPr lang="ru-RU" dirty="0" smtClean="0"/>
+              <a:t/>
+            </a:r>
+            <a:br>
+              <a:rPr lang="ru-RU" dirty="0" smtClean="0"/>
+            </a:br>
+            <a:r>
+              <a:rPr lang="ru-RU" dirty="0" smtClean="0"/>
+              <a:t>ОРТОГОНАЛЬНОЇ  ПЛОСКОЇ СІТКИ НА ОСНОВІ</a:t>
+            </a:r>
+            <a:r>
+              <a:rPr lang="en-US" dirty="0" smtClean="0"/>
+              <a:t> </a:t>
+            </a:r>
+            <a:r>
+              <a:rPr lang="ru-RU" dirty="0" smtClean="0"/>
+              <a:t>B- СПЛАЙНІВ</a:t>
+            </a:r>
+            <a:endParaRPr lang="ru-RU" dirty="0"/>
+          </a:p>
+        </p:txBody>
+      </p:sp>
+      <p:sp>
+        <p:nvSpPr>
+          <p:cNvPr id="3" name="Объект 2"/>
+          <p:cNvSpPr>
+            <a:spLocks noGrp="1"/>
+          </p:cNvSpPr>
+          <p:nvPr>
+            <p:ph idx="1"/>
+          </p:nvPr>
+        </p:nvSpPr>
+        <p:spPr/>
+        <p:txBody>
+          <a:bodyPr>
+            <a:normAutofit fontScale="92500" lnSpcReduction="20000"/>
+          </a:bodyPr>
+          <a:lstStyle/>
+          <a:p>
+            <a:pPr marL="0" indent="0">
+              <a:buNone/>
+            </a:pPr>
+            <a:r>
+              <a:rPr lang="ru-RU" sz="2000" dirty="0" err="1" smtClean="0"/>
+              <a:t>Побудуємо</a:t>
+            </a:r>
+            <a:r>
+              <a:rPr lang="ru-RU" sz="2000" dirty="0" smtClean="0"/>
+              <a:t> </a:t>
+            </a:r>
+            <a:r>
+              <a:rPr lang="ru-RU" sz="2000" dirty="0" err="1" smtClean="0"/>
+              <a:t>плоску</a:t>
+            </a:r>
+            <a:r>
+              <a:rPr lang="ru-RU" sz="2000" dirty="0" smtClean="0"/>
+              <a:t> </a:t>
+            </a:r>
+            <a:r>
+              <a:rPr lang="ru-RU" sz="2000" dirty="0" err="1" smtClean="0"/>
+              <a:t>сітку</a:t>
+            </a:r>
+            <a:r>
+              <a:rPr lang="ru-RU" sz="2000" dirty="0" smtClean="0"/>
+              <a:t> на </a:t>
+            </a:r>
+            <a:r>
+              <a:rPr lang="ru-RU" sz="2000" dirty="0" err="1" smtClean="0"/>
+              <a:t>основі</a:t>
+            </a:r>
+            <a:r>
+              <a:rPr lang="ru-RU" sz="2000" dirty="0" smtClean="0"/>
+              <a:t>  </a:t>
+            </a:r>
+            <a:r>
+              <a:rPr lang="ru-RU" sz="2000" dirty="0" err="1" smtClean="0"/>
+              <a:t>ізотропного</a:t>
+            </a:r>
+            <a:r>
+              <a:rPr lang="ru-RU" sz="2000" dirty="0" smtClean="0"/>
+              <a:t> </a:t>
+            </a:r>
+            <a:r>
+              <a:rPr lang="ru-RU" sz="2000" dirty="0" err="1" smtClean="0"/>
+              <a:t>періодичного</a:t>
+            </a:r>
+            <a:r>
+              <a:rPr lang="ru-RU" sz="2000" dirty="0" smtClean="0"/>
+              <a:t> </a:t>
+            </a:r>
+            <a:r>
+              <a:rPr lang="ru-RU" sz="2000" dirty="0" err="1" smtClean="0"/>
+              <a:t>нормалізованого</a:t>
+            </a:r>
+            <a:r>
+              <a:rPr lang="ru-RU" sz="2000" dirty="0" smtClean="0"/>
+              <a:t> B-сплайну четвертого порядку з конформною </a:t>
+            </a:r>
+            <a:r>
+              <a:rPr lang="ru-RU" sz="2000" dirty="0" err="1" smtClean="0"/>
+              <a:t>заміною</a:t>
+            </a:r>
+            <a:r>
+              <a:rPr lang="ru-RU" sz="2000" dirty="0" smtClean="0"/>
+              <a:t> параметра. Для </a:t>
+            </a:r>
+            <a:r>
+              <a:rPr lang="ru-RU" sz="2000" dirty="0" err="1" smtClean="0"/>
+              <a:t>цього</a:t>
+            </a:r>
+            <a:r>
+              <a:rPr lang="ru-RU" sz="2000" dirty="0" smtClean="0"/>
+              <a:t> </a:t>
+            </a:r>
+            <a:r>
+              <a:rPr lang="ru-RU" sz="2000" dirty="0" err="1" smtClean="0"/>
+              <a:t>проведемо</a:t>
+            </a:r>
+            <a:r>
+              <a:rPr lang="ru-RU" sz="2000" dirty="0" smtClean="0"/>
+              <a:t> </a:t>
+            </a:r>
+            <a:r>
+              <a:rPr lang="ru-RU" sz="2000" dirty="0" err="1" smtClean="0"/>
+              <a:t>заміну</a:t>
+            </a:r>
+            <a:r>
+              <a:rPr lang="ru-RU" sz="2000" dirty="0" smtClean="0"/>
+              <a:t> в </a:t>
+            </a:r>
+            <a:r>
+              <a:rPr lang="ru-RU" sz="2000" dirty="0" err="1" smtClean="0"/>
+              <a:t>виразі</a:t>
+            </a:r>
+            <a:r>
+              <a:rPr lang="ru-RU" sz="2000" dirty="0" smtClean="0"/>
+              <a:t> :</a:t>
+            </a:r>
+            <a:r>
+              <a:rPr lang="en-US" sz="2000" dirty="0" smtClean="0"/>
+              <a:t> </a:t>
+            </a:r>
+            <a:r>
+              <a:rPr lang="en-US" sz="2000" i="1" dirty="0" smtClean="0">
+                <a:latin typeface="+mj-lt"/>
+              </a:rPr>
+              <a:t>t=</a:t>
+            </a:r>
+            <a:r>
+              <a:rPr lang="en-US" sz="2000" i="1" dirty="0" err="1" smtClean="0">
+                <a:latin typeface="+mj-lt"/>
+              </a:rPr>
+              <a:t>u+iv</a:t>
+            </a:r>
+            <a:endParaRPr lang="ru-RU" sz="2000" i="1" dirty="0">
+              <a:latin typeface="+mj-lt"/>
+            </a:endParaRPr>
+          </a:p>
+          <a:p>
+            <a:pPr marL="0" indent="0">
+              <a:buNone/>
+            </a:pPr>
+            <a:endParaRPr lang="ru-RU" sz="2000" i="1" dirty="0" smtClean="0">
+              <a:latin typeface="+mj-lt"/>
+            </a:endParaRPr>
+          </a:p>
+          <a:p>
+            <a:pPr marL="0" indent="0">
+              <a:buNone/>
+            </a:pPr>
+            <a:endParaRPr lang="ru-RU" sz="2000" i="1" dirty="0">
+              <a:latin typeface="+mj-lt"/>
+            </a:endParaRPr>
+          </a:p>
+          <a:p>
+            <a:pPr marL="0" indent="0">
+              <a:buNone/>
+            </a:pPr>
+            <a:endParaRPr lang="ru-RU" sz="2000" i="1" dirty="0" smtClean="0">
+              <a:latin typeface="+mj-lt"/>
+            </a:endParaRPr>
+          </a:p>
+          <a:p>
+            <a:pPr marL="0" indent="0">
+              <a:buNone/>
+            </a:pPr>
+            <a:endParaRPr lang="ru-RU" sz="2000" i="1" dirty="0">
+              <a:latin typeface="+mj-lt"/>
+            </a:endParaRPr>
+          </a:p>
+          <a:p>
+            <a:pPr marL="0" indent="0">
+              <a:buNone/>
+            </a:pPr>
+            <a:endParaRPr lang="ru-RU" sz="2000" i="1" dirty="0" smtClean="0">
+              <a:latin typeface="+mj-lt"/>
+            </a:endParaRPr>
+          </a:p>
+          <a:p>
+            <a:pPr marL="0" indent="0">
+              <a:buNone/>
+            </a:pPr>
+            <a:endParaRPr lang="ru-RU" sz="2000" i="1" dirty="0">
+              <a:latin typeface="+mj-lt"/>
+            </a:endParaRPr>
+          </a:p>
+          <a:p>
+            <a:pPr marL="0" indent="0">
+              <a:buNone/>
+            </a:pPr>
+            <a:endParaRPr lang="en-US" sz="2000" dirty="0" smtClean="0"/>
+          </a:p>
+          <a:p>
+            <a:pPr marL="0" indent="0">
+              <a:buNone/>
+            </a:pPr>
+            <a:r>
+              <a:rPr lang="ru-RU" sz="2000" dirty="0" smtClean="0"/>
+              <a:t>У результат</a:t>
+            </a:r>
+            <a:r>
+              <a:rPr lang="uk-UA" sz="2000" dirty="0" smtClean="0"/>
+              <a:t>і виділення дійсної та уявної частини ми отримаємо дві сітки</a:t>
+            </a:r>
+            <a:endParaRPr lang="ru-RU" sz="2000" dirty="0" smtClean="0"/>
+          </a:p>
+          <a:p>
+            <a:pPr marL="0" indent="0">
+              <a:buNone/>
+            </a:pPr>
+            <a:endParaRPr lang="ru-RU" sz="2000" i="1" dirty="0">
+              <a:latin typeface="+mj-lt"/>
+            </a:endParaRPr>
+          </a:p>
+        </p:txBody>
+      </p:sp>
+      <p:graphicFrame>
+        <p:nvGraphicFramePr>
+          <p:cNvPr id="8" name="Object 5"/>
+          <p:cNvGraphicFramePr>
+            <a:graphicFrameLocks noChangeAspect="1"/>
+          </p:cNvGraphicFramePr>
+          <p:nvPr>
+            <p:extLst>
+              <p:ext uri="{D42A27DB-BD31-4B8C-83A1-F6EECF244321}">
+                <p14:modId xmlns:p14="http://schemas.microsoft.com/office/powerpoint/2010/main" val="2039660074"/>
+              </p:ext>
+            </p:extLst>
+          </p:nvPr>
+        </p:nvGraphicFramePr>
+        <p:xfrm>
+          <a:off x="766762" y="3056603"/>
+          <a:ext cx="7743825" cy="1028700"/>
+        </p:xfrm>
+        <a:graphic>
+          <a:graphicData uri="http://schemas.openxmlformats.org/presentationml/2006/ole">
+            <mc:AlternateContent xmlns:mc="http://schemas.openxmlformats.org/markup-compatibility/2006">
+              <mc:Choice xmlns:v="urn:schemas-microsoft-com:vml" Requires="v">
+                <p:oleObj spid="_x0000_s6165" name="Формула" r:id="rId3" imgW="5422680" imgH="660240" progId="Equation.3">
+                  <p:embed/>
+                </p:oleObj>
+              </mc:Choice>
+              <mc:Fallback>
+                <p:oleObj name="Формула" r:id="rId3" imgW="5422680" imgH="660240" progId="Equation.3">
+                  <p:embed/>
+                  <p:pic>
+                    <p:nvPicPr>
+                      <p:cNvPr id="0" name=""/>
+                      <p:cNvPicPr>
+                        <a:picLocks noChangeAspect="1" noChangeArrowheads="1"/>
+                      </p:cNvPicPr>
+                      <p:nvPr/>
+                    </p:nvPicPr>
+                    <p:blipFill>
+                      <a:blip r:embed="rId4">
+                        <a:extLst>
+                          <a:ext uri="{28A0092B-C50C-407E-A947-70E740481C1C}">
+                            <a14:useLocalDpi xmlns:a14="http://schemas.microsoft.com/office/drawing/2010/main" val="0"/>
+                          </a:ext>
+                        </a:extLst>
+                      </a:blip>
+                      <a:srcRect/>
+                      <a:stretch>
+                        <a:fillRect/>
+                      </a:stretch>
+                    </p:blipFill>
+                    <p:spPr bwMode="auto">
+                      <a:xfrm>
+                        <a:off x="766762" y="3056603"/>
+                        <a:ext cx="7743825" cy="1028700"/>
+                      </a:xfrm>
+                      <a:prstGeom prst="rect">
+                        <a:avLst/>
+                      </a:prstGeom>
+                      <a:noFill/>
+                      <a:extLst>
+                        <a:ext uri="{909E8E84-426E-40DD-AFC4-6F175D3DCCD1}">
+                          <a14:hiddenFill xmlns:a14="http://schemas.microsoft.com/office/drawing/2010/main">
+                            <a:solidFill>
+                              <a:srgbClr val="FFFFFF"/>
+                            </a:solidFill>
+                          </a14:hiddenFill>
+                        </a:ext>
+                      </a:extLst>
+                    </p:spPr>
+                  </p:pic>
+                </p:oleObj>
+              </mc:Fallback>
+            </mc:AlternateContent>
+          </a:graphicData>
+        </a:graphic>
+      </p:graphicFrame>
+      <p:graphicFrame>
+        <p:nvGraphicFramePr>
+          <p:cNvPr id="9" name="Object 4"/>
+          <p:cNvGraphicFramePr>
+            <a:graphicFrameLocks noChangeAspect="1"/>
+          </p:cNvGraphicFramePr>
+          <p:nvPr>
+            <p:extLst>
+              <p:ext uri="{D42A27DB-BD31-4B8C-83A1-F6EECF244321}">
+                <p14:modId xmlns:p14="http://schemas.microsoft.com/office/powerpoint/2010/main" val="862709374"/>
+              </p:ext>
+            </p:extLst>
+          </p:nvPr>
+        </p:nvGraphicFramePr>
+        <p:xfrm>
+          <a:off x="766762" y="4116389"/>
+          <a:ext cx="7791450" cy="1379537"/>
+        </p:xfrm>
+        <a:graphic>
+          <a:graphicData uri="http://schemas.openxmlformats.org/presentationml/2006/ole">
+            <mc:AlternateContent xmlns:mc="http://schemas.openxmlformats.org/markup-compatibility/2006">
+              <mc:Choice xmlns:v="urn:schemas-microsoft-com:vml" Requires="v">
+                <p:oleObj spid="_x0000_s6166" name="Формула" r:id="rId5" imgW="5181480" imgH="927000" progId="Equation.3">
+                  <p:embed/>
+                </p:oleObj>
+              </mc:Choice>
+              <mc:Fallback>
+                <p:oleObj name="Формула" r:id="rId5" imgW="5181480" imgH="927000" progId="Equation.3">
+                  <p:embed/>
+                  <p:pic>
+                    <p:nvPicPr>
+                      <p:cNvPr id="0" name=""/>
+                      <p:cNvPicPr>
+                        <a:picLocks noChangeAspect="1" noChangeArrowheads="1"/>
+                      </p:cNvPicPr>
+                      <p:nvPr/>
+                    </p:nvPicPr>
+                    <p:blipFill>
+                      <a:blip r:embed="rId6">
+                        <a:extLst>
+                          <a:ext uri="{28A0092B-C50C-407E-A947-70E740481C1C}">
+                            <a14:useLocalDpi xmlns:a14="http://schemas.microsoft.com/office/drawing/2010/main" val="0"/>
+                          </a:ext>
+                        </a:extLst>
+                      </a:blip>
+                      <a:srcRect/>
+                      <a:stretch>
+                        <a:fillRect/>
+                      </a:stretch>
+                    </p:blipFill>
+                    <p:spPr bwMode="auto">
+                      <a:xfrm>
+                        <a:off x="766762" y="4116389"/>
+                        <a:ext cx="7791450" cy="1379537"/>
+                      </a:xfrm>
+                      <a:prstGeom prst="rect">
+                        <a:avLst/>
+                      </a:prstGeom>
+                      <a:noFill/>
+                      <a:extLst>
+                        <a:ext uri="{909E8E84-426E-40DD-AFC4-6F175D3DCCD1}">
+                          <a14:hiddenFill xmlns:a14="http://schemas.microsoft.com/office/drawing/2010/main">
+                            <a:solidFill>
+                              <a:srgbClr val="FFFFFF"/>
+                            </a:solidFill>
+                          </a14:hiddenFill>
+                        </a:ext>
+                      </a:extLst>
+                    </p:spPr>
+                  </p:pic>
+                </p:oleObj>
+              </mc:Fallback>
+            </mc:AlternateContent>
+          </a:graphicData>
+        </a:graphic>
+      </p:graphicFrame>
+    </p:spTree>
+    <p:extLst>
+      <p:ext uri="{BB962C8B-B14F-4D97-AF65-F5344CB8AC3E}">
+        <p14:creationId xmlns:p14="http://schemas.microsoft.com/office/powerpoint/2010/main" val="3379008681"/>
+      </p:ext>
+    </p:extLst>
+  </p:cSld>
+  <p:clrMapOvr>
+    <a:masterClrMapping/>
+  </p:clrMapOvr>
+</p:sld>
+</file>
+
+<file path=ppt/slides/slide9.xml><?xml version="1.0" encoding="utf-8"?>
+<p:sld xmlns:a="http://schemas.openxmlformats.org/drawingml/2006/main" xmlns:r="http://schemas.openxmlformats.org/officeDocument/2006/relationships" xmlns:p="http://schemas.openxmlformats.org/presentationml/2006/main">
+  <p:cSld>
+    <p:spTree>
+      <p:nvGrpSpPr>
+        <p:cNvPr id="1" name=""/>
+        <p:cNvGrpSpPr/>
+        <p:nvPr/>
+      </p:nvGrpSpPr>
+      <p:grpSpPr>
+        <a:xfrm>
+          <a:off x="0" y="0"/>
+          <a:ext cx="0" cy="0"/>
+          <a:chOff x="0" y="0"/>
+          <a:chExt cx="0" cy="0"/>
+        </a:xfrm>
+      </p:grpSpPr>
+      <p:sp>
+        <p:nvSpPr>
+          <p:cNvPr id="2" name="Заголовок 1"/>
+          <p:cNvSpPr>
+            <a:spLocks noGrp="1"/>
+          </p:cNvSpPr>
+          <p:nvPr>
+            <p:ph type="title"/>
+          </p:nvPr>
+        </p:nvSpPr>
+        <p:spPr/>
+        <p:txBody>
+          <a:bodyPr>
+            <a:normAutofit fontScale="90000"/>
+          </a:bodyPr>
+          <a:lstStyle/>
+          <a:p>
+            <a:r>
+              <a:rPr lang="ru-RU" dirty="0" smtClean="0"/>
+              <a:t/>
+            </a:r>
+            <a:br>
+              <a:rPr lang="ru-RU" dirty="0" smtClean="0"/>
+            </a:br>
+            <a:r>
+              <a:rPr lang="ru-RU" dirty="0"/>
+              <a:t>ВИЗНАЧЕННЯ ВНУТРІШНЬОГО ГЕОМЕТРИИ </a:t>
+            </a:r>
+            <a:r>
+              <a:rPr lang="ru-RU" dirty="0" smtClean="0"/>
+              <a:t>ПОБУДОВИ</a:t>
+            </a:r>
+            <a:endParaRPr lang="ru-RU" dirty="0"/>
+          </a:p>
+        </p:txBody>
+      </p:sp>
+      <p:sp>
+        <p:nvSpPr>
+          <p:cNvPr id="3" name="Объект 2"/>
+          <p:cNvSpPr>
+            <a:spLocks noGrp="1"/>
+          </p:cNvSpPr>
+          <p:nvPr>
+            <p:ph idx="1"/>
+          </p:nvPr>
+        </p:nvSpPr>
+        <p:spPr/>
+        <p:txBody>
+          <a:bodyPr>
+            <a:normAutofit/>
+          </a:bodyPr>
+          <a:lstStyle/>
+          <a:p>
+            <a:pPr marL="0" indent="0">
+              <a:buNone/>
+            </a:pPr>
+            <a:r>
+              <a:rPr lang="ru-RU" sz="2000" dirty="0" err="1" smtClean="0"/>
+              <a:t>Після</a:t>
+            </a:r>
+            <a:r>
+              <a:rPr lang="ru-RU" sz="2000" dirty="0" smtClean="0"/>
+              <a:t> </a:t>
+            </a:r>
+            <a:r>
+              <a:rPr lang="ru-RU" sz="2000" dirty="0" err="1" smtClean="0"/>
+              <a:t>виділення</a:t>
+            </a:r>
+            <a:r>
+              <a:rPr lang="ru-RU" sz="2000" dirty="0" smtClean="0"/>
+              <a:t> </a:t>
+            </a:r>
+            <a:r>
+              <a:rPr lang="ru-RU" sz="2000" dirty="0" err="1" smtClean="0"/>
+              <a:t>дійсної</a:t>
+            </a:r>
+            <a:r>
+              <a:rPr lang="ru-RU" sz="2000" dirty="0" smtClean="0"/>
+              <a:t> </a:t>
+            </a:r>
+            <a:r>
+              <a:rPr lang="ru-RU" sz="2000" dirty="0" err="1" smtClean="0"/>
+              <a:t>частини</a:t>
+            </a:r>
+            <a:r>
+              <a:rPr lang="ru-RU" sz="2000" dirty="0" smtClean="0"/>
+              <a:t> </a:t>
+            </a:r>
+            <a:r>
+              <a:rPr lang="ru-RU" sz="2000" dirty="0" err="1" smtClean="0"/>
+              <a:t>проаналізуємо</a:t>
+            </a:r>
+            <a:r>
+              <a:rPr lang="ru-RU" sz="2000" dirty="0" smtClean="0"/>
+              <a:t> </a:t>
+            </a:r>
+            <a:r>
+              <a:rPr lang="ru-RU" sz="2000" dirty="0" err="1" smtClean="0"/>
+              <a:t>коефіцієнти</a:t>
+            </a:r>
+            <a:endParaRPr lang="ru-RU" sz="2000" dirty="0" smtClean="0"/>
+          </a:p>
+          <a:p>
+            <a:pPr marL="0" indent="0">
+              <a:buNone/>
+            </a:pPr>
+            <a:r>
+              <a:rPr lang="ru-RU" sz="2000" dirty="0" smtClean="0"/>
+              <a:t>для </a:t>
+            </a:r>
+            <a:r>
+              <a:rPr lang="ru-RU" sz="2000" dirty="0" err="1" smtClean="0"/>
+              <a:t>першої</a:t>
+            </a:r>
+            <a:r>
+              <a:rPr lang="ru-RU" sz="2000" dirty="0" smtClean="0"/>
+              <a:t> </a:t>
+            </a:r>
+            <a:r>
+              <a:rPr lang="ru-RU" sz="2000" dirty="0" err="1" smtClean="0"/>
+              <a:t>квадратичної</a:t>
+            </a:r>
+            <a:r>
+              <a:rPr lang="ru-RU" sz="2000" dirty="0" smtClean="0"/>
+              <a:t> </a:t>
+            </a:r>
+            <a:r>
+              <a:rPr lang="ru-RU" sz="2000" dirty="0" err="1" smtClean="0"/>
+              <a:t>форми</a:t>
+            </a:r>
+            <a:r>
+              <a:rPr lang="ru-RU" sz="2000" dirty="0" smtClean="0"/>
+              <a:t>.</a:t>
+            </a:r>
+          </a:p>
+          <a:p>
+            <a:pPr marL="0" indent="0">
+              <a:buNone/>
+            </a:pPr>
+            <a:endParaRPr lang="uk-UA" sz="2000" dirty="0"/>
+          </a:p>
+          <a:p>
+            <a:pPr marL="0" indent="0">
+              <a:buNone/>
+            </a:pPr>
+            <a:endParaRPr lang="uk-UA" sz="2000" dirty="0" smtClean="0"/>
+          </a:p>
+          <a:p>
+            <a:pPr marL="0" indent="0">
+              <a:buNone/>
+            </a:pPr>
+            <a:endParaRPr lang="uk-UA" sz="2000" dirty="0"/>
+          </a:p>
+          <a:p>
+            <a:pPr marL="0" indent="0">
+              <a:buNone/>
+            </a:pPr>
+            <a:r>
+              <a:rPr lang="ru-RU" sz="2000" dirty="0" smtClean="0"/>
+              <a:t/>
+            </a:r>
+            <a:br>
+              <a:rPr lang="ru-RU" sz="2000" dirty="0" smtClean="0"/>
+            </a:br>
+            <a:r>
+              <a:rPr lang="ru-RU" sz="2000" dirty="0"/>
+              <a:t>З </a:t>
+            </a:r>
+            <a:r>
+              <a:rPr lang="ru-RU" sz="2000" dirty="0" err="1"/>
+              <a:t>рівняння</a:t>
+            </a:r>
+            <a:r>
+              <a:rPr lang="ru-RU" sz="2000" dirty="0"/>
+              <a:t> видно, </a:t>
+            </a:r>
+            <a:r>
+              <a:rPr lang="ru-RU" sz="2000" dirty="0" err="1" smtClean="0"/>
+              <a:t>що</a:t>
+            </a:r>
+            <a:r>
+              <a:rPr lang="ru-RU" sz="2000" dirty="0" smtClean="0"/>
+              <a:t>                  а</a:t>
+            </a:r>
+            <a:endParaRPr lang="ru-RU" sz="2000" dirty="0"/>
+          </a:p>
+        </p:txBody>
+      </p:sp>
+      <p:graphicFrame>
+        <p:nvGraphicFramePr>
+          <p:cNvPr id="5" name="Object 6"/>
+          <p:cNvGraphicFramePr>
+            <a:graphicFrameLocks noChangeAspect="1"/>
+          </p:cNvGraphicFramePr>
+          <p:nvPr>
+            <p:extLst>
+              <p:ext uri="{D42A27DB-BD31-4B8C-83A1-F6EECF244321}">
+                <p14:modId xmlns:p14="http://schemas.microsoft.com/office/powerpoint/2010/main" val="3203695707"/>
+              </p:ext>
+            </p:extLst>
+          </p:nvPr>
+        </p:nvGraphicFramePr>
+        <p:xfrm>
+          <a:off x="798956" y="3189665"/>
+          <a:ext cx="6985000" cy="385763"/>
+        </p:xfrm>
+        <a:graphic>
+          <a:graphicData uri="http://schemas.openxmlformats.org/presentationml/2006/ole">
+            <mc:AlternateContent xmlns:mc="http://schemas.openxmlformats.org/markup-compatibility/2006">
+              <mc:Choice xmlns:v="urn:schemas-microsoft-com:vml" Requires="v">
+                <p:oleObj spid="_x0000_s7210" name="Microsoft Equation 3.0" r:id="rId3" imgW="4660900" imgH="228600" progId="Equation.3">
+                  <p:embed/>
+                </p:oleObj>
+              </mc:Choice>
+              <mc:Fallback>
+                <p:oleObj name="Microsoft Equation 3.0" r:id="rId3" imgW="4660900" imgH="228600" progId="Equation.3">
+                  <p:embed/>
+                  <p:pic>
+                    <p:nvPicPr>
+                      <p:cNvPr id="0" name=""/>
+                      <p:cNvPicPr>
+                        <a:picLocks noChangeAspect="1" noChangeArrowheads="1"/>
+                      </p:cNvPicPr>
+                      <p:nvPr/>
+                    </p:nvPicPr>
+                    <p:blipFill>
+                      <a:blip r:embed="rId4">
+                        <a:extLst>
+                          <a:ext uri="{28A0092B-C50C-407E-A947-70E740481C1C}">
+                            <a14:useLocalDpi xmlns:a14="http://schemas.microsoft.com/office/drawing/2010/main" val="0"/>
+                          </a:ext>
+                        </a:extLst>
+                      </a:blip>
+                      <a:srcRect/>
+                      <a:stretch>
+                        <a:fillRect/>
+                      </a:stretch>
+                    </p:blipFill>
+                    <p:spPr bwMode="auto">
+                      <a:xfrm>
+                        <a:off x="798956" y="3189665"/>
+                        <a:ext cx="6985000" cy="385763"/>
+                      </a:xfrm>
+                      <a:prstGeom prst="rect">
+                        <a:avLst/>
+                      </a:prstGeom>
+                      <a:noFill/>
+                      <a:extLst>
+                        <a:ext uri="{909E8E84-426E-40DD-AFC4-6F175D3DCCD1}">
+                          <a14:hiddenFill xmlns:a14="http://schemas.microsoft.com/office/drawing/2010/main">
+                            <a:solidFill>
+                              <a:srgbClr val="FFFFFF"/>
+                            </a:solidFill>
+                          </a14:hiddenFill>
+                        </a:ext>
+                      </a:extLst>
+                    </p:spPr>
+                  </p:pic>
+                </p:oleObj>
+              </mc:Fallback>
+            </mc:AlternateContent>
+          </a:graphicData>
+        </a:graphic>
+      </p:graphicFrame>
+      <p:graphicFrame>
+        <p:nvGraphicFramePr>
+          <p:cNvPr id="6" name="Object 5"/>
+          <p:cNvGraphicFramePr>
+            <a:graphicFrameLocks noChangeAspect="1"/>
+          </p:cNvGraphicFramePr>
+          <p:nvPr>
+            <p:extLst>
+              <p:ext uri="{D42A27DB-BD31-4B8C-83A1-F6EECF244321}">
+                <p14:modId xmlns:p14="http://schemas.microsoft.com/office/powerpoint/2010/main" val="3916546179"/>
+              </p:ext>
+            </p:extLst>
+          </p:nvPr>
+        </p:nvGraphicFramePr>
+        <p:xfrm>
+          <a:off x="798956" y="3715188"/>
+          <a:ext cx="4176712" cy="412750"/>
+        </p:xfrm>
+        <a:graphic>
+          <a:graphicData uri="http://schemas.openxmlformats.org/presentationml/2006/ole">
+            <mc:AlternateContent xmlns:mc="http://schemas.openxmlformats.org/markup-compatibility/2006">
+              <mc:Choice xmlns:v="urn:schemas-microsoft-com:vml" Requires="v">
+                <p:oleObj spid="_x0000_s7211" name="Microsoft Equation 3.0" r:id="rId5" imgW="2933700" imgH="266700" progId="Equation.3">
+                  <p:embed/>
+                </p:oleObj>
+              </mc:Choice>
+              <mc:Fallback>
+                <p:oleObj name="Microsoft Equation 3.0" r:id="rId5" imgW="2933700" imgH="266700" progId="Equation.3">
+                  <p:embed/>
+                  <p:pic>
+                    <p:nvPicPr>
+                      <p:cNvPr id="0" name=""/>
+                      <p:cNvPicPr>
+                        <a:picLocks noChangeAspect="1" noChangeArrowheads="1"/>
+                      </p:cNvPicPr>
+                      <p:nvPr/>
+                    </p:nvPicPr>
+                    <p:blipFill>
+                      <a:blip r:embed="rId6">
+                        <a:extLst>
+                          <a:ext uri="{28A0092B-C50C-407E-A947-70E740481C1C}">
+                            <a14:useLocalDpi xmlns:a14="http://schemas.microsoft.com/office/drawing/2010/main" val="0"/>
+                          </a:ext>
+                        </a:extLst>
+                      </a:blip>
+                      <a:srcRect/>
+                      <a:stretch>
+                        <a:fillRect/>
+                      </a:stretch>
+                    </p:blipFill>
+                    <p:spPr bwMode="auto">
+                      <a:xfrm>
+                        <a:off x="798956" y="3715188"/>
+                        <a:ext cx="4176712" cy="412750"/>
+                      </a:xfrm>
+                      <a:prstGeom prst="rect">
+                        <a:avLst/>
+                      </a:prstGeom>
+                      <a:noFill/>
+                      <a:extLst>
+                        <a:ext uri="{909E8E84-426E-40DD-AFC4-6F175D3DCCD1}">
+                          <a14:hiddenFill xmlns:a14="http://schemas.microsoft.com/office/drawing/2010/main">
+                            <a:solidFill>
+                              <a:srgbClr val="FFFFFF"/>
+                            </a:solidFill>
+                          </a14:hiddenFill>
+                        </a:ext>
+                      </a:extLst>
+                    </p:spPr>
+                  </p:pic>
+                </p:oleObj>
+              </mc:Fallback>
+            </mc:AlternateContent>
+          </a:graphicData>
+        </a:graphic>
+      </p:graphicFrame>
+      <p:graphicFrame>
+        <p:nvGraphicFramePr>
+          <p:cNvPr id="7" name="Object 4"/>
+          <p:cNvGraphicFramePr>
+            <a:graphicFrameLocks noChangeAspect="1"/>
+          </p:cNvGraphicFramePr>
+          <p:nvPr>
+            <p:extLst>
+              <p:ext uri="{D42A27DB-BD31-4B8C-83A1-F6EECF244321}">
+                <p14:modId xmlns:p14="http://schemas.microsoft.com/office/powerpoint/2010/main" val="3963029526"/>
+              </p:ext>
+            </p:extLst>
+          </p:nvPr>
+        </p:nvGraphicFramePr>
+        <p:xfrm>
+          <a:off x="838200" y="4175657"/>
+          <a:ext cx="4392612" cy="414337"/>
+        </p:xfrm>
+        <a:graphic>
+          <a:graphicData uri="http://schemas.openxmlformats.org/presentationml/2006/ole">
+            <mc:AlternateContent xmlns:mc="http://schemas.openxmlformats.org/markup-compatibility/2006">
+              <mc:Choice xmlns:v="urn:schemas-microsoft-com:vml" Requires="v">
+                <p:oleObj spid="_x0000_s7212" name="Microsoft Equation 3.0" r:id="rId7" imgW="2959100" imgH="266700" progId="Equation.3">
+                  <p:embed/>
+                </p:oleObj>
+              </mc:Choice>
+              <mc:Fallback>
+                <p:oleObj name="Microsoft Equation 3.0" r:id="rId7" imgW="2959100" imgH="266700" progId="Equation.3">
+                  <p:embed/>
+                  <p:pic>
+                    <p:nvPicPr>
+                      <p:cNvPr id="0" name=""/>
+                      <p:cNvPicPr>
+                        <a:picLocks noChangeAspect="1" noChangeArrowheads="1"/>
+                      </p:cNvPicPr>
+                      <p:nvPr/>
+                    </p:nvPicPr>
+                    <p:blipFill>
+                      <a:blip r:embed="rId8">
+                        <a:extLst>
+                          <a:ext uri="{28A0092B-C50C-407E-A947-70E740481C1C}">
+                            <a14:useLocalDpi xmlns:a14="http://schemas.microsoft.com/office/drawing/2010/main" val="0"/>
+                          </a:ext>
+                        </a:extLst>
+                      </a:blip>
+                      <a:srcRect/>
+                      <a:stretch>
+                        <a:fillRect/>
+                      </a:stretch>
+                    </p:blipFill>
+                    <p:spPr bwMode="auto">
+                      <a:xfrm>
+                        <a:off x="838200" y="4175657"/>
+                        <a:ext cx="4392612" cy="414337"/>
+                      </a:xfrm>
+                      <a:prstGeom prst="rect">
+                        <a:avLst/>
+                      </a:prstGeom>
+                      <a:noFill/>
+                      <a:extLst>
+                        <a:ext uri="{909E8E84-426E-40DD-AFC4-6F175D3DCCD1}">
+                          <a14:hiddenFill xmlns:a14="http://schemas.microsoft.com/office/drawing/2010/main">
+                            <a:solidFill>
+                              <a:srgbClr val="FFFFFF"/>
+                            </a:solidFill>
+                          </a14:hiddenFill>
+                        </a:ext>
+                      </a:extLst>
+                    </p:spPr>
+                  </p:pic>
+                </p:oleObj>
+              </mc:Fallback>
+            </mc:AlternateContent>
+          </a:graphicData>
+        </a:graphic>
+      </p:graphicFrame>
+      <p:graphicFrame>
+        <p:nvGraphicFramePr>
+          <p:cNvPr id="8" name="Object 24"/>
+          <p:cNvGraphicFramePr>
+            <a:graphicFrameLocks noChangeAspect="1"/>
+          </p:cNvGraphicFramePr>
+          <p:nvPr>
+            <p:extLst>
+              <p:ext uri="{D42A27DB-BD31-4B8C-83A1-F6EECF244321}">
+                <p14:modId xmlns:p14="http://schemas.microsoft.com/office/powerpoint/2010/main" val="4145466855"/>
+              </p:ext>
+            </p:extLst>
+          </p:nvPr>
+        </p:nvGraphicFramePr>
+        <p:xfrm>
+          <a:off x="3664528" y="4688658"/>
+          <a:ext cx="801688" cy="366712"/>
+        </p:xfrm>
+        <a:graphic>
+          <a:graphicData uri="http://schemas.openxmlformats.org/presentationml/2006/ole">
+            <mc:AlternateContent xmlns:mc="http://schemas.openxmlformats.org/markup-compatibility/2006">
+              <mc:Choice xmlns:v="urn:schemas-microsoft-com:vml" Requires="v">
+                <p:oleObj spid="_x0000_s7213" name="Microsoft Equation 3.0" r:id="rId9" imgW="508000" imgH="228600" progId="Equation.3">
+                  <p:embed/>
+                </p:oleObj>
+              </mc:Choice>
+              <mc:Fallback>
+                <p:oleObj name="Microsoft Equation 3.0" r:id="rId9" imgW="508000" imgH="228600" progId="Equation.3">
+                  <p:embed/>
+                  <p:pic>
+                    <p:nvPicPr>
+                      <p:cNvPr id="0" name=""/>
+                      <p:cNvPicPr>
+                        <a:picLocks noChangeAspect="1" noChangeArrowheads="1"/>
+                      </p:cNvPicPr>
+                      <p:nvPr/>
+                    </p:nvPicPr>
+                    <p:blipFill>
+                      <a:blip r:embed="rId10">
+                        <a:extLst>
+                          <a:ext uri="{28A0092B-C50C-407E-A947-70E740481C1C}">
+                            <a14:useLocalDpi xmlns:a14="http://schemas.microsoft.com/office/drawing/2010/main" val="0"/>
+                          </a:ext>
+                        </a:extLst>
+                      </a:blip>
+                      <a:srcRect/>
+                      <a:stretch>
+                        <a:fillRect/>
+                      </a:stretch>
+                    </p:blipFill>
+                    <p:spPr bwMode="auto">
+                      <a:xfrm>
+                        <a:off x="3664528" y="4688658"/>
+                        <a:ext cx="801688" cy="366712"/>
+                      </a:xfrm>
+                      <a:prstGeom prst="rect">
+                        <a:avLst/>
+                      </a:prstGeom>
+                      <a:noFill/>
+                      <a:extLst>
+                        <a:ext uri="{909E8E84-426E-40DD-AFC4-6F175D3DCCD1}">
+                          <a14:hiddenFill xmlns:a14="http://schemas.microsoft.com/office/drawing/2010/main">
+                            <a:solidFill>
+                              <a:srgbClr val="FFFFFF"/>
+                            </a:solidFill>
+                          </a14:hiddenFill>
+                        </a:ext>
+                      </a:extLst>
+                    </p:spPr>
+                  </p:pic>
+                </p:oleObj>
+              </mc:Fallback>
+            </mc:AlternateContent>
+          </a:graphicData>
+        </a:graphic>
+      </p:graphicFrame>
+      <p:graphicFrame>
+        <p:nvGraphicFramePr>
+          <p:cNvPr id="9" name="Object 23"/>
+          <p:cNvGraphicFramePr>
+            <a:graphicFrameLocks noChangeAspect="1"/>
+          </p:cNvGraphicFramePr>
+          <p:nvPr>
+            <p:extLst>
+              <p:ext uri="{D42A27DB-BD31-4B8C-83A1-F6EECF244321}">
+                <p14:modId xmlns:p14="http://schemas.microsoft.com/office/powerpoint/2010/main" val="3749985663"/>
+              </p:ext>
+            </p:extLst>
+          </p:nvPr>
+        </p:nvGraphicFramePr>
+        <p:xfrm>
+          <a:off x="5014912" y="4670161"/>
+          <a:ext cx="649288" cy="371475"/>
+        </p:xfrm>
+        <a:graphic>
+          <a:graphicData uri="http://schemas.openxmlformats.org/presentationml/2006/ole">
+            <mc:AlternateContent xmlns:mc="http://schemas.openxmlformats.org/markup-compatibility/2006">
+              <mc:Choice xmlns:v="urn:schemas-microsoft-com:vml" Requires="v">
+                <p:oleObj spid="_x0000_s7214" name="Microsoft Equation 3.0" r:id="rId11" imgW="406224" imgH="228501" progId="Equation.3">
+                  <p:embed/>
+                </p:oleObj>
+              </mc:Choice>
+              <mc:Fallback>
+                <p:oleObj name="Microsoft Equation 3.0" r:id="rId11" imgW="406224" imgH="228501" progId="Equation.3">
+                  <p:embed/>
+                  <p:pic>
+                    <p:nvPicPr>
+                      <p:cNvPr id="0" name=""/>
+                      <p:cNvPicPr>
+                        <a:picLocks noChangeAspect="1" noChangeArrowheads="1"/>
+                      </p:cNvPicPr>
+                      <p:nvPr/>
+                    </p:nvPicPr>
+                    <p:blipFill>
+                      <a:blip r:embed="rId12">
+                        <a:extLst>
+                          <a:ext uri="{28A0092B-C50C-407E-A947-70E740481C1C}">
+                            <a14:useLocalDpi xmlns:a14="http://schemas.microsoft.com/office/drawing/2010/main" val="0"/>
+                          </a:ext>
+                        </a:extLst>
+                      </a:blip>
+                      <a:srcRect/>
+                      <a:stretch>
+                        <a:fillRect/>
+                      </a:stretch>
+                    </p:blipFill>
+                    <p:spPr bwMode="auto">
+                      <a:xfrm>
+                        <a:off x="5014912" y="4670161"/>
+                        <a:ext cx="649288" cy="371475"/>
+                      </a:xfrm>
+                      <a:prstGeom prst="rect">
+                        <a:avLst/>
+                      </a:prstGeom>
+                      <a:noFill/>
+                      <a:extLst>
+                        <a:ext uri="{909E8E84-426E-40DD-AFC4-6F175D3DCCD1}">
+                          <a14:hiddenFill xmlns:a14="http://schemas.microsoft.com/office/drawing/2010/main">
+                            <a:solidFill>
+                              <a:srgbClr val="FFFFFF"/>
+                            </a:solidFill>
+                          </a14:hiddenFill>
+                        </a:ext>
+                      </a:extLst>
+                    </p:spPr>
+                  </p:pic>
+                </p:oleObj>
+              </mc:Fallback>
+            </mc:AlternateContent>
+          </a:graphicData>
+        </a:graphic>
+      </p:graphicFrame>
+    </p:spTree>
+    <p:extLst>
+      <p:ext uri="{BB962C8B-B14F-4D97-AF65-F5344CB8AC3E}">
+        <p14:creationId xmlns:p14="http://schemas.microsoft.com/office/powerpoint/2010/main" val="3323654266"/>
+      </p:ext>
+    </p:extLst>
+  </p:cSld>
+  <p:clrMapOvr>
+    <a:masterClrMapping/>
+  </p:clrMapOvr>
+</p:sld>
+</file>
+
 <file path=ppt/theme/theme1.xml><?xml version="1.0" encoding="utf-8"?>
 <a:theme xmlns:a="http://schemas.openxmlformats.org/drawingml/2006/main" name="Грань">
   <a:themeElements>
